--- a/db-index.pptx
+++ b/db-index.pptx
@@ -19,39 +19,40 @@
     <p:sldId id="262" r:id="rId12"/>
     <p:sldId id="264" r:id="rId13"/>
     <p:sldId id="266" r:id="rId14"/>
-    <p:sldId id="361" r:id="rId15"/>
-    <p:sldId id="265" r:id="rId16"/>
-    <p:sldId id="268" r:id="rId17"/>
-    <p:sldId id="267" r:id="rId18"/>
-    <p:sldId id="269" r:id="rId19"/>
-    <p:sldId id="270" r:id="rId20"/>
-    <p:sldId id="272" r:id="rId21"/>
-    <p:sldId id="273" r:id="rId22"/>
-    <p:sldId id="278" r:id="rId23"/>
-    <p:sldId id="279" r:id="rId24"/>
-    <p:sldId id="280" r:id="rId25"/>
-    <p:sldId id="282" r:id="rId26"/>
-    <p:sldId id="281" r:id="rId27"/>
-    <p:sldId id="276" r:id="rId28"/>
-    <p:sldId id="274" r:id="rId29"/>
-    <p:sldId id="304" r:id="rId30"/>
-    <p:sldId id="284" r:id="rId31"/>
-    <p:sldId id="301" r:id="rId32"/>
-    <p:sldId id="302" r:id="rId33"/>
-    <p:sldId id="294" r:id="rId34"/>
-    <p:sldId id="295" r:id="rId35"/>
-    <p:sldId id="296" r:id="rId36"/>
-    <p:sldId id="297" r:id="rId37"/>
-    <p:sldId id="298" r:id="rId38"/>
-    <p:sldId id="299" r:id="rId39"/>
-    <p:sldId id="293" r:id="rId40"/>
-    <p:sldId id="305" r:id="rId41"/>
-    <p:sldId id="287" r:id="rId42"/>
-    <p:sldId id="290" r:id="rId43"/>
-    <p:sldId id="285" r:id="rId44"/>
-    <p:sldId id="286" r:id="rId45"/>
-    <p:sldId id="291" r:id="rId46"/>
-    <p:sldId id="303" r:id="rId47"/>
+    <p:sldId id="394" r:id="rId15"/>
+    <p:sldId id="361" r:id="rId16"/>
+    <p:sldId id="265" r:id="rId17"/>
+    <p:sldId id="268" r:id="rId18"/>
+    <p:sldId id="267" r:id="rId19"/>
+    <p:sldId id="269" r:id="rId20"/>
+    <p:sldId id="270" r:id="rId21"/>
+    <p:sldId id="272" r:id="rId22"/>
+    <p:sldId id="273" r:id="rId23"/>
+    <p:sldId id="278" r:id="rId24"/>
+    <p:sldId id="279" r:id="rId25"/>
+    <p:sldId id="280" r:id="rId26"/>
+    <p:sldId id="282" r:id="rId27"/>
+    <p:sldId id="281" r:id="rId28"/>
+    <p:sldId id="276" r:id="rId29"/>
+    <p:sldId id="274" r:id="rId30"/>
+    <p:sldId id="304" r:id="rId31"/>
+    <p:sldId id="284" r:id="rId32"/>
+    <p:sldId id="301" r:id="rId33"/>
+    <p:sldId id="302" r:id="rId34"/>
+    <p:sldId id="294" r:id="rId35"/>
+    <p:sldId id="295" r:id="rId36"/>
+    <p:sldId id="296" r:id="rId37"/>
+    <p:sldId id="297" r:id="rId38"/>
+    <p:sldId id="298" r:id="rId39"/>
+    <p:sldId id="299" r:id="rId40"/>
+    <p:sldId id="293" r:id="rId41"/>
+    <p:sldId id="305" r:id="rId42"/>
+    <p:sldId id="287" r:id="rId43"/>
+    <p:sldId id="290" r:id="rId44"/>
+    <p:sldId id="285" r:id="rId45"/>
+    <p:sldId id="286" r:id="rId46"/>
+    <p:sldId id="291" r:id="rId47"/>
+    <p:sldId id="303" r:id="rId48"/>
   </p:sldIdLst>
   <p:sldSz cx="12192000" cy="6858000"/>
   <p:notesSz cx="7103745" cy="10234295"/>
@@ -3909,7 +3910,7 @@
         <a:spcBef>
           <a:spcPts val="1000"/>
         </a:spcBef>
-        <a:buFont typeface="Arial" panose="020B0604020202020204" pitchFamily="34" charset="0"/>
+        <a:buFont typeface="Arial" panose="020B0604020202090204" pitchFamily="34" charset="0"/>
         <a:buChar char="•"/>
         <a:defRPr sz="2800" kern="1200">
           <a:solidFill>
@@ -3927,7 +3928,7 @@
         <a:spcBef>
           <a:spcPts val="500"/>
         </a:spcBef>
-        <a:buFont typeface="Arial" panose="020B0604020202020204" pitchFamily="34" charset="0"/>
+        <a:buFont typeface="Arial" panose="020B0604020202090204" pitchFamily="34" charset="0"/>
         <a:buChar char="•"/>
         <a:defRPr sz="2400" kern="1200">
           <a:solidFill>
@@ -3945,7 +3946,7 @@
         <a:spcBef>
           <a:spcPts val="500"/>
         </a:spcBef>
-        <a:buFont typeface="Arial" panose="020B0604020202020204" pitchFamily="34" charset="0"/>
+        <a:buFont typeface="Arial" panose="020B0604020202090204" pitchFamily="34" charset="0"/>
         <a:buChar char="•"/>
         <a:defRPr sz="2000" kern="1200">
           <a:solidFill>
@@ -3963,7 +3964,7 @@
         <a:spcBef>
           <a:spcPts val="500"/>
         </a:spcBef>
-        <a:buFont typeface="Arial" panose="020B0604020202020204" pitchFamily="34" charset="0"/>
+        <a:buFont typeface="Arial" panose="020B0604020202090204" pitchFamily="34" charset="0"/>
         <a:buChar char="•"/>
         <a:defRPr sz="1800" kern="1200">
           <a:solidFill>
@@ -3981,7 +3982,7 @@
         <a:spcBef>
           <a:spcPts val="500"/>
         </a:spcBef>
-        <a:buFont typeface="Arial" panose="020B0604020202020204" pitchFamily="34" charset="0"/>
+        <a:buFont typeface="Arial" panose="020B0604020202090204" pitchFamily="34" charset="0"/>
         <a:buChar char="•"/>
         <a:defRPr sz="1800" kern="1200">
           <a:solidFill>
@@ -3999,7 +4000,7 @@
         <a:spcBef>
           <a:spcPts val="500"/>
         </a:spcBef>
-        <a:buFont typeface="Arial" panose="020B0604020202020204" pitchFamily="34" charset="0"/>
+        <a:buFont typeface="Arial" panose="020B0604020202090204" pitchFamily="34" charset="0"/>
         <a:buChar char="•"/>
         <a:defRPr sz="1800" kern="1200">
           <a:solidFill>
@@ -4017,7 +4018,7 @@
         <a:spcBef>
           <a:spcPts val="500"/>
         </a:spcBef>
-        <a:buFont typeface="Arial" panose="020B0604020202020204" pitchFamily="34" charset="0"/>
+        <a:buFont typeface="Arial" panose="020B0604020202090204" pitchFamily="34" charset="0"/>
         <a:buChar char="•"/>
         <a:defRPr sz="1800" kern="1200">
           <a:solidFill>
@@ -4035,7 +4036,7 @@
         <a:spcBef>
           <a:spcPts val="500"/>
         </a:spcBef>
-        <a:buFont typeface="Arial" panose="020B0604020202020204" pitchFamily="34" charset="0"/>
+        <a:buFont typeface="Arial" panose="020B0604020202090204" pitchFamily="34" charset="0"/>
         <a:buChar char="•"/>
         <a:defRPr sz="1800" kern="1200">
           <a:solidFill>
@@ -4053,7 +4054,7 @@
         <a:spcBef>
           <a:spcPts val="500"/>
         </a:spcBef>
-        <a:buFont typeface="Arial" panose="020B0604020202020204" pitchFamily="34" charset="0"/>
+        <a:buFont typeface="Arial" panose="020B0604020202090204" pitchFamily="34" charset="0"/>
         <a:buChar char="•"/>
         <a:defRPr sz="1800" kern="1200">
           <a:solidFill>
@@ -4445,53 +4446,141 @@
       <p:grpSpPr/>
       <p:sp>
         <p:nvSpPr>
-          <p:cNvPr id="2" name="Title 1"/>
+          <p:cNvPr id="3" name="Content Placeholder 2"/>
           <p:cNvSpPr>
             <a:spLocks noGrp="1"/>
           </p:cNvSpPr>
           <p:nvPr>
-            <p:ph type="title"/>
+            <p:ph idx="1"/>
           </p:nvPr>
         </p:nvSpPr>
         <p:spPr>
           <a:xfrm>
-            <a:off x="838200" y="2766060"/>
-            <a:ext cx="10515600" cy="1325563"/>
+            <a:off x="838200" y="455295"/>
+            <a:ext cx="10515600" cy="5761990"/>
           </a:xfrm>
         </p:spPr>
         <p:txBody>
           <a:bodyPr>
-            <a:normAutofit fontScale="90000"/>
+            <a:normAutofit fontScale="60000"/>
           </a:bodyPr>
           <a:p>
-            <a:pPr algn="ctr"/>
-            <a:r>
-              <a:rPr lang="zh-CN" altLang="en-US"/>
-              <a:t>代码优化的再好</a:t>
-            </a:r>
-            <a:br>
-              <a:rPr lang="zh-CN" altLang="en-US"/>
-            </a:br>
-            <a:br>
-              <a:rPr lang="zh-CN" altLang="en-US"/>
-            </a:br>
-            <a:r>
-              <a:rPr lang="zh-CN" altLang="en-US"/>
-              <a:t>一条</a:t>
-            </a:r>
-            <a:r>
-              <a:rPr lang="en-US" altLang="zh-CN"/>
-              <a:t>SQL</a:t>
-            </a:r>
-            <a:r>
-              <a:rPr lang="zh-CN" altLang="en-US"/>
-              <a:t>写的不好一切</a:t>
-            </a:r>
-            <a:r>
-              <a:rPr lang="zh-CN" altLang="en-US"/>
-              <a:t>都白干</a:t>
-            </a:r>
-            <a:endParaRPr lang="zh-CN" altLang="en-US"/>
+            <a:pPr marL="0" indent="0">
+              <a:buNone/>
+            </a:pPr>
+            <a:r>
+              <a:rPr lang="en-US"/>
+              <a:t>Latency Comparison Numbers (~2012)</a:t>
+            </a:r>
+            <a:endParaRPr lang="en-US"/>
+          </a:p>
+          <a:p>
+            <a:pPr marL="0" indent="0">
+              <a:buNone/>
+            </a:pPr>
+            <a:r>
+              <a:rPr lang="en-US"/>
+              <a:t>----------------------------------</a:t>
+            </a:r>
+            <a:endParaRPr lang="en-US"/>
+          </a:p>
+          <a:p>
+            <a:r>
+              <a:rPr lang="en-US"/>
+              <a:t>L1 cache reference                                  0.5 ns</a:t>
+            </a:r>
+            <a:endParaRPr lang="en-US"/>
+          </a:p>
+          <a:p>
+            <a:r>
+              <a:rPr lang="en-US"/>
+              <a:t>Branch mispredict                                    5   ns</a:t>
+            </a:r>
+            <a:endParaRPr lang="en-US"/>
+          </a:p>
+          <a:p>
+            <a:r>
+              <a:rPr lang="en-US"/>
+              <a:t>L2 cache reference                                   7   ns                      14x L1 cache</a:t>
+            </a:r>
+            <a:endParaRPr lang="en-US"/>
+          </a:p>
+          <a:p>
+            <a:r>
+              <a:rPr lang="en-US"/>
+              <a:t>Mutex lock/unlock                                    25   ns</a:t>
+            </a:r>
+            <a:endParaRPr lang="en-US"/>
+          </a:p>
+          <a:p>
+            <a:r>
+              <a:rPr lang="en-US"/>
+              <a:t>Main memory reference                           100   ns                      20x L2 cache, 200x L1 cache</a:t>
+            </a:r>
+            <a:endParaRPr lang="en-US"/>
+          </a:p>
+          <a:p>
+            <a:r>
+              <a:rPr lang="en-US"/>
+              <a:t>Compress 1K bytes with Zippy                3,000   ns        3 us</a:t>
+            </a:r>
+            <a:endParaRPr lang="en-US"/>
+          </a:p>
+          <a:p>
+            <a:r>
+              <a:rPr lang="en-US"/>
+              <a:t>Send 1K bytes over 1 Gbps network       10,000   ns       10 us</a:t>
+            </a:r>
+            <a:endParaRPr lang="en-US"/>
+          </a:p>
+          <a:p>
+            <a:r>
+              <a:rPr lang="en-US"/>
+              <a:t>Read 4K randomly from SSD*                 150,000   ns      150 us          ~1GB/sec SSD</a:t>
+            </a:r>
+            <a:endParaRPr lang="en-US"/>
+          </a:p>
+          <a:p>
+            <a:r>
+              <a:rPr lang="en-US"/>
+              <a:t>Read 1 MB sequentially from memory     250,000   ns      250 us</a:t>
+            </a:r>
+            <a:endParaRPr lang="en-US"/>
+          </a:p>
+          <a:p>
+            <a:r>
+              <a:rPr lang="en-US"/>
+              <a:t>Round trip within same datacenter          500,000   ns      500 us</a:t>
+            </a:r>
+            <a:endParaRPr lang="en-US"/>
+          </a:p>
+          <a:p>
+            <a:r>
+              <a:rPr lang="en-US"/>
+              <a:t>Read 1 MB sequentially from SSD*         1,000,000   ns    1,000 us    1 ms  ~1GB/sec SSD, 4X memory</a:t>
+            </a:r>
+            <a:endParaRPr lang="en-US"/>
+          </a:p>
+          <a:p>
+            <a:r>
+              <a:rPr lang="en-US"/>
+              <a:t>Disk seek                                                 10,000,000   ns   10,000 us   10 ms  20x datacenter roundtrip</a:t>
+            </a:r>
+            <a:endParaRPr lang="en-US"/>
+          </a:p>
+          <a:p>
+            <a:r>
+              <a:rPr lang="en-US"/>
+              <a:t>Read 1 MB sequentially from disk           20,000,000   ns   20,000 us   20 ms  80x memory, 20X SSD</a:t>
+            </a:r>
+            <a:endParaRPr lang="en-US"/>
+          </a:p>
+          <a:p>
+            <a:r>
+              <a:rPr lang="en-US"/>
+              <a:t>Send packet CA-&gt;Netherlands-&gt;CA       150,000,000   ns  150,000 us  150 ms</a:t>
+            </a:r>
+            <a:endParaRPr lang="en-US"/>
           </a:p>
         </p:txBody>
       </p:sp>
@@ -4513,56 +4602,51 @@
         <p:nvPr/>
       </p:nvGrpSpPr>
       <p:grpSpPr/>
-      <p:pic>
-        <p:nvPicPr>
-          <p:cNvPr id="4" name="Picture 3"/>
-          <p:cNvPicPr>
-            <a:picLocks noChangeAspect="1"/>
-          </p:cNvPicPr>
-          <p:nvPr/>
-        </p:nvPicPr>
-        <p:blipFill>
-          <a:blip r:embed="rId1"/>
-          <a:stretch>
-            <a:fillRect/>
-          </a:stretch>
-        </p:blipFill>
+      <p:sp>
+        <p:nvSpPr>
+          <p:cNvPr id="2" name="Title 1"/>
+          <p:cNvSpPr>
+            <a:spLocks noGrp="1"/>
+          </p:cNvSpPr>
+          <p:nvPr>
+            <p:ph type="title"/>
+          </p:nvPr>
+        </p:nvSpPr>
         <p:spPr>
           <a:xfrm>
-            <a:off x="1833245" y="2406650"/>
-            <a:ext cx="8525510" cy="2370455"/>
-          </a:xfrm>
-          <a:prstGeom prst="rect">
-            <a:avLst/>
-          </a:prstGeom>
-        </p:spPr>
-      </p:pic>
-      <p:sp>
-        <p:nvSpPr>
-          <p:cNvPr id="2" name="Text Box 1"/>
-          <p:cNvSpPr txBox="1"/>
-          <p:nvPr/>
-        </p:nvSpPr>
-        <p:spPr>
-          <a:xfrm>
-            <a:off x="3718560" y="868680"/>
-            <a:ext cx="4754880" cy="645160"/>
-          </a:xfrm>
-          <a:prstGeom prst="rect">
-            <a:avLst/>
-          </a:prstGeom>
-          <a:noFill/>
-        </p:spPr>
-        <p:txBody>
-          <a:bodyPr wrap="none" rtlCol="0">
-            <a:spAutoFit/>
+            <a:off x="838200" y="2766060"/>
+            <a:ext cx="10515600" cy="1325563"/>
+          </a:xfrm>
+        </p:spPr>
+        <p:txBody>
+          <a:bodyPr>
+            <a:normAutofit fontScale="90000"/>
           </a:bodyPr>
           <a:p>
-            <a:r>
-              <a:rPr lang="zh-CN" altLang="en-US" sz="3600"/>
-              <a:t>让节点变大以适应磁盘</a:t>
-            </a:r>
-            <a:endParaRPr lang="zh-CN" altLang="en-US" sz="3600"/>
+            <a:pPr algn="ctr"/>
+            <a:r>
+              <a:rPr lang="zh-CN" altLang="en-US"/>
+              <a:t>代码优化的再好</a:t>
+            </a:r>
+            <a:br>
+              <a:rPr lang="zh-CN" altLang="en-US"/>
+            </a:br>
+            <a:br>
+              <a:rPr lang="zh-CN" altLang="en-US"/>
+            </a:br>
+            <a:r>
+              <a:rPr lang="zh-CN" altLang="en-US"/>
+              <a:t>一条</a:t>
+            </a:r>
+            <a:r>
+              <a:rPr lang="en-US" altLang="zh-CN"/>
+              <a:t>SQL</a:t>
+            </a:r>
+            <a:r>
+              <a:rPr lang="zh-CN" altLang="en-US"/>
+              <a:t>写的不好一切都白干</a:t>
+            </a:r>
+            <a:endParaRPr lang="zh-CN" altLang="en-US"/>
           </a:p>
         </p:txBody>
       </p:sp>
@@ -4600,8 +4684,8 @@
         </p:blipFill>
         <p:spPr>
           <a:xfrm>
-            <a:off x="3662680" y="1610360"/>
-            <a:ext cx="4866005" cy="4805045"/>
+            <a:off x="1833245" y="2406650"/>
+            <a:ext cx="8525510" cy="2370455"/>
           </a:xfrm>
           <a:prstGeom prst="rect">
             <a:avLst/>
@@ -4610,37 +4694,30 @@
       </p:pic>
       <p:sp>
         <p:nvSpPr>
-          <p:cNvPr id="5" name="Title 4"/>
-          <p:cNvSpPr>
-            <a:spLocks noGrp="1"/>
-          </p:cNvSpPr>
-          <p:nvPr>
-            <p:ph type="title"/>
-          </p:nvPr>
+          <p:cNvPr id="2" name="Text Box 1"/>
+          <p:cNvSpPr txBox="1"/>
+          <p:nvPr/>
         </p:nvSpPr>
         <p:spPr>
           <a:xfrm>
-            <a:off x="838200" y="284480"/>
-            <a:ext cx="10515600" cy="1325563"/>
-          </a:xfrm>
-        </p:spPr>
-        <p:txBody>
-          <a:bodyPr/>
-          <a:p>
-            <a:pPr algn="ctr"/>
-            <a:r>
-              <a:rPr lang="en-US" altLang="zh-CN"/>
-              <a:t>B</a:t>
-            </a:r>
-            <a:r>
-              <a:rPr lang="zh-CN" altLang="en-US"/>
-              <a:t>树节点回溯</a:t>
-            </a:r>
-            <a:r>
-              <a:rPr lang="zh-CN" altLang="en-US"/>
-              <a:t>问题</a:t>
-            </a:r>
-            <a:endParaRPr lang="zh-CN" altLang="en-US"/>
+            <a:off x="3718560" y="868680"/>
+            <a:ext cx="4754880" cy="645160"/>
+          </a:xfrm>
+          <a:prstGeom prst="rect">
+            <a:avLst/>
+          </a:prstGeom>
+          <a:noFill/>
+        </p:spPr>
+        <p:txBody>
+          <a:bodyPr wrap="none" rtlCol="0">
+            <a:spAutoFit/>
+          </a:bodyPr>
+          <a:p>
+            <a:r>
+              <a:rPr lang="zh-CN" altLang="en-US" sz="3600"/>
+              <a:t>让节点变大以适应磁盘</a:t>
+            </a:r>
+            <a:endParaRPr lang="zh-CN" altLang="en-US" sz="3600"/>
           </a:p>
         </p:txBody>
       </p:sp>
@@ -4678,8 +4755,8 @@
         </p:blipFill>
         <p:spPr>
           <a:xfrm>
-            <a:off x="460375" y="2398395"/>
-            <a:ext cx="11270615" cy="2686050"/>
+            <a:off x="3662680" y="1610360"/>
+            <a:ext cx="4866005" cy="4805045"/>
           </a:xfrm>
           <a:prstGeom prst="rect">
             <a:avLst/>
@@ -4688,30 +4765,33 @@
       </p:pic>
       <p:sp>
         <p:nvSpPr>
-          <p:cNvPr id="2" name="Text Box 1"/>
-          <p:cNvSpPr txBox="1"/>
-          <p:nvPr/>
+          <p:cNvPr id="5" name="Title 4"/>
+          <p:cNvSpPr>
+            <a:spLocks noGrp="1"/>
+          </p:cNvSpPr>
+          <p:nvPr>
+            <p:ph type="title"/>
+          </p:nvPr>
         </p:nvSpPr>
         <p:spPr>
           <a:xfrm>
-            <a:off x="4632960" y="814705"/>
-            <a:ext cx="2926080" cy="645160"/>
-          </a:xfrm>
-          <a:prstGeom prst="rect">
-            <a:avLst/>
-          </a:prstGeom>
-          <a:noFill/>
-        </p:spPr>
-        <p:txBody>
-          <a:bodyPr wrap="none" rtlCol="0">
-            <a:spAutoFit/>
-          </a:bodyPr>
-          <a:p>
-            <a:r>
-              <a:rPr lang="zh-CN" altLang="en-US" sz="3600"/>
-              <a:t>把数据链起来</a:t>
-            </a:r>
-            <a:endParaRPr lang="zh-CN" altLang="en-US" sz="3600"/>
+            <a:off x="838200" y="284480"/>
+            <a:ext cx="10515600" cy="1325563"/>
+          </a:xfrm>
+        </p:spPr>
+        <p:txBody>
+          <a:bodyPr/>
+          <a:p>
+            <a:pPr algn="ctr"/>
+            <a:r>
+              <a:rPr lang="en-US" altLang="zh-CN"/>
+              <a:t>B</a:t>
+            </a:r>
+            <a:r>
+              <a:rPr lang="zh-CN" altLang="en-US"/>
+              <a:t>树节点回溯问题</a:t>
+            </a:r>
+            <a:endParaRPr lang="zh-CN" altLang="en-US"/>
           </a:p>
         </p:txBody>
       </p:sp>
@@ -4733,339 +4813,40 @@
         <p:nvPr/>
       </p:nvGrpSpPr>
       <p:grpSpPr/>
-      <p:sp>
-        <p:nvSpPr>
-          <p:cNvPr id="2" name="Title 1"/>
-          <p:cNvSpPr>
-            <a:spLocks noGrp="1"/>
-          </p:cNvSpPr>
-          <p:nvPr>
-            <p:ph type="title"/>
-          </p:nvPr>
-        </p:nvSpPr>
+      <p:pic>
+        <p:nvPicPr>
+          <p:cNvPr id="4" name="Picture 3"/>
+          <p:cNvPicPr>
+            <a:picLocks noChangeAspect="1"/>
+          </p:cNvPicPr>
+          <p:nvPr/>
+        </p:nvPicPr>
+        <p:blipFill>
+          <a:blip r:embed="rId1"/>
+          <a:stretch>
+            <a:fillRect/>
+          </a:stretch>
+        </p:blipFill>
         <p:spPr>
           <a:xfrm>
-            <a:off x="838200" y="1294130"/>
-            <a:ext cx="10515600" cy="5262245"/>
-          </a:xfrm>
-        </p:spPr>
-        <p:txBody>
-          <a:bodyPr>
-            <a:normAutofit fontScale="90000"/>
-          </a:bodyPr>
-          <a:p>
-            <a:r>
-              <a:rPr lang="en-US" altLang="zh-CN" sz="2800"/>
-              <a:t>1</a:t>
-            </a:r>
-            <a:r>
-              <a:rPr lang="zh-CN" altLang="en-US" sz="2800"/>
-              <a:t>、内部的非叶子节点只存储Key，不存Value数据。</a:t>
-            </a:r>
-            <a:br>
-              <a:rPr lang="zh-CN" altLang="en-US" sz="2800"/>
-            </a:br>
-            <a:r>
-              <a:rPr lang="zh-CN" altLang="en-US" sz="2800"/>
-              <a:t>     </a:t>
-            </a:r>
-            <a:r>
-              <a:rPr lang="en-US" altLang="zh-CN" sz="2800"/>
-              <a:t>  </a:t>
-            </a:r>
-            <a:r>
-              <a:rPr lang="zh-CN" altLang="en-US" sz="2800"/>
-              <a:t>完整的数据都保存在叶子节点中。</a:t>
-            </a:r>
-            <a:br>
-              <a:rPr lang="zh-CN" altLang="en-US" sz="2800"/>
-            </a:br>
-            <a:br>
-              <a:rPr lang="zh-CN" altLang="en-US" sz="2800"/>
-            </a:br>
-            <a:r>
-              <a:rPr lang="zh-CN" altLang="en-US" sz="2800"/>
-              <a:t>     </a:t>
-            </a:r>
-            <a:r>
-              <a:rPr lang="en-US" altLang="zh-CN" sz="2800"/>
-              <a:t>  </a:t>
-            </a:r>
-            <a:r>
-              <a:rPr lang="zh-CN" altLang="en-US" sz="2800"/>
-              <a:t>目的：让非叶子节点可以索引更多数据。</a:t>
-            </a:r>
-            <a:br>
-              <a:rPr lang="zh-CN" altLang="en-US" sz="2800"/>
-            </a:br>
-            <a:br>
-              <a:rPr lang="zh-CN" altLang="en-US" sz="2800"/>
-            </a:br>
-            <a:r>
-              <a:rPr lang="zh-CN" altLang="en-US" sz="2800"/>
-              <a:t>以</a:t>
-            </a:r>
-            <a:r>
-              <a:rPr lang="en-US" altLang="zh-CN" sz="2800"/>
-              <a:t>MySQL</a:t>
-            </a:r>
-            <a:r>
-              <a:rPr lang="zh-CN" altLang="en-US" sz="2800"/>
-              <a:t>为例，</a:t>
-            </a:r>
-            <a:r>
-              <a:rPr lang="en-US" altLang="zh-CN" sz="2800"/>
-              <a:t>InnoDB</a:t>
-            </a:r>
-            <a:r>
-              <a:rPr lang="zh-CN" altLang="en-US" sz="2800"/>
-              <a:t>的页大小为</a:t>
-            </a:r>
-            <a:r>
-              <a:rPr lang="en-US" altLang="zh-CN" sz="2800"/>
-              <a:t>16KB</a:t>
-            </a:r>
-            <a:r>
-              <a:rPr lang="zh-CN" altLang="en-US" sz="2800"/>
-              <a:t>。主键使用</a:t>
-            </a:r>
-            <a:r>
-              <a:rPr lang="en-US" altLang="zh-CN" sz="2800"/>
-              <a:t>8</a:t>
-            </a:r>
-            <a:r>
-              <a:rPr lang="zh-CN" altLang="en-US" sz="2800"/>
-              <a:t>字节的</a:t>
-            </a:r>
-            <a:r>
-              <a:rPr lang="en-US" altLang="zh-CN" sz="2800"/>
-              <a:t>bigint</a:t>
-            </a:r>
-            <a:r>
-              <a:rPr lang="zh-CN" altLang="en-US" sz="2800"/>
-              <a:t>，下级指针也用</a:t>
-            </a:r>
-            <a:r>
-              <a:rPr lang="en-US" altLang="zh-CN" sz="2800"/>
-              <a:t>8</a:t>
-            </a:r>
-            <a:r>
-              <a:rPr lang="zh-CN" altLang="en-US" sz="2800"/>
-              <a:t>字节</a:t>
-            </a:r>
-            <a:r>
-              <a:rPr lang="en-US" altLang="zh-CN" sz="2800"/>
-              <a:t>(4</a:t>
-            </a:r>
-            <a:r>
-              <a:rPr lang="zh-CN" altLang="en-US" sz="2800"/>
-              <a:t>字节</a:t>
-            </a:r>
-            <a:r>
-              <a:rPr lang="en-US" altLang="zh-CN" sz="2800"/>
-              <a:t>32bit</a:t>
-            </a:r>
-            <a:r>
-              <a:rPr lang="zh-CN" altLang="en-US" sz="2800"/>
-              <a:t>只能寻址</a:t>
-            </a:r>
-            <a:r>
-              <a:rPr lang="en-US" altLang="zh-CN" sz="2800"/>
-              <a:t>4GB</a:t>
-            </a:r>
-            <a:r>
-              <a:rPr lang="zh-CN" altLang="en-US" sz="2800"/>
-              <a:t>数据</a:t>
-            </a:r>
-            <a:r>
-              <a:rPr lang="en-US" altLang="zh-CN" sz="2800"/>
-              <a:t>)</a:t>
-            </a:r>
-            <a:r>
-              <a:rPr lang="zh-CN" altLang="en-US" sz="2800"/>
-              <a:t>。相当于：</a:t>
-            </a:r>
-            <a:br>
-              <a:rPr lang="zh-CN" altLang="en-US" sz="2800"/>
-            </a:br>
-            <a:br>
-              <a:rPr lang="zh-CN" altLang="en-US" sz="2800"/>
-            </a:br>
-            <a:r>
-              <a:rPr lang="zh-CN" altLang="en-US" sz="2800"/>
-              <a:t>一页能存</a:t>
-            </a:r>
-            <a:r>
-              <a:rPr lang="en-US" altLang="zh-CN" sz="2800"/>
-              <a:t>1000</a:t>
-            </a:r>
-            <a:r>
-              <a:rPr lang="zh-CN" altLang="en-US" sz="2800"/>
-              <a:t>条左右的数据</a:t>
-            </a:r>
-            <a:r>
-              <a:rPr lang="en-US" altLang="zh-CN" sz="2800"/>
-              <a:t>(</a:t>
-            </a:r>
-            <a:r>
-              <a:rPr lang="zh-CN" altLang="en-US" sz="2800"/>
-              <a:t>不考虑</a:t>
-            </a:r>
-            <a:r>
-              <a:rPr lang="en-US" altLang="zh-CN" sz="2800"/>
-              <a:t>InnoDB</a:t>
-            </a:r>
-            <a:r>
-              <a:rPr lang="zh-CN" altLang="en-US" sz="2800"/>
-              <a:t>预留的</a:t>
-            </a:r>
-            <a:r>
-              <a:rPr lang="en-US" altLang="zh-CN" sz="2800"/>
-              <a:t>1/16</a:t>
-            </a:r>
-            <a:r>
-              <a:rPr lang="zh-CN" altLang="en-US" sz="2800"/>
-              <a:t>空间</a:t>
-            </a:r>
-            <a:r>
-              <a:rPr lang="en-US" altLang="zh-CN" sz="2800"/>
-              <a:t>)</a:t>
-            </a:r>
-            <a:r>
-              <a:rPr lang="zh-CN" altLang="en-US" sz="2800"/>
-              <a:t>。</a:t>
-            </a:r>
-            <a:br>
-              <a:rPr lang="zh-CN" altLang="en-US" sz="2800"/>
-            </a:br>
-            <a:br>
-              <a:rPr lang="zh-CN" altLang="en-US" sz="2800"/>
-            </a:br>
-            <a:r>
-              <a:rPr lang="zh-CN" altLang="en-US" sz="2800"/>
-              <a:t>两层</a:t>
-            </a:r>
-            <a:r>
-              <a:rPr lang="en-US" altLang="zh-CN" sz="2800"/>
-              <a:t>B+</a:t>
-            </a:r>
-            <a:r>
-              <a:rPr lang="zh-CN" altLang="en-US" sz="2800"/>
-              <a:t>树就能索引</a:t>
-            </a:r>
-            <a:r>
-              <a:rPr lang="en-US" altLang="zh-CN" sz="2800"/>
-              <a:t>1000*1000</a:t>
-            </a:r>
-            <a:r>
-              <a:rPr lang="zh-CN" altLang="en-US" sz="2800"/>
-              <a:t>条数据（占用空间</a:t>
-            </a:r>
-            <a:r>
-              <a:rPr lang="en-US" altLang="zh-CN" sz="2800"/>
-              <a:t>16MB</a:t>
-            </a:r>
-            <a:r>
-              <a:rPr lang="zh-CN" altLang="en-US" sz="2800"/>
-              <a:t>）</a:t>
-            </a:r>
-            <a:br>
-              <a:rPr lang="zh-CN" altLang="en-US" sz="2800"/>
-            </a:br>
-            <a:br>
-              <a:rPr lang="zh-CN" altLang="en-US" sz="2800"/>
-            </a:br>
-            <a:r>
-              <a:rPr lang="zh-CN" altLang="en-US" sz="2800"/>
-              <a:t>三</a:t>
-            </a:r>
-            <a:r>
-              <a:rPr lang="zh-CN" altLang="en-US" sz="2800">
-                <a:sym typeface="+mn-ea"/>
-              </a:rPr>
-              <a:t>层</a:t>
-            </a:r>
-            <a:r>
-              <a:rPr lang="en-US" altLang="zh-CN" sz="2800">
-                <a:sym typeface="+mn-ea"/>
-              </a:rPr>
-              <a:t>B+</a:t>
-            </a:r>
-            <a:r>
-              <a:rPr lang="zh-CN" altLang="en-US" sz="2800">
-                <a:sym typeface="+mn-ea"/>
-              </a:rPr>
-              <a:t>树就能索引</a:t>
-            </a:r>
-            <a:r>
-              <a:rPr lang="en-US" altLang="zh-CN" sz="2800">
-                <a:sym typeface="+mn-ea"/>
-              </a:rPr>
-              <a:t>1000*1000*1000</a:t>
-            </a:r>
-            <a:r>
-              <a:rPr lang="zh-CN" altLang="en-US" sz="2800">
-                <a:sym typeface="+mn-ea"/>
-              </a:rPr>
-              <a:t>条数据（占用空间</a:t>
-            </a:r>
-            <a:r>
-              <a:rPr lang="en-US" altLang="zh-CN" sz="2800">
-                <a:sym typeface="+mn-ea"/>
-              </a:rPr>
-              <a:t>16GB</a:t>
-            </a:r>
-            <a:r>
-              <a:rPr lang="zh-CN" altLang="en-US" sz="2800">
-                <a:sym typeface="+mn-ea"/>
-              </a:rPr>
-              <a:t>）</a:t>
-            </a:r>
-            <a:br>
-              <a:rPr lang="zh-CN" altLang="en-US" sz="2800">
-                <a:sym typeface="+mn-ea"/>
-              </a:rPr>
-            </a:br>
-            <a:br>
-              <a:rPr lang="zh-CN" altLang="en-US" sz="2800">
-                <a:sym typeface="+mn-ea"/>
-              </a:rPr>
-            </a:br>
-            <a:r>
-              <a:rPr lang="zh-CN" altLang="en-US" sz="2800">
-                <a:sym typeface="+mn-ea"/>
-              </a:rPr>
-              <a:t>内两层索引只有</a:t>
-            </a:r>
-            <a:r>
-              <a:rPr lang="en-US" altLang="zh-CN" sz="2800">
-                <a:sym typeface="+mn-ea"/>
-              </a:rPr>
-              <a:t>16.016MB</a:t>
-            </a:r>
-            <a:r>
-              <a:rPr lang="zh-CN" altLang="en-US" sz="2800">
-                <a:sym typeface="+mn-ea"/>
-              </a:rPr>
-              <a:t>，完全可以缓存在内存里。</a:t>
-            </a:r>
-            <a:br>
-              <a:rPr lang="zh-CN" altLang="en-US" sz="2800"/>
-            </a:br>
-            <a:endParaRPr lang="zh-CN" altLang="en-US" sz="2800"/>
-          </a:p>
-        </p:txBody>
-      </p:sp>
-      <p:sp>
-        <p:nvSpPr>
-          <p:cNvPr id="3" name="Text Box 2"/>
+            <a:off x="460375" y="2398395"/>
+            <a:ext cx="11270615" cy="2686050"/>
+          </a:xfrm>
+          <a:prstGeom prst="rect">
+            <a:avLst/>
+          </a:prstGeom>
+        </p:spPr>
+      </p:pic>
+      <p:sp>
+        <p:nvSpPr>
+          <p:cNvPr id="2" name="Text Box 1"/>
           <p:cNvSpPr txBox="1"/>
           <p:nvPr/>
         </p:nvSpPr>
         <p:spPr>
           <a:xfrm>
-            <a:off x="2640965" y="349250"/>
-            <a:ext cx="6910705" cy="583565"/>
+            <a:off x="4632960" y="814705"/>
+            <a:ext cx="2926080" cy="645160"/>
           </a:xfrm>
           <a:prstGeom prst="rect">
             <a:avLst/>
@@ -5073,32 +4854,15 @@
           <a:noFill/>
         </p:spPr>
         <p:txBody>
-          <a:bodyPr wrap="square" rtlCol="0">
+          <a:bodyPr wrap="none" rtlCol="0">
             <a:spAutoFit/>
           </a:bodyPr>
           <a:p>
-            <a:pPr algn="l"/>
-            <a:r>
-              <a:rPr lang="en-US" sz="3200">
-                <a:sym typeface="+mn-ea"/>
-              </a:rPr>
-              <a:t>B+</a:t>
-            </a:r>
-            <a:r>
-              <a:rPr lang="zh-CN" altLang="en-US" sz="3200">
-                <a:sym typeface="+mn-ea"/>
-              </a:rPr>
-              <a:t>树的优点：一切都是为了减少</a:t>
-            </a:r>
-            <a:r>
-              <a:rPr lang="en-US" altLang="zh-CN" sz="3200">
-                <a:sym typeface="+mn-ea"/>
-              </a:rPr>
-              <a:t>I/O</a:t>
-            </a:r>
-            <a:endParaRPr lang="en-US" altLang="zh-CN" sz="3200">
-              <a:sym typeface="+mn-ea"/>
-            </a:endParaRPr>
+            <a:r>
+              <a:rPr lang="zh-CN" altLang="en-US" sz="3600"/>
+              <a:t>把数据链起来</a:t>
+            </a:r>
+            <a:endParaRPr lang="zh-CN" altLang="en-US" sz="3600"/>
           </a:p>
         </p:txBody>
       </p:sp>
@@ -5122,7 +4886,7 @@
       <p:grpSpPr/>
       <p:sp>
         <p:nvSpPr>
-          <p:cNvPr id="4" name="Title 3"/>
+          <p:cNvPr id="2" name="Title 1"/>
           <p:cNvSpPr>
             <a:spLocks noGrp="1"/>
           </p:cNvSpPr>
@@ -5132,22 +4896,37 @@
         </p:nvSpPr>
         <p:spPr>
           <a:xfrm>
-            <a:off x="838200" y="1736725"/>
-            <a:ext cx="10515600" cy="4356735"/>
+            <a:off x="838200" y="1294130"/>
+            <a:ext cx="10515600" cy="5262245"/>
           </a:xfrm>
         </p:spPr>
         <p:txBody>
           <a:bodyPr>
-            <a:normAutofit/>
+            <a:normAutofit fontScale="90000"/>
           </a:bodyPr>
           <a:p>
             <a:r>
               <a:rPr lang="en-US" altLang="zh-CN" sz="2800"/>
-              <a:t>2</a:t>
+              <a:t>1</a:t>
             </a:r>
             <a:r>
               <a:rPr lang="zh-CN" altLang="en-US" sz="2800"/>
-              <a:t>、叶子节点之间用指针串联起来</a:t>
+              <a:t>、内部的非叶子节点只存储Key，不存Value数据。</a:t>
+            </a:r>
+            <a:br>
+              <a:rPr lang="zh-CN" altLang="en-US" sz="2800"/>
+            </a:br>
+            <a:r>
+              <a:rPr lang="zh-CN" altLang="en-US" sz="2800"/>
+              <a:t>     </a:t>
+            </a:r>
+            <a:r>
+              <a:rPr lang="en-US" altLang="zh-CN" sz="2800"/>
+              <a:t>  </a:t>
+            </a:r>
+            <a:r>
+              <a:rPr lang="zh-CN" altLang="en-US" sz="2800"/>
+              <a:t>完整的数据都保存在叶子节点中。</a:t>
             </a:r>
             <a:br>
               <a:rPr lang="zh-CN" altLang="en-US" sz="2800"/>
@@ -5157,15 +4936,269 @@
             </a:br>
             <a:r>
               <a:rPr lang="zh-CN" altLang="en-US" sz="2800"/>
-              <a:t>范围查询不需要回溯节点，减少磁盘</a:t>
+              <a:t>     </a:t>
             </a:r>
             <a:r>
               <a:rPr lang="en-US" altLang="zh-CN" sz="2800"/>
-              <a:t>IO</a:t>
+              <a:t>  </a:t>
             </a:r>
             <a:r>
               <a:rPr lang="zh-CN" altLang="en-US" sz="2800"/>
-              <a:t>次数。</a:t>
+              <a:t>目的：让非叶子节点可以索引更多数据。</a:t>
+            </a:r>
+            <a:br>
+              <a:rPr lang="zh-CN" altLang="en-US" sz="2800"/>
+            </a:br>
+            <a:br>
+              <a:rPr lang="zh-CN" altLang="en-US" sz="2800"/>
+            </a:br>
+            <a:r>
+              <a:rPr lang="zh-CN" altLang="en-US" sz="2800"/>
+              <a:t>以</a:t>
+            </a:r>
+            <a:r>
+              <a:rPr lang="en-US" altLang="zh-CN" sz="2800"/>
+              <a:t>MySQL</a:t>
+            </a:r>
+            <a:r>
+              <a:rPr lang="zh-CN" altLang="en-US" sz="2800"/>
+              <a:t>为例，</a:t>
+            </a:r>
+            <a:r>
+              <a:rPr lang="en-US" altLang="zh-CN" sz="2800"/>
+              <a:t>InnoDB</a:t>
+            </a:r>
+            <a:r>
+              <a:rPr lang="zh-CN" altLang="en-US" sz="2800"/>
+              <a:t>的页大小为</a:t>
+            </a:r>
+            <a:r>
+              <a:rPr lang="en-US" altLang="zh-CN" sz="2800"/>
+              <a:t>16KB</a:t>
+            </a:r>
+            <a:r>
+              <a:rPr lang="zh-CN" altLang="en-US" sz="2800"/>
+              <a:t>。主键使用</a:t>
+            </a:r>
+            <a:r>
+              <a:rPr lang="en-US" altLang="zh-CN" sz="2800"/>
+              <a:t>8</a:t>
+            </a:r>
+            <a:r>
+              <a:rPr lang="zh-CN" altLang="en-US" sz="2800"/>
+              <a:t>字节的</a:t>
+            </a:r>
+            <a:r>
+              <a:rPr lang="en-US" altLang="zh-CN" sz="2800"/>
+              <a:t>bigint</a:t>
+            </a:r>
+            <a:r>
+              <a:rPr lang="zh-CN" altLang="en-US" sz="2800"/>
+              <a:t>，下级指针也用</a:t>
+            </a:r>
+            <a:r>
+              <a:rPr lang="en-US" altLang="zh-CN" sz="2800"/>
+              <a:t>8</a:t>
+            </a:r>
+            <a:r>
+              <a:rPr lang="zh-CN" altLang="en-US" sz="2800"/>
+              <a:t>字节</a:t>
+            </a:r>
+            <a:r>
+              <a:rPr lang="en-US" altLang="zh-CN" sz="2800"/>
+              <a:t>(4</a:t>
+            </a:r>
+            <a:r>
+              <a:rPr lang="zh-CN" altLang="en-US" sz="2800"/>
+              <a:t>字节</a:t>
+            </a:r>
+            <a:r>
+              <a:rPr lang="en-US" altLang="zh-CN" sz="2800"/>
+              <a:t>32bit</a:t>
+            </a:r>
+            <a:r>
+              <a:rPr lang="zh-CN" altLang="en-US" sz="2800"/>
+              <a:t>只能寻址</a:t>
+            </a:r>
+            <a:r>
+              <a:rPr lang="en-US" altLang="zh-CN" sz="2800"/>
+              <a:t>4GB</a:t>
+            </a:r>
+            <a:r>
+              <a:rPr lang="zh-CN" altLang="en-US" sz="2800"/>
+              <a:t>数据</a:t>
+            </a:r>
+            <a:r>
+              <a:rPr lang="en-US" altLang="zh-CN" sz="2800"/>
+              <a:t>)</a:t>
+            </a:r>
+            <a:r>
+              <a:rPr lang="zh-CN" altLang="en-US" sz="2800"/>
+              <a:t>。相当于：</a:t>
+            </a:r>
+            <a:br>
+              <a:rPr lang="zh-CN" altLang="en-US" sz="2800"/>
+            </a:br>
+            <a:br>
+              <a:rPr lang="zh-CN" altLang="en-US" sz="2800"/>
+            </a:br>
+            <a:r>
+              <a:rPr lang="zh-CN" altLang="en-US" sz="2800"/>
+              <a:t>一页能存</a:t>
+            </a:r>
+            <a:r>
+              <a:rPr lang="en-US" altLang="zh-CN" sz="2800"/>
+              <a:t>1000</a:t>
+            </a:r>
+            <a:r>
+              <a:rPr lang="zh-CN" altLang="en-US" sz="2800"/>
+              <a:t>条左右的数据</a:t>
+            </a:r>
+            <a:r>
+              <a:rPr lang="en-US" altLang="zh-CN" sz="2800"/>
+              <a:t>(</a:t>
+            </a:r>
+            <a:r>
+              <a:rPr lang="zh-CN" altLang="en-US" sz="2800"/>
+              <a:t>不考虑</a:t>
+            </a:r>
+            <a:r>
+              <a:rPr lang="en-US" altLang="zh-CN" sz="2800"/>
+              <a:t>InnoDB</a:t>
+            </a:r>
+            <a:r>
+              <a:rPr lang="zh-CN" altLang="en-US" sz="2800"/>
+              <a:t>预留的</a:t>
+            </a:r>
+            <a:r>
+              <a:rPr lang="en-US" altLang="zh-CN" sz="2800"/>
+              <a:t>1/16</a:t>
+            </a:r>
+            <a:r>
+              <a:rPr lang="zh-CN" altLang="en-US" sz="2800"/>
+              <a:t>空间</a:t>
+            </a:r>
+            <a:r>
+              <a:rPr lang="en-US" altLang="zh-CN" sz="2800"/>
+              <a:t>)</a:t>
+            </a:r>
+            <a:r>
+              <a:rPr lang="zh-CN" altLang="en-US" sz="2800"/>
+              <a:t>。</a:t>
+            </a:r>
+            <a:br>
+              <a:rPr lang="zh-CN" altLang="en-US" sz="2800"/>
+            </a:br>
+            <a:br>
+              <a:rPr lang="zh-CN" altLang="en-US" sz="2800"/>
+            </a:br>
+            <a:r>
+              <a:rPr lang="zh-CN" altLang="en-US" sz="2800"/>
+              <a:t>两层</a:t>
+            </a:r>
+            <a:r>
+              <a:rPr lang="en-US" altLang="zh-CN" sz="2800"/>
+              <a:t>B+</a:t>
+            </a:r>
+            <a:r>
+              <a:rPr lang="zh-CN" altLang="en-US" sz="2800"/>
+              <a:t>树就能索引</a:t>
+            </a:r>
+            <a:r>
+              <a:rPr lang="en-US" altLang="zh-CN" sz="2800"/>
+              <a:t>1000*1000</a:t>
+            </a:r>
+            <a:r>
+              <a:rPr lang="zh-CN" altLang="en-US" sz="2800"/>
+              <a:t>条数据（占用空间</a:t>
+            </a:r>
+            <a:r>
+              <a:rPr lang="en-US" altLang="zh-CN" sz="2800"/>
+              <a:t>16MB</a:t>
+            </a:r>
+            <a:r>
+              <a:rPr lang="zh-CN" altLang="en-US" sz="2800"/>
+              <a:t>）</a:t>
+            </a:r>
+            <a:br>
+              <a:rPr lang="zh-CN" altLang="en-US" sz="2800"/>
+            </a:br>
+            <a:br>
+              <a:rPr lang="zh-CN" altLang="en-US" sz="2800"/>
+            </a:br>
+            <a:r>
+              <a:rPr lang="zh-CN" altLang="en-US" sz="2800"/>
+              <a:t>三</a:t>
+            </a:r>
+            <a:r>
+              <a:rPr lang="zh-CN" altLang="en-US" sz="2800">
+                <a:sym typeface="+mn-ea"/>
+              </a:rPr>
+              <a:t>层</a:t>
+            </a:r>
+            <a:r>
+              <a:rPr lang="en-US" altLang="zh-CN" sz="2800">
+                <a:sym typeface="+mn-ea"/>
+              </a:rPr>
+              <a:t>B+</a:t>
+            </a:r>
+            <a:r>
+              <a:rPr lang="zh-CN" altLang="en-US" sz="2800">
+                <a:sym typeface="+mn-ea"/>
+              </a:rPr>
+              <a:t>树就能索引</a:t>
+            </a:r>
+            <a:r>
+              <a:rPr lang="en-US" altLang="zh-CN" sz="2800">
+                <a:sym typeface="+mn-ea"/>
+              </a:rPr>
+              <a:t>1000*1000*1000</a:t>
+            </a:r>
+            <a:r>
+              <a:rPr lang="zh-CN" altLang="en-US" sz="2800">
+                <a:sym typeface="+mn-ea"/>
+              </a:rPr>
+              <a:t>条数据（占用空间</a:t>
+            </a:r>
+            <a:r>
+              <a:rPr lang="en-US" altLang="zh-CN" sz="2800">
+                <a:sym typeface="+mn-ea"/>
+              </a:rPr>
+              <a:t>16GB</a:t>
+            </a:r>
+            <a:r>
+              <a:rPr lang="zh-CN" altLang="en-US" sz="2800">
+                <a:sym typeface="+mn-ea"/>
+              </a:rPr>
+              <a:t>）</a:t>
+            </a:r>
+            <a:br>
+              <a:rPr lang="zh-CN" altLang="en-US" sz="2800">
+                <a:sym typeface="+mn-ea"/>
+              </a:rPr>
+            </a:br>
+            <a:br>
+              <a:rPr lang="zh-CN" altLang="en-US" sz="2800">
+                <a:sym typeface="+mn-ea"/>
+              </a:rPr>
+            </a:br>
+            <a:r>
+              <a:rPr lang="zh-CN" altLang="en-US" sz="2800">
+                <a:sym typeface="+mn-ea"/>
+              </a:rPr>
+              <a:t>内两层索引只有</a:t>
+            </a:r>
+            <a:r>
+              <a:rPr lang="en-US" altLang="zh-CN" sz="2800">
+                <a:sym typeface="+mn-ea"/>
+              </a:rPr>
+              <a:t>16.016MB</a:t>
+            </a:r>
+            <a:r>
+              <a:rPr lang="zh-CN" altLang="en-US" sz="2800">
+                <a:sym typeface="+mn-ea"/>
+              </a:rPr>
+              <a:t>，完全可以缓存在内存里。</a:t>
             </a:r>
             <a:br>
               <a:rPr lang="zh-CN" altLang="en-US" sz="2800"/>
@@ -5176,13 +5209,13 @@
       </p:sp>
       <p:sp>
         <p:nvSpPr>
-          <p:cNvPr id="2" name="Text Box 1"/>
+          <p:cNvPr id="3" name="Text Box 2"/>
           <p:cNvSpPr txBox="1"/>
           <p:nvPr/>
         </p:nvSpPr>
         <p:spPr>
           <a:xfrm>
-            <a:off x="2640330" y="350520"/>
+            <a:off x="2640965" y="349250"/>
             <a:ext cx="6910705" cy="583565"/>
           </a:xfrm>
           <a:prstGeom prst="rect">
@@ -5240,7 +5273,7 @@
       <p:grpSpPr/>
       <p:sp>
         <p:nvSpPr>
-          <p:cNvPr id="2" name="Title 1"/>
+          <p:cNvPr id="4" name="Title 3"/>
           <p:cNvSpPr>
             <a:spLocks noGrp="1"/>
           </p:cNvSpPr>
@@ -5250,23 +5283,91 @@
         </p:nvSpPr>
         <p:spPr>
           <a:xfrm>
-            <a:off x="838200" y="391160"/>
-            <a:ext cx="10515600" cy="6075045"/>
-          </a:xfrm>
-        </p:spPr>
-        <p:txBody>
-          <a:bodyPr/>
-          <a:p>
-            <a:pPr algn="ctr"/>
-            <a:r>
-              <a:rPr lang="en-US"/>
+            <a:off x="838200" y="1736725"/>
+            <a:ext cx="10515600" cy="4356735"/>
+          </a:xfrm>
+        </p:spPr>
+        <p:txBody>
+          <a:bodyPr>
+            <a:normAutofit/>
+          </a:bodyPr>
+          <a:p>
+            <a:r>
+              <a:rPr lang="en-US" altLang="zh-CN" sz="2800"/>
+              <a:t>2</a:t>
+            </a:r>
+            <a:r>
+              <a:rPr lang="zh-CN" altLang="en-US" sz="2800"/>
+              <a:t>、叶子节点之间用指针串联起来</a:t>
+            </a:r>
+            <a:br>
+              <a:rPr lang="zh-CN" altLang="en-US" sz="2800"/>
+            </a:br>
+            <a:br>
+              <a:rPr lang="zh-CN" altLang="en-US" sz="2800"/>
+            </a:br>
+            <a:r>
+              <a:rPr lang="zh-CN" altLang="en-US" sz="2800"/>
+              <a:t>范围查询不需要回溯节点，减少磁盘</a:t>
+            </a:r>
+            <a:r>
+              <a:rPr lang="en-US" altLang="zh-CN" sz="2800"/>
+              <a:t>IO</a:t>
+            </a:r>
+            <a:r>
+              <a:rPr lang="zh-CN" altLang="en-US" sz="2800"/>
+              <a:t>次数。</a:t>
+            </a:r>
+            <a:br>
+              <a:rPr lang="zh-CN" altLang="en-US" sz="2800"/>
+            </a:br>
+            <a:endParaRPr lang="zh-CN" altLang="en-US" sz="2800"/>
+          </a:p>
+        </p:txBody>
+      </p:sp>
+      <p:sp>
+        <p:nvSpPr>
+          <p:cNvPr id="2" name="Text Box 1"/>
+          <p:cNvSpPr txBox="1"/>
+          <p:nvPr/>
+        </p:nvSpPr>
+        <p:spPr>
+          <a:xfrm>
+            <a:off x="2640330" y="350520"/>
+            <a:ext cx="6910705" cy="583565"/>
+          </a:xfrm>
+          <a:prstGeom prst="rect">
+            <a:avLst/>
+          </a:prstGeom>
+          <a:noFill/>
+        </p:spPr>
+        <p:txBody>
+          <a:bodyPr wrap="square" rtlCol="0">
+            <a:spAutoFit/>
+          </a:bodyPr>
+          <a:p>
+            <a:pPr algn="l"/>
+            <a:r>
+              <a:rPr lang="en-US" sz="3200">
+                <a:sym typeface="+mn-ea"/>
+              </a:rPr>
               <a:t>B+</a:t>
             </a:r>
             <a:r>
-              <a:rPr lang="zh-CN" altLang="en-US"/>
-              <a:t>树还不够完美</a:t>
-            </a:r>
-            <a:endParaRPr lang="zh-CN" altLang="en-US"/>
+              <a:rPr lang="zh-CN" altLang="en-US" sz="3200">
+                <a:sym typeface="+mn-ea"/>
+              </a:rPr>
+              <a:t>树的优点：一切都是为了减少</a:t>
+            </a:r>
+            <a:r>
+              <a:rPr lang="en-US" altLang="zh-CN" sz="3200">
+                <a:sym typeface="+mn-ea"/>
+              </a:rPr>
+              <a:t>I/O</a:t>
+            </a:r>
+            <a:endParaRPr lang="en-US" altLang="zh-CN" sz="3200">
+              <a:sym typeface="+mn-ea"/>
+            </a:endParaRPr>
           </a:p>
         </p:txBody>
       </p:sp>
@@ -5300,8 +5401,8 @@
         </p:nvSpPr>
         <p:spPr>
           <a:xfrm>
-            <a:off x="6184265" y="365125"/>
-            <a:ext cx="5169535" cy="1325880"/>
+            <a:off x="838200" y="391160"/>
+            <a:ext cx="10515600" cy="6075045"/>
           </a:xfrm>
         </p:spPr>
         <p:txBody>
@@ -5309,184 +5410,14 @@
           <a:p>
             <a:pPr algn="ctr"/>
             <a:r>
-              <a:rPr lang="zh-CN" altLang="en-US">
-                <a:sym typeface="+mn-ea"/>
-              </a:rPr>
-              <a:t>页分裂</a:t>
-            </a:r>
-            <a:endParaRPr lang="en-US"/>
-          </a:p>
-        </p:txBody>
-      </p:sp>
-      <p:sp>
-        <p:nvSpPr>
-          <p:cNvPr id="4" name="Title 1"/>
-          <p:cNvSpPr>
-            <a:spLocks noGrp="1"/>
-          </p:cNvSpPr>
-          <p:nvPr/>
-        </p:nvSpPr>
-        <p:spPr>
-          <a:xfrm>
-            <a:off x="838200" y="2070100"/>
-            <a:ext cx="10515600" cy="3908425"/>
-          </a:xfrm>
-          <a:prstGeom prst="rect">
-            <a:avLst/>
-          </a:prstGeom>
-        </p:spPr>
-        <p:txBody>
-          <a:bodyPr vert="horz" lIns="91440" tIns="45720" rIns="91440" bIns="45720" rtlCol="0" anchor="ctr">
-            <a:normAutofit/>
-          </a:bodyPr>
-          <a:lstStyle>
-            <a:lvl1pPr algn="l" defTabSz="914400" rtl="0" eaLnBrk="1" latinLnBrk="0" hangingPunct="1">
-              <a:lnSpc>
-                <a:spcPct val="90000"/>
-              </a:lnSpc>
-              <a:spcBef>
-                <a:spcPct val="0"/>
-              </a:spcBef>
-              <a:buNone/>
-              <a:defRPr sz="4400" kern="1200">
-                <a:solidFill>
-                  <a:schemeClr val="tx1"/>
-                </a:solidFill>
-                <a:latin typeface="+mj-lt"/>
-                <a:ea typeface="+mj-ea"/>
-                <a:cs typeface="+mj-cs"/>
-              </a:defRPr>
-            </a:lvl1pPr>
-          </a:lstStyle>
-          <a:p>
-            <a:pPr algn="ctr"/>
+              <a:rPr lang="en-US"/>
+              <a:t>B+</a:t>
+            </a:r>
+            <a:r>
+              <a:rPr lang="zh-CN" altLang="en-US"/>
+              <a:t>树还不够完美</a:t>
+            </a:r>
             <a:endParaRPr lang="zh-CN" altLang="en-US"/>
-          </a:p>
-        </p:txBody>
-      </p:sp>
-      <p:pic>
-        <p:nvPicPr>
-          <p:cNvPr id="5" name="Picture 4"/>
-          <p:cNvPicPr>
-            <a:picLocks noChangeAspect="1"/>
-          </p:cNvPicPr>
-          <p:nvPr/>
-        </p:nvPicPr>
-        <p:blipFill>
-          <a:blip r:embed="rId1"/>
-          <a:stretch>
-            <a:fillRect/>
-          </a:stretch>
-        </p:blipFill>
-        <p:spPr>
-          <a:xfrm>
-            <a:off x="440690" y="615315"/>
-            <a:ext cx="5743575" cy="5627370"/>
-          </a:xfrm>
-          <a:prstGeom prst="rect">
-            <a:avLst/>
-          </a:prstGeom>
-        </p:spPr>
-      </p:pic>
-      <p:sp>
-        <p:nvSpPr>
-          <p:cNvPr id="6" name="Title 1"/>
-          <p:cNvSpPr>
-            <a:spLocks noGrp="1"/>
-          </p:cNvSpPr>
-          <p:nvPr/>
-        </p:nvSpPr>
-        <p:spPr>
-          <a:xfrm>
-            <a:off x="6184265" y="1988185"/>
-            <a:ext cx="5169535" cy="4253865"/>
-          </a:xfrm>
-          <a:prstGeom prst="rect">
-            <a:avLst/>
-          </a:prstGeom>
-        </p:spPr>
-        <p:txBody>
-          <a:bodyPr vert="horz" lIns="91440" tIns="45720" rIns="91440" bIns="45720" rtlCol="0" anchor="ctr">
-            <a:normAutofit/>
-          </a:bodyPr>
-          <a:lstStyle>
-            <a:lvl1pPr algn="l" defTabSz="914400" rtl="0" eaLnBrk="1" latinLnBrk="0" hangingPunct="1">
-              <a:lnSpc>
-                <a:spcPct val="90000"/>
-              </a:lnSpc>
-              <a:spcBef>
-                <a:spcPct val="0"/>
-              </a:spcBef>
-              <a:buNone/>
-              <a:defRPr sz="4400" kern="1200">
-                <a:solidFill>
-                  <a:schemeClr val="tx1"/>
-                </a:solidFill>
-                <a:latin typeface="+mj-lt"/>
-                <a:ea typeface="+mj-ea"/>
-                <a:cs typeface="+mj-cs"/>
-              </a:defRPr>
-            </a:lvl1pPr>
-          </a:lstStyle>
-          <a:p>
-            <a:pPr algn="l"/>
-            <a:r>
-              <a:rPr lang="zh-CN" altLang="en-US" sz="2000"/>
-              <a:t>页分裂需要在父节点新增索引数据。导致原来只需要一个页的</a:t>
-            </a:r>
-            <a:r>
-              <a:rPr lang="en-US" altLang="zh-CN" sz="2000"/>
-              <a:t>I/O</a:t>
-            </a:r>
-            <a:r>
-              <a:rPr lang="zh-CN" altLang="en-US" sz="2000"/>
-              <a:t>操作升级为</a:t>
-            </a:r>
-            <a:r>
-              <a:rPr lang="en-US" altLang="zh-CN" sz="2000"/>
-              <a:t>3</a:t>
-            </a:r>
-            <a:r>
-              <a:rPr lang="zh-CN" altLang="en-US" sz="2000"/>
-              <a:t>个页的</a:t>
-            </a:r>
-            <a:r>
-              <a:rPr lang="en-US" altLang="zh-CN" sz="2000"/>
-              <a:t>I/O</a:t>
-            </a:r>
-            <a:r>
-              <a:rPr lang="zh-CN" altLang="en-US" sz="2000"/>
-              <a:t>操作。</a:t>
-            </a:r>
-            <a:endParaRPr lang="zh-CN" altLang="en-US" sz="2000"/>
-          </a:p>
-          <a:p>
-            <a:pPr algn="l"/>
-            <a:endParaRPr lang="zh-CN" altLang="en-US" sz="2000"/>
-          </a:p>
-          <a:p>
-            <a:pPr algn="l"/>
-            <a:r>
-              <a:rPr lang="zh-CN" altLang="en-US" sz="2000"/>
-              <a:t>正因为页分裂导致性能差，且页空间浪费严重，所以通常数据库建模时，为了避免随机插入，不推荐用</a:t>
-            </a:r>
-            <a:r>
-              <a:rPr lang="en-US" altLang="zh-CN" sz="2000"/>
-              <a:t>UUID</a:t>
-            </a:r>
-            <a:r>
-              <a:rPr lang="zh-CN" altLang="en-US" sz="2000"/>
-              <a:t>这样的字段作为主键，而应当使用自增的</a:t>
-            </a:r>
-            <a:r>
-              <a:rPr lang="en-US" altLang="zh-CN" sz="2000"/>
-              <a:t>ID</a:t>
-            </a:r>
-            <a:r>
-              <a:rPr lang="zh-CN" altLang="en-US" sz="2000"/>
-              <a:t>为主键。</a:t>
-            </a:r>
-            <a:endParaRPr lang="zh-CN" altLang="en-US" sz="2000"/>
           </a:p>
         </p:txBody>
       </p:sp>
@@ -5718,220 +5649,195 @@
             <p:ph type="title"/>
           </p:nvPr>
         </p:nvSpPr>
-        <p:spPr/>
+        <p:spPr>
+          <a:xfrm>
+            <a:off x="6184265" y="365125"/>
+            <a:ext cx="5169535" cy="1325880"/>
+          </a:xfrm>
+        </p:spPr>
         <p:txBody>
           <a:bodyPr/>
           <a:p>
             <a:pPr algn="ctr"/>
             <a:r>
-              <a:rPr lang="zh-CN" altLang="en-US"/>
-              <a:t>不适合超过百万级的大数据存储</a:t>
-            </a:r>
-            <a:endParaRPr lang="zh-CN" altLang="en-US"/>
-          </a:p>
-        </p:txBody>
-      </p:sp>
-      <p:sp>
-        <p:nvSpPr>
-          <p:cNvPr id="3" name="Content Placeholder 2"/>
+              <a:rPr lang="zh-CN" altLang="en-US">
+                <a:sym typeface="+mn-ea"/>
+              </a:rPr>
+              <a:t>页分裂</a:t>
+            </a:r>
+            <a:endParaRPr lang="en-US"/>
+          </a:p>
+        </p:txBody>
+      </p:sp>
+      <p:sp>
+        <p:nvSpPr>
+          <p:cNvPr id="4" name="Title 1"/>
           <p:cNvSpPr>
             <a:spLocks noGrp="1"/>
           </p:cNvSpPr>
-          <p:nvPr>
-            <p:ph idx="1"/>
-          </p:nvPr>
+          <p:nvPr/>
         </p:nvSpPr>
         <p:spPr>
           <a:xfrm>
-            <a:off x="838200" y="1825625"/>
-            <a:ext cx="10515600" cy="4737735"/>
-          </a:xfrm>
-        </p:spPr>
-        <p:txBody>
-          <a:bodyPr>
-            <a:normAutofit lnSpcReduction="20000"/>
+            <a:off x="838200" y="2070100"/>
+            <a:ext cx="10515600" cy="3908425"/>
+          </a:xfrm>
+          <a:prstGeom prst="rect">
+            <a:avLst/>
+          </a:prstGeom>
+        </p:spPr>
+        <p:txBody>
+          <a:bodyPr vert="horz" lIns="91440" tIns="45720" rIns="91440" bIns="45720" rtlCol="0" anchor="ctr">
+            <a:normAutofit/>
           </a:bodyPr>
-          <a:p>
-            <a:pPr marL="0" indent="0">
-              <a:buNone/>
-            </a:pPr>
-            <a:r>
-              <a:rPr lang="zh-CN" altLang="en-US" b="1"/>
-              <a:t>问题</a:t>
-            </a:r>
-            <a:r>
-              <a:rPr lang="zh-CN" altLang="en-US"/>
-              <a:t>：</a:t>
-            </a:r>
+          <a:lstStyle>
+            <a:lvl1pPr algn="l" defTabSz="914400" rtl="0" eaLnBrk="1" latinLnBrk="0" hangingPunct="1">
+              <a:lnSpc>
+                <a:spcPct val="90000"/>
+              </a:lnSpc>
+              <a:spcBef>
+                <a:spcPct val="0"/>
+              </a:spcBef>
+              <a:buNone/>
+              <a:defRPr sz="4400" kern="1200">
+                <a:solidFill>
+                  <a:schemeClr val="tx1"/>
+                </a:solidFill>
+                <a:latin typeface="+mj-lt"/>
+                <a:ea typeface="+mj-ea"/>
+                <a:cs typeface="+mj-cs"/>
+              </a:defRPr>
+            </a:lvl1pPr>
+          </a:lstStyle>
+          <a:p>
+            <a:pPr algn="ctr"/>
             <a:endParaRPr lang="zh-CN" altLang="en-US"/>
           </a:p>
-          <a:p>
-            <a:pPr marL="0" indent="0">
-              <a:buNone/>
-            </a:pPr>
-            <a:r>
-              <a:rPr lang="zh-CN" altLang="en-US"/>
-              <a:t>当数据量超过百万级后，</a:t>
-            </a:r>
-            <a:r>
-              <a:rPr lang="en-US" altLang="zh-CN"/>
-              <a:t>B+</a:t>
-            </a:r>
-            <a:r>
-              <a:rPr lang="zh-CN" altLang="en-US"/>
-              <a:t>树层级过深，</a:t>
-            </a:r>
-            <a:r>
-              <a:rPr lang="en-US" altLang="zh-CN"/>
+        </p:txBody>
+      </p:sp>
+      <p:pic>
+        <p:nvPicPr>
+          <p:cNvPr id="5" name="Picture 4"/>
+          <p:cNvPicPr>
+            <a:picLocks noChangeAspect="1"/>
+          </p:cNvPicPr>
+          <p:nvPr/>
+        </p:nvPicPr>
+        <p:blipFill>
+          <a:blip r:embed="rId1"/>
+          <a:stretch>
+            <a:fillRect/>
+          </a:stretch>
+        </p:blipFill>
+        <p:spPr>
+          <a:xfrm>
+            <a:off x="440690" y="615315"/>
+            <a:ext cx="5743575" cy="5627370"/>
+          </a:xfrm>
+          <a:prstGeom prst="rect">
+            <a:avLst/>
+          </a:prstGeom>
+        </p:spPr>
+      </p:pic>
+      <p:sp>
+        <p:nvSpPr>
+          <p:cNvPr id="6" name="Title 1"/>
+          <p:cNvSpPr>
+            <a:spLocks noGrp="1"/>
+          </p:cNvSpPr>
+          <p:nvPr/>
+        </p:nvSpPr>
+        <p:spPr>
+          <a:xfrm>
+            <a:off x="6184265" y="1988185"/>
+            <a:ext cx="5169535" cy="4253865"/>
+          </a:xfrm>
+          <a:prstGeom prst="rect">
+            <a:avLst/>
+          </a:prstGeom>
+        </p:spPr>
+        <p:txBody>
+          <a:bodyPr vert="horz" lIns="91440" tIns="45720" rIns="91440" bIns="45720" rtlCol="0" anchor="ctr">
+            <a:normAutofit/>
+          </a:bodyPr>
+          <a:lstStyle>
+            <a:lvl1pPr algn="l" defTabSz="914400" rtl="0" eaLnBrk="1" latinLnBrk="0" hangingPunct="1">
+              <a:lnSpc>
+                <a:spcPct val="90000"/>
+              </a:lnSpc>
+              <a:spcBef>
+                <a:spcPct val="0"/>
+              </a:spcBef>
+              <a:buNone/>
+              <a:defRPr sz="4400" kern="1200">
+                <a:solidFill>
+                  <a:schemeClr val="tx1"/>
+                </a:solidFill>
+                <a:latin typeface="+mj-lt"/>
+                <a:ea typeface="+mj-ea"/>
+                <a:cs typeface="+mj-cs"/>
+              </a:defRPr>
+            </a:lvl1pPr>
+          </a:lstStyle>
+          <a:p>
+            <a:pPr algn="l"/>
+            <a:r>
+              <a:rPr lang="zh-CN" altLang="en-US" sz="2000"/>
+              <a:t>页分裂需要在父节点新增索引数据。导致原来只需要一个页的</a:t>
+            </a:r>
+            <a:r>
+              <a:rPr lang="en-US" altLang="zh-CN" sz="2000"/>
               <a:t>I/O</a:t>
             </a:r>
             <a:r>
-              <a:rPr lang="zh-CN" altLang="en-US"/>
-              <a:t>次数增多，性能下降。</a:t>
-            </a:r>
-            <a:endParaRPr lang="zh-CN" altLang="en-US"/>
-          </a:p>
-          <a:p>
-            <a:pPr marL="0" indent="0">
-              <a:buNone/>
-            </a:pPr>
-            <a:endParaRPr lang="zh-CN" altLang="en-US"/>
-          </a:p>
-          <a:p>
-            <a:pPr marL="0" indent="0">
-              <a:buNone/>
-            </a:pPr>
-            <a:r>
-              <a:rPr lang="zh-CN" altLang="en-US" b="1"/>
-              <a:t>解决方案</a:t>
-            </a:r>
-            <a:r>
-              <a:rPr lang="zh-CN" altLang="en-US"/>
-              <a:t>：</a:t>
-            </a:r>
-            <a:endParaRPr lang="zh-CN" altLang="en-US"/>
-          </a:p>
-          <a:p>
-            <a:pPr marL="0" indent="0">
-              <a:buNone/>
-            </a:pPr>
-            <a:endParaRPr lang="zh-CN" altLang="en-US"/>
-          </a:p>
-          <a:p>
-            <a:pPr marL="0" indent="0">
-              <a:buNone/>
-            </a:pPr>
-            <a:r>
-              <a:rPr lang="en-US" altLang="zh-CN" sz="2400"/>
-              <a:t>1</a:t>
-            </a:r>
-            <a:r>
-              <a:rPr lang="zh-CN" altLang="en-US" sz="2400"/>
-              <a:t>、 分库分表：根据表中的某个业务字段，将数据分散到多个数据库。</a:t>
-            </a:r>
-            <a:endParaRPr lang="zh-CN" altLang="en-US" sz="2400"/>
-          </a:p>
-          <a:p>
-            <a:pPr marL="0" indent="0">
-              <a:buNone/>
-            </a:pPr>
-            <a:r>
-              <a:rPr lang="zh-CN" altLang="en-US" sz="2400"/>
-              <a:t>目前分库分表有三种实现方案：</a:t>
-            </a:r>
-            <a:endParaRPr lang="zh-CN" altLang="en-US" sz="2400"/>
-          </a:p>
-          <a:p>
-            <a:pPr marL="0" indent="0">
-              <a:buNone/>
-            </a:pPr>
-            <a:r>
-              <a:rPr lang="en-US" altLang="zh-CN" sz="2400"/>
-              <a:t>1</a:t>
-            </a:r>
-            <a:r>
-              <a:rPr lang="zh-CN" altLang="en-US" sz="2400"/>
-              <a:t>）应用端做路由。特点：灵活性高；业务侵入性略强；无法</a:t>
-            </a:r>
-            <a:r>
-              <a:rPr lang="en-US" altLang="zh-CN" sz="2400"/>
-              <a:t>join</a:t>
-            </a:r>
-            <a:r>
-              <a:rPr lang="zh-CN" altLang="en-US" sz="2400"/>
-              <a:t>、</a:t>
-            </a:r>
-            <a:r>
-              <a:rPr lang="en-US" altLang="zh-CN" sz="2400"/>
-              <a:t>sort</a:t>
-            </a:r>
-            <a:r>
-              <a:rPr lang="zh-CN" altLang="en-US" sz="2400"/>
-              <a:t>。</a:t>
-            </a:r>
-            <a:endParaRPr lang="zh-CN" altLang="en-US" sz="2400"/>
-          </a:p>
-          <a:p>
-            <a:pPr marL="0" indent="0">
-              <a:buNone/>
-            </a:pPr>
-            <a:r>
-              <a:rPr lang="en-US" altLang="zh-CN" sz="2400"/>
-              <a:t>2</a:t>
-            </a:r>
-            <a:r>
-              <a:rPr lang="zh-CN" altLang="en-US" sz="2400"/>
-              <a:t>）中间件代理。shardingsphere等分库中间件提供了</a:t>
-            </a:r>
-            <a:r>
-              <a:rPr lang="en-US" altLang="zh-CN" sz="2400"/>
-              <a:t>hash</a:t>
-            </a:r>
-            <a:r>
-              <a:rPr lang="zh-CN" altLang="en-US" sz="2400"/>
-              <a:t>、</a:t>
-            </a:r>
-            <a:r>
-              <a:rPr lang="en-US" altLang="zh-CN" sz="2400"/>
-              <a:t>range</a:t>
-            </a:r>
-            <a:r>
-              <a:rPr lang="zh-CN" altLang="en-US" sz="2400"/>
-              <a:t>等多种分片路由策略；性能较差。</a:t>
-            </a:r>
-            <a:endParaRPr lang="zh-CN" altLang="en-US" sz="2400"/>
-          </a:p>
-          <a:p>
-            <a:pPr marL="0" indent="0">
-              <a:buNone/>
-            </a:pPr>
-            <a:r>
-              <a:rPr lang="en-US" altLang="zh-CN" sz="2400"/>
+              <a:rPr lang="zh-CN" altLang="en-US" sz="2000"/>
+              <a:t>操作升级为</a:t>
+            </a:r>
+            <a:r>
+              <a:rPr lang="en-US" altLang="zh-CN" sz="2000"/>
               <a:t>3</a:t>
             </a:r>
             <a:r>
-              <a:rPr lang="zh-CN" altLang="en-US" sz="2400"/>
-              <a:t>）数据库端实现分片。</a:t>
-            </a:r>
-            <a:r>
-              <a:rPr lang="en-US" altLang="zh-CN" sz="2400"/>
-              <a:t>MySQL 5.7</a:t>
-            </a:r>
-            <a:r>
-              <a:rPr lang="zh-CN" altLang="en-US" sz="2400"/>
-              <a:t>开始提供</a:t>
-            </a:r>
-            <a:r>
-              <a:rPr lang="en-US" altLang="zh-CN" sz="2400"/>
-              <a:t>partition</a:t>
-            </a:r>
-            <a:r>
-              <a:rPr lang="zh-CN" altLang="en-US" sz="2400"/>
-              <a:t>的功能。</a:t>
-            </a:r>
-            <a:endParaRPr lang="zh-CN" altLang="en-US" sz="2400">
-              <a:sym typeface="+mn-ea"/>
-            </a:endParaRPr>
+              <a:rPr lang="zh-CN" altLang="en-US" sz="2000"/>
+              <a:t>个页的</a:t>
+            </a:r>
+            <a:r>
+              <a:rPr lang="en-US" altLang="zh-CN" sz="2000"/>
+              <a:t>I/O</a:t>
+            </a:r>
+            <a:r>
+              <a:rPr lang="zh-CN" altLang="en-US" sz="2000"/>
+              <a:t>操作。</a:t>
+            </a:r>
+            <a:endParaRPr lang="zh-CN" altLang="en-US" sz="2000"/>
+          </a:p>
+          <a:p>
+            <a:pPr algn="l"/>
+            <a:endParaRPr lang="zh-CN" altLang="en-US" sz="2000"/>
+          </a:p>
+          <a:p>
+            <a:pPr algn="l"/>
+            <a:r>
+              <a:rPr lang="zh-CN" altLang="en-US" sz="2000"/>
+              <a:t>正因为页分裂导致性能差，且页空间浪费严重，所以通常数据库建模时，为了避免随机插入，不推荐用</a:t>
+            </a:r>
+            <a:r>
+              <a:rPr lang="en-US" altLang="zh-CN" sz="2000"/>
+              <a:t>UUID</a:t>
+            </a:r>
+            <a:r>
+              <a:rPr lang="zh-CN" altLang="en-US" sz="2000"/>
+              <a:t>这样的字段作为主键，而应当使用自增的</a:t>
+            </a:r>
+            <a:r>
+              <a:rPr lang="en-US" altLang="zh-CN" sz="2000"/>
+              <a:t>ID</a:t>
+            </a:r>
+            <a:r>
+              <a:rPr lang="zh-CN" altLang="en-US" sz="2000"/>
+              <a:t>为主键。</a:t>
+            </a:r>
+            <a:endParaRPr lang="zh-CN" altLang="en-US" sz="2000"/>
           </a:p>
         </p:txBody>
       </p:sp>
@@ -5963,194 +5869,220 @@
             <p:ph type="title"/>
           </p:nvPr>
         </p:nvSpPr>
-        <p:spPr>
-          <a:xfrm>
-            <a:off x="342265" y="4878070"/>
-            <a:ext cx="11508740" cy="1566545"/>
-          </a:xfrm>
-        </p:spPr>
+        <p:spPr/>
         <p:txBody>
           <a:bodyPr/>
           <a:p>
-            <a:pPr algn="l"/>
-            <a:r>
-              <a:rPr lang="zh-CN" altLang="en-US" sz="2000"/>
-              <a:t>写：写入内存里的</a:t>
-            </a:r>
-            <a:r>
-              <a:rPr lang="en-US" altLang="zh-CN" sz="2000"/>
-              <a:t>C</a:t>
-            </a:r>
-            <a:r>
-              <a:rPr lang="en-US" altLang="zh-CN" sz="2000" baseline="-25000"/>
-              <a:t>0</a:t>
-            </a:r>
-            <a:r>
-              <a:rPr lang="zh-CN" altLang="en-US" sz="2000"/>
-              <a:t>树，为了防止数据库崩溃保证数据持久性同时也会将数据写入</a:t>
-            </a:r>
-            <a:r>
-              <a:rPr lang="en-US" altLang="zh-CN" sz="2000"/>
-              <a:t>WAL</a:t>
-            </a:r>
-            <a:r>
-              <a:rPr lang="zh-CN" altLang="en-US" sz="2000"/>
-              <a:t>。对于删除，</a:t>
-            </a:r>
-            <a:br>
-              <a:rPr lang="zh-CN" altLang="en-US" sz="2000"/>
-            </a:br>
-            <a:r>
-              <a:rPr lang="zh-CN" altLang="en-US" sz="2000"/>
-              <a:t>       同样也会添加一条墓碑记录，当</a:t>
-            </a:r>
-            <a:r>
-              <a:rPr lang="en-US" altLang="zh-CN" sz="2000"/>
-              <a:t>C</a:t>
-            </a:r>
-            <a:r>
-              <a:rPr lang="en-US" altLang="zh-CN" sz="2000" baseline="-25000"/>
-              <a:t>0</a:t>
-            </a:r>
-            <a:r>
-              <a:rPr lang="zh-CN" altLang="en-US" sz="2000"/>
-              <a:t>树达到一定大小，会写入磁盘。当</a:t>
-            </a:r>
-            <a:r>
-              <a:rPr lang="en-US" altLang="zh-CN" sz="2000"/>
-              <a:t>C</a:t>
-            </a:r>
-            <a:r>
-              <a:rPr lang="en-US" altLang="zh-CN" sz="2000" baseline="-25000"/>
-              <a:t>1</a:t>
-            </a:r>
-            <a:r>
-              <a:rPr lang="zh-CN" altLang="en-US" sz="2000"/>
-              <a:t>树达到阈值，按照特定</a:t>
-            </a:r>
-            <a:br>
-              <a:rPr lang="zh-CN" altLang="en-US" sz="2000"/>
-            </a:br>
-            <a:r>
-              <a:rPr lang="zh-CN" altLang="en-US" sz="2000"/>
-              <a:t>       的算法负责将小树</a:t>
-            </a:r>
-            <a:r>
-              <a:rPr lang="en-US" altLang="zh-CN" sz="2000"/>
-              <a:t>Merge</a:t>
-            </a:r>
-            <a:r>
-              <a:rPr lang="zh-CN" altLang="en-US" sz="2000"/>
-              <a:t>成大树，同时将修改或删除的数据进行合并。</a:t>
-            </a:r>
-            <a:br>
-              <a:rPr lang="zh-CN" altLang="en-US" sz="2000"/>
-            </a:br>
-            <a:r>
-              <a:rPr lang="zh-CN" altLang="en-US" sz="2000"/>
-              <a:t>读：从</a:t>
-            </a:r>
-            <a:r>
-              <a:rPr lang="en-US" altLang="zh-CN" sz="2000"/>
-              <a:t>C</a:t>
-            </a:r>
-            <a:r>
-              <a:rPr lang="en-US" altLang="zh-CN" sz="2000" baseline="-25000"/>
-              <a:t>0</a:t>
-            </a:r>
-            <a:r>
-              <a:rPr lang="zh-CN" altLang="en-US" sz="2000"/>
-              <a:t>树开始读，依次从小树读到大树，直到</a:t>
-            </a:r>
-            <a:r>
-              <a:rPr lang="zh-CN" altLang="en-US" sz="2000">
-                <a:sym typeface="+mn-ea"/>
-              </a:rPr>
-              <a:t>找到</a:t>
-            </a:r>
-            <a:r>
-              <a:rPr lang="zh-CN" altLang="en-US" sz="2000"/>
-              <a:t>数据或者扫描完所有树。</a:t>
-            </a:r>
-            <a:endParaRPr lang="zh-CN" altLang="en-US" sz="2000"/>
-          </a:p>
-        </p:txBody>
-      </p:sp>
-      <p:pic>
-        <p:nvPicPr>
-          <p:cNvPr id="5" name="Picture 4"/>
-          <p:cNvPicPr>
-            <a:picLocks noChangeAspect="1"/>
-          </p:cNvPicPr>
-          <p:nvPr/>
-        </p:nvPicPr>
-        <p:blipFill>
-          <a:blip r:embed="rId1"/>
-          <a:stretch>
-            <a:fillRect/>
-          </a:stretch>
-        </p:blipFill>
-        <p:spPr>
-          <a:xfrm>
-            <a:off x="295275" y="1408430"/>
-            <a:ext cx="11602085" cy="3469640"/>
-          </a:xfrm>
-          <a:prstGeom prst="rect">
-            <a:avLst/>
-          </a:prstGeom>
-        </p:spPr>
-      </p:pic>
-      <p:sp>
-        <p:nvSpPr>
-          <p:cNvPr id="6" name="Title 1"/>
+            <a:pPr algn="ctr"/>
+            <a:r>
+              <a:rPr lang="zh-CN" altLang="en-US"/>
+              <a:t>不适合超过百万级的大数据存储</a:t>
+            </a:r>
+            <a:endParaRPr lang="zh-CN" altLang="en-US"/>
+          </a:p>
+        </p:txBody>
+      </p:sp>
+      <p:sp>
+        <p:nvSpPr>
+          <p:cNvPr id="3" name="Content Placeholder 2"/>
           <p:cNvSpPr>
             <a:spLocks noGrp="1"/>
           </p:cNvSpPr>
-          <p:nvPr/>
+          <p:nvPr>
+            <p:ph idx="1"/>
+          </p:nvPr>
         </p:nvSpPr>
         <p:spPr>
           <a:xfrm>
-            <a:off x="838200" y="82550"/>
-            <a:ext cx="10515600" cy="1325563"/>
-          </a:xfrm>
-          <a:prstGeom prst="rect">
-            <a:avLst/>
-          </a:prstGeom>
-        </p:spPr>
-        <p:txBody>
-          <a:bodyPr vert="horz" lIns="91440" tIns="45720" rIns="91440" bIns="45720" rtlCol="0" anchor="ctr">
-            <a:normAutofit/>
+            <a:off x="838200" y="1825625"/>
+            <a:ext cx="10515600" cy="4737735"/>
+          </a:xfrm>
+        </p:spPr>
+        <p:txBody>
+          <a:bodyPr>
+            <a:normAutofit lnSpcReduction="20000"/>
           </a:bodyPr>
-          <a:lstStyle>
-            <a:lvl1pPr algn="l" defTabSz="914400" rtl="0" eaLnBrk="1" latinLnBrk="0" hangingPunct="1">
-              <a:lnSpc>
-                <a:spcPct val="90000"/>
-              </a:lnSpc>
-              <a:spcBef>
-                <a:spcPct val="0"/>
-              </a:spcBef>
-              <a:buNone/>
-              <a:defRPr sz="4400" kern="1200">
-                <a:solidFill>
-                  <a:schemeClr val="tx1"/>
-                </a:solidFill>
-                <a:latin typeface="+mj-lt"/>
-                <a:ea typeface="+mj-ea"/>
-                <a:cs typeface="+mj-cs"/>
-              </a:defRPr>
-            </a:lvl1pPr>
-          </a:lstStyle>
-          <a:p>
-            <a:pPr algn="ctr"/>
-            <a:r>
-              <a:rPr lang="zh-CN" altLang="en-US" sz="4000"/>
-              <a:t>大数据存储结构：</a:t>
-            </a:r>
-            <a:r>
-              <a:rPr lang="en-US" altLang="zh-CN" sz="4000"/>
-              <a:t>LSM-Tree</a:t>
-            </a:r>
-            <a:endParaRPr lang="en-US" altLang="zh-CN" sz="4000"/>
+          <a:p>
+            <a:pPr marL="0" indent="0">
+              <a:buNone/>
+            </a:pPr>
+            <a:r>
+              <a:rPr lang="zh-CN" altLang="en-US" b="1"/>
+              <a:t>问题</a:t>
+            </a:r>
+            <a:r>
+              <a:rPr lang="zh-CN" altLang="en-US"/>
+              <a:t>：</a:t>
+            </a:r>
+            <a:endParaRPr lang="zh-CN" altLang="en-US"/>
+          </a:p>
+          <a:p>
+            <a:pPr marL="0" indent="0">
+              <a:buNone/>
+            </a:pPr>
+            <a:r>
+              <a:rPr lang="zh-CN" altLang="en-US"/>
+              <a:t>当数据量超过百万级后，</a:t>
+            </a:r>
+            <a:r>
+              <a:rPr lang="en-US" altLang="zh-CN"/>
+              <a:t>B+</a:t>
+            </a:r>
+            <a:r>
+              <a:rPr lang="zh-CN" altLang="en-US"/>
+              <a:t>树层级过深，</a:t>
+            </a:r>
+            <a:r>
+              <a:rPr lang="en-US" altLang="zh-CN"/>
+              <a:t>I/O</a:t>
+            </a:r>
+            <a:r>
+              <a:rPr lang="zh-CN" altLang="en-US"/>
+              <a:t>次数增多，性能下降。</a:t>
+            </a:r>
+            <a:endParaRPr lang="zh-CN" altLang="en-US"/>
+          </a:p>
+          <a:p>
+            <a:pPr marL="0" indent="0">
+              <a:buNone/>
+            </a:pPr>
+            <a:endParaRPr lang="zh-CN" altLang="en-US"/>
+          </a:p>
+          <a:p>
+            <a:pPr marL="0" indent="0">
+              <a:buNone/>
+            </a:pPr>
+            <a:r>
+              <a:rPr lang="zh-CN" altLang="en-US" b="1"/>
+              <a:t>解决方案</a:t>
+            </a:r>
+            <a:r>
+              <a:rPr lang="zh-CN" altLang="en-US"/>
+              <a:t>：</a:t>
+            </a:r>
+            <a:endParaRPr lang="zh-CN" altLang="en-US"/>
+          </a:p>
+          <a:p>
+            <a:pPr marL="0" indent="0">
+              <a:buNone/>
+            </a:pPr>
+            <a:endParaRPr lang="zh-CN" altLang="en-US"/>
+          </a:p>
+          <a:p>
+            <a:pPr marL="0" indent="0">
+              <a:buNone/>
+            </a:pPr>
+            <a:r>
+              <a:rPr lang="en-US" altLang="zh-CN" sz="2400"/>
+              <a:t>1</a:t>
+            </a:r>
+            <a:r>
+              <a:rPr lang="zh-CN" altLang="en-US" sz="2400"/>
+              <a:t>、 分库分表：根据表中的某个业务字段，将数据分散到多个数据库。</a:t>
+            </a:r>
+            <a:endParaRPr lang="zh-CN" altLang="en-US" sz="2400"/>
+          </a:p>
+          <a:p>
+            <a:pPr marL="0" indent="0">
+              <a:buNone/>
+            </a:pPr>
+            <a:r>
+              <a:rPr lang="zh-CN" altLang="en-US" sz="2400"/>
+              <a:t>目前分库分表有三种实现方案：</a:t>
+            </a:r>
+            <a:endParaRPr lang="zh-CN" altLang="en-US" sz="2400"/>
+          </a:p>
+          <a:p>
+            <a:pPr marL="0" indent="0">
+              <a:buNone/>
+            </a:pPr>
+            <a:r>
+              <a:rPr lang="en-US" altLang="zh-CN" sz="2400"/>
+              <a:t>1</a:t>
+            </a:r>
+            <a:r>
+              <a:rPr lang="zh-CN" altLang="en-US" sz="2400"/>
+              <a:t>）应用端做路由。特点：灵活性高；业务侵入性略强；无法</a:t>
+            </a:r>
+            <a:r>
+              <a:rPr lang="en-US" altLang="zh-CN" sz="2400"/>
+              <a:t>join</a:t>
+            </a:r>
+            <a:r>
+              <a:rPr lang="zh-CN" altLang="en-US" sz="2400"/>
+              <a:t>、</a:t>
+            </a:r>
+            <a:r>
+              <a:rPr lang="en-US" altLang="zh-CN" sz="2400"/>
+              <a:t>sort</a:t>
+            </a:r>
+            <a:r>
+              <a:rPr lang="zh-CN" altLang="en-US" sz="2400"/>
+              <a:t>。</a:t>
+            </a:r>
+            <a:endParaRPr lang="zh-CN" altLang="en-US" sz="2400"/>
+          </a:p>
+          <a:p>
+            <a:pPr marL="0" indent="0">
+              <a:buNone/>
+            </a:pPr>
+            <a:r>
+              <a:rPr lang="en-US" altLang="zh-CN" sz="2400"/>
+              <a:t>2</a:t>
+            </a:r>
+            <a:r>
+              <a:rPr lang="zh-CN" altLang="en-US" sz="2400"/>
+              <a:t>）中间件代理。shardingsphere等分库中间件提供了</a:t>
+            </a:r>
+            <a:r>
+              <a:rPr lang="en-US" altLang="zh-CN" sz="2400"/>
+              <a:t>hash</a:t>
+            </a:r>
+            <a:r>
+              <a:rPr lang="zh-CN" altLang="en-US" sz="2400"/>
+              <a:t>、</a:t>
+            </a:r>
+            <a:r>
+              <a:rPr lang="en-US" altLang="zh-CN" sz="2400"/>
+              <a:t>range</a:t>
+            </a:r>
+            <a:r>
+              <a:rPr lang="zh-CN" altLang="en-US" sz="2400"/>
+              <a:t>等多种分片路由策略；性能较差。</a:t>
+            </a:r>
+            <a:endParaRPr lang="zh-CN" altLang="en-US" sz="2400"/>
+          </a:p>
+          <a:p>
+            <a:pPr marL="0" indent="0">
+              <a:buNone/>
+            </a:pPr>
+            <a:r>
+              <a:rPr lang="en-US" altLang="zh-CN" sz="2400"/>
+              <a:t>3</a:t>
+            </a:r>
+            <a:r>
+              <a:rPr lang="zh-CN" altLang="en-US" sz="2400"/>
+              <a:t>）数据库端实现分片。</a:t>
+            </a:r>
+            <a:r>
+              <a:rPr lang="en-US" altLang="zh-CN" sz="2400"/>
+              <a:t>MySQL 5.7</a:t>
+            </a:r>
+            <a:r>
+              <a:rPr lang="zh-CN" altLang="en-US" sz="2400"/>
+              <a:t>开始提供</a:t>
+            </a:r>
+            <a:r>
+              <a:rPr lang="en-US" altLang="zh-CN" sz="2400"/>
+              <a:t>partition</a:t>
+            </a:r>
+            <a:r>
+              <a:rPr lang="zh-CN" altLang="en-US" sz="2400"/>
+              <a:t>的功能。</a:t>
+            </a:r>
+            <a:endParaRPr lang="zh-CN" altLang="en-US" sz="2400">
+              <a:sym typeface="+mn-ea"/>
+            </a:endParaRPr>
           </a:p>
         </p:txBody>
       </p:sp>
@@ -6182,253 +6114,194 @@
             <p:ph type="title"/>
           </p:nvPr>
         </p:nvSpPr>
-        <p:spPr/>
+        <p:spPr>
+          <a:xfrm>
+            <a:off x="342265" y="4878070"/>
+            <a:ext cx="11508740" cy="1566545"/>
+          </a:xfrm>
+        </p:spPr>
         <p:txBody>
           <a:bodyPr/>
           <a:p>
-            <a:pPr algn="ctr"/>
-            <a:r>
-              <a:rPr lang="en-US"/>
-              <a:t>LSM-Tree</a:t>
-            </a:r>
-            <a:r>
-              <a:rPr lang="zh-CN" altLang="en-US"/>
-              <a:t>的缺点</a:t>
-            </a:r>
-            <a:endParaRPr lang="zh-CN" altLang="en-US"/>
-          </a:p>
-        </p:txBody>
-      </p:sp>
-      <p:sp>
-        <p:nvSpPr>
-          <p:cNvPr id="3" name="Content Placeholder 2"/>
+            <a:pPr algn="l"/>
+            <a:r>
+              <a:rPr lang="zh-CN" altLang="en-US" sz="2000"/>
+              <a:t>写：写入内存里的</a:t>
+            </a:r>
+            <a:r>
+              <a:rPr lang="en-US" altLang="zh-CN" sz="2000"/>
+              <a:t>C</a:t>
+            </a:r>
+            <a:r>
+              <a:rPr lang="en-US" altLang="zh-CN" sz="2000" baseline="-25000"/>
+              <a:t>0</a:t>
+            </a:r>
+            <a:r>
+              <a:rPr lang="zh-CN" altLang="en-US" sz="2000"/>
+              <a:t>树，为了防止数据库崩溃保证数据持久性同时也会将数据写入</a:t>
+            </a:r>
+            <a:r>
+              <a:rPr lang="en-US" altLang="zh-CN" sz="2000"/>
+              <a:t>WAL</a:t>
+            </a:r>
+            <a:r>
+              <a:rPr lang="zh-CN" altLang="en-US" sz="2000"/>
+              <a:t>。对于删除，</a:t>
+            </a:r>
+            <a:br>
+              <a:rPr lang="zh-CN" altLang="en-US" sz="2000"/>
+            </a:br>
+            <a:r>
+              <a:rPr lang="zh-CN" altLang="en-US" sz="2000"/>
+              <a:t>       同样也会添加一条墓碑记录，当</a:t>
+            </a:r>
+            <a:r>
+              <a:rPr lang="en-US" altLang="zh-CN" sz="2000"/>
+              <a:t>C</a:t>
+            </a:r>
+            <a:r>
+              <a:rPr lang="en-US" altLang="zh-CN" sz="2000" baseline="-25000"/>
+              <a:t>0</a:t>
+            </a:r>
+            <a:r>
+              <a:rPr lang="zh-CN" altLang="en-US" sz="2000"/>
+              <a:t>树达到一定大小，会写入磁盘。当</a:t>
+            </a:r>
+            <a:r>
+              <a:rPr lang="en-US" altLang="zh-CN" sz="2000"/>
+              <a:t>C</a:t>
+            </a:r>
+            <a:r>
+              <a:rPr lang="en-US" altLang="zh-CN" sz="2000" baseline="-25000"/>
+              <a:t>1</a:t>
+            </a:r>
+            <a:r>
+              <a:rPr lang="zh-CN" altLang="en-US" sz="2000"/>
+              <a:t>树达到阈值，按照特定</a:t>
+            </a:r>
+            <a:br>
+              <a:rPr lang="zh-CN" altLang="en-US" sz="2000"/>
+            </a:br>
+            <a:r>
+              <a:rPr lang="zh-CN" altLang="en-US" sz="2000"/>
+              <a:t>       的算法负责将小树</a:t>
+            </a:r>
+            <a:r>
+              <a:rPr lang="en-US" altLang="zh-CN" sz="2000"/>
+              <a:t>Merge</a:t>
+            </a:r>
+            <a:r>
+              <a:rPr lang="zh-CN" altLang="en-US" sz="2000"/>
+              <a:t>成大树，同时将修改或删除的数据进行合并。</a:t>
+            </a:r>
+            <a:br>
+              <a:rPr lang="zh-CN" altLang="en-US" sz="2000"/>
+            </a:br>
+            <a:r>
+              <a:rPr lang="zh-CN" altLang="en-US" sz="2000"/>
+              <a:t>读：从</a:t>
+            </a:r>
+            <a:r>
+              <a:rPr lang="en-US" altLang="zh-CN" sz="2000"/>
+              <a:t>C</a:t>
+            </a:r>
+            <a:r>
+              <a:rPr lang="en-US" altLang="zh-CN" sz="2000" baseline="-25000"/>
+              <a:t>0</a:t>
+            </a:r>
+            <a:r>
+              <a:rPr lang="zh-CN" altLang="en-US" sz="2000"/>
+              <a:t>树开始读，依次从小树读到大树，直到</a:t>
+            </a:r>
+            <a:r>
+              <a:rPr lang="zh-CN" altLang="en-US" sz="2000">
+                <a:sym typeface="+mn-ea"/>
+              </a:rPr>
+              <a:t>找到</a:t>
+            </a:r>
+            <a:r>
+              <a:rPr lang="zh-CN" altLang="en-US" sz="2000"/>
+              <a:t>数据或者扫描完所有树。</a:t>
+            </a:r>
+            <a:endParaRPr lang="zh-CN" altLang="en-US" sz="2000"/>
+          </a:p>
+        </p:txBody>
+      </p:sp>
+      <p:pic>
+        <p:nvPicPr>
+          <p:cNvPr id="5" name="Picture 4"/>
+          <p:cNvPicPr>
+            <a:picLocks noChangeAspect="1"/>
+          </p:cNvPicPr>
+          <p:nvPr/>
+        </p:nvPicPr>
+        <p:blipFill>
+          <a:blip r:embed="rId1"/>
+          <a:stretch>
+            <a:fillRect/>
+          </a:stretch>
+        </p:blipFill>
+        <p:spPr>
+          <a:xfrm>
+            <a:off x="295275" y="1408430"/>
+            <a:ext cx="11602085" cy="3469640"/>
+          </a:xfrm>
+          <a:prstGeom prst="rect">
+            <a:avLst/>
+          </a:prstGeom>
+        </p:spPr>
+      </p:pic>
+      <p:sp>
+        <p:nvSpPr>
+          <p:cNvPr id="6" name="Title 1"/>
           <p:cNvSpPr>
             <a:spLocks noGrp="1"/>
           </p:cNvSpPr>
-          <p:nvPr>
-            <p:ph idx="1"/>
-          </p:nvPr>
+          <p:nvPr/>
         </p:nvSpPr>
         <p:spPr>
           <a:xfrm>
-            <a:off x="707390" y="1875790"/>
-            <a:ext cx="10777220" cy="4543425"/>
-          </a:xfrm>
-        </p:spPr>
-        <p:txBody>
-          <a:bodyPr>
-            <a:normAutofit fontScale="90000" lnSpcReduction="20000"/>
+            <a:off x="838200" y="82550"/>
+            <a:ext cx="10515600" cy="1325563"/>
+          </a:xfrm>
+          <a:prstGeom prst="rect">
+            <a:avLst/>
+          </a:prstGeom>
+        </p:spPr>
+        <p:txBody>
+          <a:bodyPr vert="horz" lIns="91440" tIns="45720" rIns="91440" bIns="45720" rtlCol="0" anchor="ctr">
+            <a:normAutofit/>
           </a:bodyPr>
-          <a:p>
-            <a:r>
-              <a:rPr lang="en-US" altLang="zh-CN"/>
-              <a:t>1</a:t>
-            </a:r>
-            <a:r>
-              <a:rPr lang="zh-CN" altLang="en-US"/>
-              <a:t>、</a:t>
-            </a:r>
-            <a:r>
-              <a:rPr lang="zh-CN" altLang="en-US" b="1"/>
-              <a:t>读放大</a:t>
-            </a:r>
-            <a:r>
-              <a:rPr lang="zh-CN" altLang="en-US"/>
-              <a:t>：原来只要读一棵树，现在可能需要读多棵树，而且当</a:t>
-            </a:r>
-            <a:endParaRPr lang="zh-CN" altLang="en-US"/>
-          </a:p>
-          <a:p>
-            <a:pPr marL="0" indent="0">
-              <a:buNone/>
-            </a:pPr>
-            <a:r>
-              <a:rPr lang="en-US" altLang="zh-CN"/>
-              <a:t>         </a:t>
-            </a:r>
-            <a:r>
-              <a:rPr lang="zh-CN" altLang="en-US"/>
-              <a:t>数据不存在的时候会扫描所有的树。</a:t>
-            </a:r>
-            <a:endParaRPr lang="zh-CN" altLang="en-US"/>
-          </a:p>
-          <a:p>
-            <a:pPr marL="0" indent="0">
-              <a:buNone/>
-            </a:pPr>
-            <a:r>
-              <a:rPr lang="zh-CN" altLang="en-US"/>
-              <a:t>        </a:t>
-            </a:r>
-            <a:r>
-              <a:rPr lang="en-US" altLang="zh-CN"/>
-              <a:t> </a:t>
-            </a:r>
-            <a:r>
-              <a:rPr lang="zh-CN" altLang="en-US" sz="2400"/>
-              <a:t>解决方案：使用</a:t>
-            </a:r>
-            <a:r>
-              <a:rPr lang="en-US" altLang="zh-CN" sz="2400"/>
-              <a:t>BloomFilter</a:t>
-            </a:r>
-            <a:r>
-              <a:rPr lang="zh-CN" altLang="en-US" sz="2400"/>
-              <a:t>对不存在的数据进行预判。</a:t>
-            </a:r>
-            <a:endParaRPr lang="zh-CN" altLang="en-US" sz="2400"/>
-          </a:p>
-          <a:p>
-            <a:pPr marL="0" indent="0">
-              <a:buNone/>
-            </a:pPr>
-            <a:endParaRPr lang="zh-CN" altLang="en-US" sz="2400"/>
-          </a:p>
-          <a:p>
-            <a:r>
-              <a:rPr lang="en-US" altLang="zh-CN"/>
-              <a:t>2</a:t>
-            </a:r>
-            <a:r>
-              <a:rPr lang="zh-CN" altLang="en-US"/>
-              <a:t>、</a:t>
-            </a:r>
-            <a:r>
-              <a:rPr lang="zh-CN" altLang="en-US" b="1"/>
-              <a:t>写放大</a:t>
-            </a:r>
-            <a:r>
-              <a:rPr lang="zh-CN" altLang="en-US"/>
-              <a:t>：原来一条记录只需要一次</a:t>
-            </a:r>
-            <a:r>
-              <a:rPr lang="en-US" altLang="zh-CN"/>
-              <a:t>I/O</a:t>
-            </a:r>
-            <a:r>
-              <a:rPr lang="zh-CN" altLang="en-US"/>
-              <a:t>写操作，现在因为有</a:t>
-            </a:r>
-            <a:endParaRPr lang="zh-CN" altLang="en-US"/>
-          </a:p>
-          <a:p>
-            <a:pPr marL="0" indent="0">
-              <a:buNone/>
-            </a:pPr>
-            <a:r>
-              <a:rPr lang="en-US" altLang="zh-CN"/>
-              <a:t>         Merge</a:t>
-            </a:r>
-            <a:r>
-              <a:rPr lang="zh-CN" altLang="en-US"/>
-              <a:t>操作可能会演化成多次</a:t>
-            </a:r>
-            <a:r>
-              <a:rPr lang="en-US" altLang="zh-CN"/>
-              <a:t>I/O</a:t>
-            </a:r>
-            <a:r>
-              <a:rPr lang="zh-CN" altLang="en-US"/>
-              <a:t>写操作。</a:t>
-            </a:r>
-            <a:endParaRPr lang="zh-CN" altLang="en-US"/>
-          </a:p>
-          <a:p>
-            <a:pPr marL="0" indent="0">
-              <a:buNone/>
-            </a:pPr>
-            <a:endParaRPr lang="zh-CN" altLang="en-US"/>
-          </a:p>
-          <a:p>
-            <a:r>
-              <a:rPr lang="en-US">
-                <a:sym typeface="+mn-ea"/>
-              </a:rPr>
-              <a:t>3</a:t>
-            </a:r>
-            <a:r>
-              <a:rPr lang="zh-CN" altLang="en-US">
-                <a:sym typeface="+mn-ea"/>
-              </a:rPr>
-              <a:t>、</a:t>
-            </a:r>
-            <a:r>
-              <a:rPr lang="zh-CN" altLang="en-US" b="1">
-                <a:sym typeface="+mn-ea"/>
-              </a:rPr>
-              <a:t>空间放大</a:t>
-            </a:r>
-            <a:r>
-              <a:rPr lang="zh-CN" altLang="en-US">
-                <a:sym typeface="+mn-ea"/>
-              </a:rPr>
-              <a:t>：数据库里可能会有未合并的历史数据占用空间。</a:t>
-            </a:r>
-            <a:endParaRPr lang="zh-CN" altLang="en-US"/>
-          </a:p>
-          <a:p>
-            <a:pPr marL="0" indent="0">
-              <a:buNone/>
-            </a:pPr>
-            <a:r>
-              <a:rPr lang="en-US">
-                <a:sym typeface="+mn-ea"/>
-              </a:rPr>
-              <a:t>        </a:t>
-            </a:r>
-            <a:r>
-              <a:rPr lang="zh-CN" altLang="en-US">
-                <a:sym typeface="+mn-ea"/>
-              </a:rPr>
-              <a:t>相比于</a:t>
-            </a:r>
-            <a:r>
-              <a:rPr lang="en-US" altLang="zh-CN">
-                <a:sym typeface="+mn-ea"/>
-              </a:rPr>
-              <a:t>B+</a:t>
-            </a:r>
-            <a:r>
-              <a:rPr lang="zh-CN" altLang="en-US">
-                <a:sym typeface="+mn-ea"/>
-              </a:rPr>
-              <a:t>树随机写导致的磁盘碎片，这个问题倒不是很严重。</a:t>
-            </a:r>
-            <a:endParaRPr lang="zh-CN" altLang="en-US">
-              <a:sym typeface="+mn-ea"/>
-            </a:endParaRPr>
-          </a:p>
-          <a:p>
-            <a:pPr marL="0" indent="0">
-              <a:buNone/>
-            </a:pPr>
-            <a:endParaRPr lang="zh-CN" altLang="en-US"/>
-          </a:p>
-          <a:p>
-            <a:pPr marL="0" indent="0">
-              <a:buNone/>
-            </a:pPr>
-            <a:r>
-              <a:rPr lang="zh-CN" altLang="en-US"/>
-              <a:t>        </a:t>
-            </a:r>
-            <a:r>
-              <a:rPr lang="en-US" altLang="zh-CN"/>
-              <a:t> </a:t>
-            </a:r>
-            <a:r>
-              <a:rPr lang="zh-CN" altLang="en-US" sz="2400"/>
-              <a:t>解决方案：优化</a:t>
-            </a:r>
-            <a:r>
-              <a:rPr lang="en-US" altLang="zh-CN" sz="2400"/>
-              <a:t>Merge</a:t>
-            </a:r>
-            <a:r>
-              <a:rPr lang="zh-CN" altLang="en-US" sz="2400"/>
-              <a:t>算法，这也是目前数据库研究的主要课题。</a:t>
-            </a:r>
-            <a:endParaRPr lang="zh-CN" altLang="en-US" sz="2400"/>
+          <a:lstStyle>
+            <a:lvl1pPr algn="l" defTabSz="914400" rtl="0" eaLnBrk="1" latinLnBrk="0" hangingPunct="1">
+              <a:lnSpc>
+                <a:spcPct val="90000"/>
+              </a:lnSpc>
+              <a:spcBef>
+                <a:spcPct val="0"/>
+              </a:spcBef>
+              <a:buNone/>
+              <a:defRPr sz="4400" kern="1200">
+                <a:solidFill>
+                  <a:schemeClr val="tx1"/>
+                </a:solidFill>
+                <a:latin typeface="+mj-lt"/>
+                <a:ea typeface="+mj-ea"/>
+                <a:cs typeface="+mj-cs"/>
+              </a:defRPr>
+            </a:lvl1pPr>
+          </a:lstStyle>
+          <a:p>
+            <a:pPr algn="ctr"/>
+            <a:r>
+              <a:rPr lang="zh-CN" altLang="en-US" sz="4000"/>
+              <a:t>大数据存储结构：</a:t>
+            </a:r>
+            <a:r>
+              <a:rPr lang="en-US" altLang="zh-CN" sz="4000"/>
+              <a:t>LSM-Tree</a:t>
+            </a:r>
+            <a:endParaRPr lang="en-US" altLang="zh-CN" sz="4000"/>
           </a:p>
         </p:txBody>
       </p:sp>
@@ -6441,6 +6314,284 @@
 </file>
 
 <file path=ppt/slides/slide23.xml><?xml version="1.0" encoding="utf-8"?>
+<p:sld xmlns:a="http://schemas.openxmlformats.org/drawingml/2006/main" xmlns:r="http://schemas.openxmlformats.org/officeDocument/2006/relationships" xmlns:p="http://schemas.openxmlformats.org/presentationml/2006/main">
+  <p:cSld>
+    <p:spTree>
+      <p:nvGrpSpPr>
+        <p:cNvPr id="1" name=""/>
+        <p:cNvGrpSpPr/>
+        <p:nvPr/>
+      </p:nvGrpSpPr>
+      <p:grpSpPr/>
+      <p:sp>
+        <p:nvSpPr>
+          <p:cNvPr id="2" name="Title 1"/>
+          <p:cNvSpPr>
+            <a:spLocks noGrp="1"/>
+          </p:cNvSpPr>
+          <p:nvPr>
+            <p:ph type="title"/>
+          </p:nvPr>
+        </p:nvSpPr>
+        <p:spPr/>
+        <p:txBody>
+          <a:bodyPr/>
+          <a:p>
+            <a:pPr algn="ctr"/>
+            <a:r>
+              <a:rPr lang="en-US"/>
+              <a:t>LSM-Tree</a:t>
+            </a:r>
+            <a:r>
+              <a:rPr lang="zh-CN" altLang="en-US"/>
+              <a:t>的缺点</a:t>
+            </a:r>
+            <a:endParaRPr lang="zh-CN" altLang="en-US"/>
+          </a:p>
+        </p:txBody>
+      </p:sp>
+      <p:sp>
+        <p:nvSpPr>
+          <p:cNvPr id="3" name="Content Placeholder 2"/>
+          <p:cNvSpPr>
+            <a:spLocks noGrp="1"/>
+          </p:cNvSpPr>
+          <p:nvPr>
+            <p:ph idx="1"/>
+          </p:nvPr>
+        </p:nvSpPr>
+        <p:spPr>
+          <a:xfrm>
+            <a:off x="707390" y="1875790"/>
+            <a:ext cx="10777220" cy="4543425"/>
+          </a:xfrm>
+        </p:spPr>
+        <p:txBody>
+          <a:bodyPr>
+            <a:normAutofit fontScale="90000" lnSpcReduction="20000"/>
+          </a:bodyPr>
+          <a:p>
+            <a:r>
+              <a:rPr lang="en-US" altLang="zh-CN"/>
+              <a:t>1</a:t>
+            </a:r>
+            <a:r>
+              <a:rPr lang="zh-CN" altLang="en-US"/>
+              <a:t>、</a:t>
+            </a:r>
+            <a:r>
+              <a:rPr lang="zh-CN" altLang="en-US" b="1"/>
+              <a:t>读放大</a:t>
+            </a:r>
+            <a:r>
+              <a:rPr lang="zh-CN" altLang="en-US"/>
+              <a:t>：原来只要读一棵树，现在可能需要读多棵树，而且当</a:t>
+            </a:r>
+            <a:endParaRPr lang="zh-CN" altLang="en-US"/>
+          </a:p>
+          <a:p>
+            <a:pPr marL="0" indent="0">
+              <a:buNone/>
+            </a:pPr>
+            <a:r>
+              <a:rPr lang="en-US" altLang="zh-CN"/>
+              <a:t>         </a:t>
+            </a:r>
+            <a:r>
+              <a:rPr lang="zh-CN" altLang="en-US"/>
+              <a:t>数据不存在的时候会扫描所有的树。</a:t>
+            </a:r>
+            <a:endParaRPr lang="zh-CN" altLang="en-US"/>
+          </a:p>
+          <a:p>
+            <a:pPr marL="0" indent="0">
+              <a:buNone/>
+            </a:pPr>
+            <a:r>
+              <a:rPr lang="zh-CN" altLang="en-US"/>
+              <a:t>        </a:t>
+            </a:r>
+            <a:r>
+              <a:rPr lang="en-US" altLang="zh-CN"/>
+              <a:t> </a:t>
+            </a:r>
+            <a:r>
+              <a:rPr lang="zh-CN" altLang="en-US" sz="2400"/>
+              <a:t>解决方案：使用</a:t>
+            </a:r>
+            <a:r>
+              <a:rPr lang="en-US" altLang="zh-CN" sz="2400"/>
+              <a:t>BloomFilter</a:t>
+            </a:r>
+            <a:r>
+              <a:rPr lang="zh-CN" altLang="en-US" sz="2400"/>
+              <a:t>对不存在的数据进行预判。</a:t>
+            </a:r>
+            <a:endParaRPr lang="zh-CN" altLang="en-US" sz="2400"/>
+          </a:p>
+          <a:p>
+            <a:pPr marL="0" indent="0">
+              <a:buNone/>
+            </a:pPr>
+            <a:endParaRPr lang="zh-CN" altLang="en-US" sz="2400"/>
+          </a:p>
+          <a:p>
+            <a:r>
+              <a:rPr lang="en-US" altLang="zh-CN"/>
+              <a:t>2</a:t>
+            </a:r>
+            <a:r>
+              <a:rPr lang="zh-CN" altLang="en-US"/>
+              <a:t>、</a:t>
+            </a:r>
+            <a:r>
+              <a:rPr lang="zh-CN" altLang="en-US" b="1"/>
+              <a:t>写放大</a:t>
+            </a:r>
+            <a:r>
+              <a:rPr lang="zh-CN" altLang="en-US"/>
+              <a:t>：原来一条记录只需要一次</a:t>
+            </a:r>
+            <a:r>
+              <a:rPr lang="en-US" altLang="zh-CN"/>
+              <a:t>I/O</a:t>
+            </a:r>
+            <a:r>
+              <a:rPr lang="zh-CN" altLang="en-US"/>
+              <a:t>写操作，现在因为有</a:t>
+            </a:r>
+            <a:endParaRPr lang="zh-CN" altLang="en-US"/>
+          </a:p>
+          <a:p>
+            <a:pPr marL="0" indent="0">
+              <a:buNone/>
+            </a:pPr>
+            <a:r>
+              <a:rPr lang="en-US" altLang="zh-CN"/>
+              <a:t>         Merge</a:t>
+            </a:r>
+            <a:r>
+              <a:rPr lang="zh-CN" altLang="en-US"/>
+              <a:t>操作可能会演化成多次</a:t>
+            </a:r>
+            <a:r>
+              <a:rPr lang="en-US" altLang="zh-CN"/>
+              <a:t>I/O</a:t>
+            </a:r>
+            <a:r>
+              <a:rPr lang="zh-CN" altLang="en-US"/>
+              <a:t>写操作。</a:t>
+            </a:r>
+            <a:endParaRPr lang="zh-CN" altLang="en-US"/>
+          </a:p>
+          <a:p>
+            <a:pPr marL="0" indent="0">
+              <a:buNone/>
+            </a:pPr>
+            <a:endParaRPr lang="zh-CN" altLang="en-US"/>
+          </a:p>
+          <a:p>
+            <a:r>
+              <a:rPr lang="en-US">
+                <a:sym typeface="+mn-ea"/>
+              </a:rPr>
+              <a:t>3</a:t>
+            </a:r>
+            <a:r>
+              <a:rPr lang="zh-CN" altLang="en-US">
+                <a:sym typeface="+mn-ea"/>
+              </a:rPr>
+              <a:t>、</a:t>
+            </a:r>
+            <a:r>
+              <a:rPr lang="zh-CN" altLang="en-US" b="1">
+                <a:sym typeface="+mn-ea"/>
+              </a:rPr>
+              <a:t>空间放大</a:t>
+            </a:r>
+            <a:r>
+              <a:rPr lang="zh-CN" altLang="en-US">
+                <a:sym typeface="+mn-ea"/>
+              </a:rPr>
+              <a:t>：数据库里可能会有未合并的历史数据占用空间。</a:t>
+            </a:r>
+            <a:endParaRPr lang="zh-CN" altLang="en-US"/>
+          </a:p>
+          <a:p>
+            <a:pPr marL="0" indent="0">
+              <a:buNone/>
+            </a:pPr>
+            <a:r>
+              <a:rPr lang="en-US">
+                <a:sym typeface="+mn-ea"/>
+              </a:rPr>
+              <a:t>        </a:t>
+            </a:r>
+            <a:r>
+              <a:rPr lang="zh-CN" altLang="en-US">
+                <a:sym typeface="+mn-ea"/>
+              </a:rPr>
+              <a:t>相比于</a:t>
+            </a:r>
+            <a:r>
+              <a:rPr lang="en-US" altLang="zh-CN">
+                <a:sym typeface="+mn-ea"/>
+              </a:rPr>
+              <a:t>B+</a:t>
+            </a:r>
+            <a:r>
+              <a:rPr lang="zh-CN" altLang="en-US">
+                <a:sym typeface="+mn-ea"/>
+              </a:rPr>
+              <a:t>树随机写导致的磁盘碎片，这个问题倒不是很严重。</a:t>
+            </a:r>
+            <a:endParaRPr lang="zh-CN" altLang="en-US">
+              <a:sym typeface="+mn-ea"/>
+            </a:endParaRPr>
+          </a:p>
+          <a:p>
+            <a:pPr marL="0" indent="0">
+              <a:buNone/>
+            </a:pPr>
+            <a:endParaRPr lang="zh-CN" altLang="en-US"/>
+          </a:p>
+          <a:p>
+            <a:pPr marL="0" indent="0">
+              <a:buNone/>
+            </a:pPr>
+            <a:r>
+              <a:rPr lang="zh-CN" altLang="en-US"/>
+              <a:t>        </a:t>
+            </a:r>
+            <a:r>
+              <a:rPr lang="en-US" altLang="zh-CN"/>
+              <a:t> </a:t>
+            </a:r>
+            <a:r>
+              <a:rPr lang="zh-CN" altLang="en-US" sz="2400"/>
+              <a:t>解决方案：优化</a:t>
+            </a:r>
+            <a:r>
+              <a:rPr lang="en-US" altLang="zh-CN" sz="2400"/>
+              <a:t>Merge</a:t>
+            </a:r>
+            <a:r>
+              <a:rPr lang="zh-CN" altLang="en-US" sz="2400"/>
+              <a:t>算法，这也是目前数据库研究的主要课题。</a:t>
+            </a:r>
+            <a:endParaRPr lang="zh-CN" altLang="en-US" sz="2400"/>
+          </a:p>
+        </p:txBody>
+      </p:sp>
+    </p:spTree>
+  </p:cSld>
+  <p:clrMapOvr>
+    <a:masterClrMapping/>
+  </p:clrMapOvr>
+</p:sld>
+</file>
+
+<file path=ppt/slides/slide24.xml><?xml version="1.0" encoding="utf-8"?>
 <p:sld xmlns:a="http://schemas.openxmlformats.org/drawingml/2006/main" xmlns:r="http://schemas.openxmlformats.org/officeDocument/2006/relationships" xmlns:p="http://schemas.openxmlformats.org/presentationml/2006/main">
   <p:cSld>
     <p:spTree>
@@ -6514,134 +6665,6 @@
 </p:sld>
 </file>
 
-<file path=ppt/slides/slide24.xml><?xml version="1.0" encoding="utf-8"?>
-<p:sld xmlns:a="http://schemas.openxmlformats.org/drawingml/2006/main" xmlns:r="http://schemas.openxmlformats.org/officeDocument/2006/relationships" xmlns:p="http://schemas.openxmlformats.org/presentationml/2006/main">
-  <p:cSld>
-    <p:spTree>
-      <p:nvGrpSpPr>
-        <p:cNvPr id="1" name=""/>
-        <p:cNvGrpSpPr/>
-        <p:nvPr/>
-      </p:nvGrpSpPr>
-      <p:grpSpPr/>
-      <p:sp>
-        <p:nvSpPr>
-          <p:cNvPr id="2" name="Title 1"/>
-          <p:cNvSpPr>
-            <a:spLocks noGrp="1"/>
-          </p:cNvSpPr>
-          <p:nvPr>
-            <p:ph type="title"/>
-          </p:nvPr>
-        </p:nvSpPr>
-        <p:spPr/>
-        <p:txBody>
-          <a:bodyPr/>
-          <a:p>
-            <a:pPr algn="ctr"/>
-            <a:r>
-              <a:rPr lang="en-US"/>
-              <a:t>LSM-Tree</a:t>
-            </a:r>
-            <a:r>
-              <a:rPr lang="zh-CN" altLang="en-US"/>
-              <a:t>应用</a:t>
-            </a:r>
-            <a:endParaRPr lang="zh-CN" altLang="en-US"/>
-          </a:p>
-        </p:txBody>
-      </p:sp>
-      <p:sp>
-        <p:nvSpPr>
-          <p:cNvPr id="3" name="Content Placeholder 2"/>
-          <p:cNvSpPr>
-            <a:spLocks noGrp="1"/>
-          </p:cNvSpPr>
-          <p:nvPr>
-            <p:ph idx="1"/>
-          </p:nvPr>
-        </p:nvSpPr>
-        <p:spPr/>
-        <p:txBody>
-          <a:bodyPr/>
-          <a:p>
-            <a:pPr algn="ctr"/>
-            <a:r>
-              <a:rPr lang="en-US"/>
-              <a:t>Google BigTable(2006)</a:t>
-            </a:r>
-            <a:endParaRPr lang="en-US"/>
-          </a:p>
-          <a:p>
-            <a:pPr algn="ctr"/>
-            <a:r>
-              <a:rPr lang="en-US"/>
-              <a:t>Google LevelDB(2011)</a:t>
-            </a:r>
-            <a:endParaRPr lang="en-US"/>
-          </a:p>
-          <a:p>
-            <a:pPr algn="ctr"/>
-            <a:r>
-              <a:rPr lang="en-US"/>
-              <a:t>Apache HBase(2008)</a:t>
-            </a:r>
-            <a:endParaRPr lang="en-US"/>
-          </a:p>
-          <a:p>
-            <a:pPr algn="ctr"/>
-            <a:r>
-              <a:rPr lang="en-US"/>
-              <a:t>Facebook RockDB(2013)</a:t>
-            </a:r>
-            <a:endParaRPr lang="en-US"/>
-          </a:p>
-          <a:p>
-            <a:pPr algn="ctr"/>
-            <a:r>
-              <a:rPr lang="en-US"/>
-              <a:t>MySQL MyRocks</a:t>
-            </a:r>
-            <a:endParaRPr lang="en-US"/>
-          </a:p>
-          <a:p>
-            <a:pPr algn="ctr"/>
-            <a:r>
-              <a:rPr lang="en-US"/>
-              <a:t>MongoDB WireTiger(2008,2014)</a:t>
-            </a:r>
-            <a:endParaRPr lang="en-US"/>
-          </a:p>
-          <a:p>
-            <a:pPr algn="ctr"/>
-            <a:r>
-              <a:rPr lang="en-US"/>
-              <a:t>Elasticsearch(2010)</a:t>
-            </a:r>
-            <a:endParaRPr lang="en-US"/>
-          </a:p>
-          <a:p>
-            <a:pPr algn="ctr"/>
-            <a:r>
-              <a:rPr lang="en-US"/>
-              <a:t>Yandex Clickhouse(2016)</a:t>
-            </a:r>
-            <a:endParaRPr lang="en-US"/>
-          </a:p>
-          <a:p>
-            <a:pPr algn="ctr"/>
-            <a:endParaRPr lang="en-US"/>
-          </a:p>
-        </p:txBody>
-      </p:sp>
-    </p:spTree>
-  </p:cSld>
-  <p:clrMapOvr>
-    <a:masterClrMapping/>
-  </p:clrMapOvr>
-</p:sld>
-</file>
-
 <file path=ppt/slides/slide25.xml><?xml version="1.0" encoding="utf-8"?>
 <p:sld xmlns:a="http://schemas.openxmlformats.org/drawingml/2006/main" xmlns:r="http://schemas.openxmlformats.org/officeDocument/2006/relationships" xmlns:p="http://schemas.openxmlformats.org/presentationml/2006/main">
   <p:cSld>
@@ -6654,7 +6677,7 @@
       <p:grpSpPr/>
       <p:sp>
         <p:nvSpPr>
-          <p:cNvPr id="6" name="Title 5"/>
+          <p:cNvPr id="2" name="Title 1"/>
           <p:cNvSpPr>
             <a:spLocks noGrp="1"/>
           </p:cNvSpPr>
@@ -6662,439 +6685,103 @@
             <p:ph type="title"/>
           </p:nvPr>
         </p:nvSpPr>
-        <p:spPr>
-          <a:xfrm>
-            <a:off x="838200" y="238125"/>
-            <a:ext cx="10515600" cy="1325563"/>
-          </a:xfrm>
-        </p:spPr>
+        <p:spPr/>
         <p:txBody>
           <a:bodyPr/>
           <a:p>
             <a:pPr algn="ctr"/>
             <a:r>
-              <a:rPr lang="zh-CN" altLang="en-US">
-                <a:sym typeface="+mn-ea"/>
-              </a:rPr>
-              <a:t>索引的应用</a:t>
-            </a:r>
-            <a:endParaRPr lang="zh-CN" altLang="en-US">
-              <a:sym typeface="+mn-ea"/>
-            </a:endParaRPr>
-          </a:p>
-        </p:txBody>
-      </p:sp>
-      <p:pic>
-        <p:nvPicPr>
-          <p:cNvPr id="5" name="Picture 4"/>
-          <p:cNvPicPr>
-            <a:picLocks noChangeAspect="1"/>
-          </p:cNvPicPr>
-          <p:nvPr/>
-        </p:nvPicPr>
-        <p:blipFill>
-          <a:blip r:embed="rId1"/>
-          <a:stretch>
-            <a:fillRect/>
-          </a:stretch>
-        </p:blipFill>
-        <p:spPr>
-          <a:xfrm>
-            <a:off x="47625" y="1574165"/>
-            <a:ext cx="5045075" cy="3709670"/>
-          </a:xfrm>
-          <a:prstGeom prst="rect">
-            <a:avLst/>
-          </a:prstGeom>
-        </p:spPr>
-      </p:pic>
-      <p:sp>
-        <p:nvSpPr>
-          <p:cNvPr id="7" name="Title 5"/>
+              <a:rPr lang="en-US"/>
+              <a:t>LSM-Tree</a:t>
+            </a:r>
+            <a:r>
+              <a:rPr lang="zh-CN" altLang="en-US"/>
+              <a:t>应用</a:t>
+            </a:r>
+            <a:endParaRPr lang="zh-CN" altLang="en-US"/>
+          </a:p>
+        </p:txBody>
+      </p:sp>
+      <p:sp>
+        <p:nvSpPr>
+          <p:cNvPr id="3" name="Content Placeholder 2"/>
           <p:cNvSpPr>
             <a:spLocks noGrp="1"/>
           </p:cNvSpPr>
-          <p:nvPr/>
-        </p:nvSpPr>
-        <p:spPr>
-          <a:xfrm>
-            <a:off x="4704715" y="1396365"/>
-            <a:ext cx="7433945" cy="5272405"/>
-          </a:xfrm>
-          <a:prstGeom prst="rect">
-            <a:avLst/>
-          </a:prstGeom>
-        </p:spPr>
-        <p:txBody>
-          <a:bodyPr vert="horz" lIns="91440" tIns="45720" rIns="91440" bIns="45720" rtlCol="0" anchor="ctr">
-            <a:normAutofit lnSpcReduction="20000"/>
-          </a:bodyPr>
-          <a:lstStyle>
-            <a:lvl1pPr algn="l" defTabSz="914400" rtl="0" eaLnBrk="1" latinLnBrk="0" hangingPunct="1">
-              <a:lnSpc>
-                <a:spcPct val="90000"/>
-              </a:lnSpc>
-              <a:spcBef>
-                <a:spcPct val="0"/>
-              </a:spcBef>
-              <a:buNone/>
-              <a:defRPr sz="4400" kern="1200">
-                <a:solidFill>
-                  <a:schemeClr val="tx1"/>
-                </a:solidFill>
-                <a:latin typeface="+mj-lt"/>
-                <a:ea typeface="+mj-ea"/>
-                <a:cs typeface="+mj-cs"/>
-              </a:defRPr>
-            </a:lvl1pPr>
-          </a:lstStyle>
-          <a:p>
-            <a:pPr algn="l"/>
-            <a:r>
-              <a:rPr lang="en-US" altLang="zh-CN" sz="2400">
-                <a:sym typeface="+mn-ea"/>
-              </a:rPr>
-              <a:t>1</a:t>
-            </a:r>
-            <a:r>
-              <a:rPr lang="zh-CN" altLang="en-US" sz="2400">
-                <a:sym typeface="+mn-ea"/>
-              </a:rPr>
-              <a:t>、单列索引</a:t>
-            </a:r>
-            <a:endParaRPr lang="zh-CN" altLang="en-US" sz="2400">
-              <a:sym typeface="+mn-ea"/>
-            </a:endParaRPr>
-          </a:p>
-          <a:p>
-            <a:pPr algn="l"/>
-            <a:r>
-              <a:rPr lang="zh-CN" altLang="en-US" sz="2400">
-                <a:sym typeface="+mn-ea"/>
-              </a:rPr>
-              <a:t>     </a:t>
-            </a:r>
-            <a:r>
-              <a:rPr lang="en-US" altLang="zh-CN" sz="2400">
-                <a:sym typeface="+mn-ea"/>
-              </a:rPr>
-              <a:t>select *</a:t>
-            </a:r>
-            <a:r>
-              <a:rPr lang="zh-CN" altLang="en-US" sz="2400">
-                <a:sym typeface="+mn-ea"/>
-              </a:rPr>
-              <a:t> </a:t>
-            </a:r>
-            <a:r>
-              <a:rPr lang="en-US" altLang="zh-CN" sz="2400">
-                <a:sym typeface="+mn-ea"/>
-              </a:rPr>
-              <a:t>from t where name=? </a:t>
-            </a:r>
-            <a:endParaRPr lang="en-US" altLang="zh-CN" sz="2400">
-              <a:sym typeface="+mn-ea"/>
-            </a:endParaRPr>
-          </a:p>
-          <a:p>
-            <a:pPr algn="l"/>
-            <a:r>
-              <a:rPr lang="en-US" altLang="zh-CN" sz="2400">
-                <a:sym typeface="+mn-ea"/>
-              </a:rPr>
-              <a:t>    </a:t>
-            </a:r>
-            <a:r>
-              <a:rPr lang="en-US" altLang="zh-CN" sz="2400">
-                <a:solidFill>
-                  <a:schemeClr val="bg1">
-                    <a:lumMod val="95000"/>
-                  </a:schemeClr>
-                </a:solidFill>
-                <a:sym typeface="+mn-ea"/>
-              </a:rPr>
-              <a:t> idx_name(name)</a:t>
-            </a:r>
-            <a:endParaRPr lang="en-US" altLang="zh-CN" sz="2400">
-              <a:solidFill>
-                <a:schemeClr val="bg1">
-                  <a:lumMod val="95000"/>
-                </a:schemeClr>
-              </a:solidFill>
-              <a:sym typeface="+mn-ea"/>
-            </a:endParaRPr>
-          </a:p>
-          <a:p>
-            <a:pPr algn="l"/>
-            <a:r>
-              <a:rPr lang="zh-CN" altLang="en-US" sz="2400">
-                <a:sym typeface="+mn-ea"/>
-              </a:rPr>
-              <a:t>     </a:t>
-            </a:r>
-            <a:r>
-              <a:rPr lang="en-US" altLang="zh-CN" sz="2400">
-                <a:sym typeface="+mn-ea"/>
-              </a:rPr>
-              <a:t>select * from t where birthday=?</a:t>
-            </a:r>
-            <a:endParaRPr lang="en-US" altLang="zh-CN" sz="2400">
-              <a:sym typeface="+mn-ea"/>
-            </a:endParaRPr>
-          </a:p>
-          <a:p>
-            <a:pPr algn="l"/>
-            <a:r>
-              <a:rPr lang="en-US" altLang="zh-CN" sz="2400">
-                <a:sym typeface="+mn-ea"/>
-              </a:rPr>
-              <a:t>     </a:t>
-            </a:r>
-            <a:r>
-              <a:rPr lang="en-US" altLang="zh-CN" sz="2400">
-                <a:solidFill>
-                  <a:schemeClr val="bg1">
-                    <a:lumMod val="95000"/>
-                  </a:schemeClr>
-                </a:solidFill>
-                <a:sym typeface="+mn-ea"/>
-              </a:rPr>
-              <a:t>idx_birthday(birthday)</a:t>
-            </a:r>
-            <a:endParaRPr lang="en-US" altLang="zh-CN" sz="2400">
-              <a:solidFill>
-                <a:schemeClr val="bg1">
-                  <a:lumMod val="95000"/>
-                </a:schemeClr>
-              </a:solidFill>
-              <a:sym typeface="+mn-ea"/>
-            </a:endParaRPr>
-          </a:p>
-          <a:p>
-            <a:pPr algn="l"/>
-            <a:endParaRPr lang="zh-CN" altLang="en-US" sz="2400">
-              <a:sym typeface="+mn-ea"/>
-            </a:endParaRPr>
-          </a:p>
-          <a:p>
-            <a:pPr algn="l"/>
-            <a:r>
-              <a:rPr lang="en-US" altLang="zh-CN" sz="2400">
-                <a:sym typeface="+mn-ea"/>
-              </a:rPr>
-              <a:t>2</a:t>
-            </a:r>
-            <a:r>
-              <a:rPr lang="zh-CN" altLang="en-US" sz="2400">
-                <a:sym typeface="+mn-ea"/>
-              </a:rPr>
-              <a:t>、联合索引</a:t>
-            </a:r>
-            <a:br>
-              <a:rPr lang="zh-CN" altLang="en-US" sz="2400">
-                <a:sym typeface="+mn-ea"/>
-              </a:rPr>
-            </a:br>
-            <a:r>
-              <a:rPr lang="zh-CN" altLang="en-US" sz="2400">
-                <a:sym typeface="+mn-ea"/>
-              </a:rPr>
-              <a:t>     </a:t>
-            </a:r>
-            <a:r>
-              <a:rPr lang="en-US" altLang="zh-CN" sz="2400">
-                <a:sym typeface="+mn-ea"/>
-              </a:rPr>
-              <a:t>select * from t where birthday=? and name=?</a:t>
-            </a:r>
-            <a:endParaRPr lang="en-US" altLang="zh-CN" sz="2400">
-              <a:sym typeface="+mn-ea"/>
-            </a:endParaRPr>
-          </a:p>
-          <a:p>
-            <a:pPr algn="l"/>
-            <a:r>
-              <a:rPr lang="en-US" altLang="zh-CN" sz="2400">
-                <a:sym typeface="+mn-ea"/>
-              </a:rPr>
-              <a:t>    </a:t>
-            </a:r>
-            <a:r>
-              <a:rPr lang="en-US" altLang="zh-CN" sz="2400">
-                <a:solidFill>
-                  <a:schemeClr val="bg1">
-                    <a:lumMod val="95000"/>
-                  </a:schemeClr>
-                </a:solidFill>
-                <a:sym typeface="+mn-ea"/>
-              </a:rPr>
-              <a:t> idx_birthday_name(birthday, name)</a:t>
-            </a:r>
-            <a:endParaRPr lang="en-US" altLang="zh-CN" sz="2400">
-              <a:solidFill>
-                <a:schemeClr val="bg1">
-                  <a:lumMod val="95000"/>
-                </a:schemeClr>
-              </a:solidFill>
-              <a:sym typeface="+mn-ea"/>
-            </a:endParaRPr>
-          </a:p>
-          <a:p>
-            <a:pPr algn="l"/>
-            <a:endParaRPr lang="en-US" altLang="zh-CN" sz="2400">
-              <a:sym typeface="+mn-ea"/>
-            </a:endParaRPr>
-          </a:p>
-          <a:p>
-            <a:pPr algn="l"/>
-            <a:r>
-              <a:rPr lang="en-US" altLang="zh-CN" sz="2400">
-                <a:sym typeface="+mn-ea"/>
-              </a:rPr>
-              <a:t>3</a:t>
-            </a:r>
-            <a:r>
-              <a:rPr lang="zh-CN" altLang="en-US" sz="2400">
-                <a:sym typeface="+mn-ea"/>
-              </a:rPr>
-              <a:t>、前缀匹配</a:t>
-            </a:r>
-            <a:endParaRPr lang="zh-CN" altLang="en-US" sz="2400">
-              <a:sym typeface="+mn-ea"/>
-            </a:endParaRPr>
-          </a:p>
-          <a:p>
-            <a:pPr algn="l"/>
-            <a:r>
-              <a:rPr lang="zh-CN" altLang="en-US" sz="2400">
-                <a:sym typeface="+mn-ea"/>
-              </a:rPr>
-              <a:t>     </a:t>
-            </a:r>
-            <a:r>
-              <a:rPr lang="en-US" altLang="zh-CN" sz="2400">
-                <a:sym typeface="+mn-ea"/>
-              </a:rPr>
-              <a:t>select * from t where birthday&gt;? and name=?</a:t>
-            </a:r>
-            <a:endParaRPr lang="en-US" altLang="zh-CN" sz="2400">
-              <a:sym typeface="+mn-ea"/>
-            </a:endParaRPr>
-          </a:p>
-          <a:p>
-            <a:pPr algn="l"/>
-            <a:r>
-              <a:rPr lang="en-US" altLang="zh-CN" sz="2400">
-                <a:sym typeface="+mn-ea"/>
-              </a:rPr>
-              <a:t>   </a:t>
-            </a:r>
-            <a:r>
-              <a:rPr lang="en-US" altLang="zh-CN" sz="2400">
-                <a:solidFill>
-                  <a:schemeClr val="bg1">
-                    <a:lumMod val="95000"/>
-                  </a:schemeClr>
-                </a:solidFill>
-                <a:sym typeface="+mn-ea"/>
-              </a:rPr>
-              <a:t>  idx_name_birthday(name, birthday)</a:t>
-            </a:r>
-            <a:endParaRPr lang="en-US" altLang="zh-CN" sz="2400">
-              <a:solidFill>
-                <a:schemeClr val="bg1">
-                  <a:lumMod val="95000"/>
-                </a:schemeClr>
-              </a:solidFill>
-              <a:sym typeface="+mn-ea"/>
-            </a:endParaRPr>
-          </a:p>
-          <a:p>
-            <a:pPr algn="l"/>
-            <a:r>
-              <a:rPr lang="en-US" altLang="zh-CN" sz="2400">
-                <a:sym typeface="+mn-ea"/>
-              </a:rPr>
-              <a:t> </a:t>
-            </a:r>
-            <a:endParaRPr lang="en-US" altLang="zh-CN" sz="2400">
-              <a:sym typeface="+mn-ea"/>
-            </a:endParaRPr>
-          </a:p>
-          <a:p>
-            <a:pPr algn="l"/>
-            <a:r>
-              <a:rPr lang="en-US" altLang="zh-CN" sz="2400">
-                <a:sym typeface="+mn-ea"/>
-              </a:rPr>
-              <a:t>     select * from t </a:t>
-            </a:r>
-            <a:endParaRPr lang="en-US" altLang="zh-CN" sz="2400">
-              <a:sym typeface="+mn-ea"/>
-            </a:endParaRPr>
-          </a:p>
-          <a:p>
-            <a:pPr algn="l"/>
-            <a:r>
-              <a:rPr lang="en-US" altLang="zh-CN" sz="2400">
-                <a:sym typeface="+mn-ea"/>
-              </a:rPr>
-              <a:t>     where birthday=? and name like '</a:t>
-            </a:r>
-            <a:r>
-              <a:rPr lang="zh-CN" altLang="en-US" sz="2400">
-                <a:sym typeface="+mn-ea"/>
-              </a:rPr>
-              <a:t>马</a:t>
-            </a:r>
-            <a:r>
-              <a:rPr lang="en-US" altLang="zh-CN" sz="2400">
-                <a:sym typeface="+mn-ea"/>
-              </a:rPr>
-              <a:t>%'</a:t>
-            </a:r>
-            <a:endParaRPr lang="en-US" altLang="zh-CN" sz="2400">
-              <a:sym typeface="+mn-ea"/>
-            </a:endParaRPr>
-          </a:p>
-          <a:p>
-            <a:pPr algn="l"/>
-            <a:r>
-              <a:rPr lang="en-US" altLang="zh-CN" sz="2400">
-                <a:sym typeface="+mn-ea"/>
-              </a:rPr>
-              <a:t>    </a:t>
-            </a:r>
-            <a:r>
-              <a:rPr lang="en-US" altLang="zh-CN" sz="2400">
-                <a:solidFill>
-                  <a:schemeClr val="bg1">
-                    <a:lumMod val="95000"/>
-                  </a:schemeClr>
-                </a:solidFill>
-                <a:sym typeface="+mn-ea"/>
-              </a:rPr>
-              <a:t> idx_birthday_name(birthday, name)</a:t>
-            </a:r>
-            <a:endParaRPr lang="zh-CN" altLang="en-US" sz="2400">
-              <a:solidFill>
-                <a:schemeClr val="bg1">
-                  <a:lumMod val="95000"/>
-                </a:schemeClr>
-              </a:solidFill>
-              <a:sym typeface="+mn-ea"/>
-            </a:endParaRPr>
-          </a:p>
-          <a:p>
-            <a:pPr algn="l"/>
-            <a:endParaRPr lang="zh-CN" altLang="en-US" sz="2400">
-              <a:solidFill>
-                <a:schemeClr val="bg1">
-                  <a:lumMod val="95000"/>
-                </a:schemeClr>
-              </a:solidFill>
-              <a:sym typeface="+mn-ea"/>
-            </a:endParaRPr>
+          <p:nvPr>
+            <p:ph idx="1"/>
+          </p:nvPr>
+        </p:nvSpPr>
+        <p:spPr/>
+        <p:txBody>
+          <a:bodyPr/>
+          <a:p>
+            <a:pPr algn="ctr"/>
+            <a:r>
+              <a:rPr lang="en-US"/>
+              <a:t>Google BigTable(2006)</a:t>
+            </a:r>
+            <a:endParaRPr lang="en-US"/>
+          </a:p>
+          <a:p>
+            <a:pPr algn="ctr"/>
+            <a:r>
+              <a:rPr lang="en-US"/>
+              <a:t>Google LevelDB(2011)</a:t>
+            </a:r>
+            <a:endParaRPr lang="en-US"/>
+          </a:p>
+          <a:p>
+            <a:pPr algn="ctr"/>
+            <a:r>
+              <a:rPr lang="en-US"/>
+              <a:t>Apache HBase(2008)</a:t>
+            </a:r>
+            <a:endParaRPr lang="en-US"/>
+          </a:p>
+          <a:p>
+            <a:pPr algn="ctr"/>
+            <a:r>
+              <a:rPr lang="en-US"/>
+              <a:t>Facebook RockDB(2013)</a:t>
+            </a:r>
+            <a:endParaRPr lang="en-US"/>
+          </a:p>
+          <a:p>
+            <a:pPr algn="ctr"/>
+            <a:r>
+              <a:rPr lang="en-US"/>
+              <a:t>MySQL MyRocks</a:t>
+            </a:r>
+            <a:endParaRPr lang="en-US"/>
+          </a:p>
+          <a:p>
+            <a:pPr algn="ctr"/>
+            <a:r>
+              <a:rPr lang="en-US"/>
+              <a:t>MongoDB WireTiger(2008,2014)</a:t>
+            </a:r>
+            <a:endParaRPr lang="en-US"/>
+          </a:p>
+          <a:p>
+            <a:pPr algn="ctr"/>
+            <a:r>
+              <a:rPr lang="en-US"/>
+              <a:t>Elasticsearch(2010)</a:t>
+            </a:r>
+            <a:endParaRPr lang="en-US"/>
+          </a:p>
+          <a:p>
+            <a:pPr algn="ctr"/>
+            <a:r>
+              <a:rPr lang="en-US"/>
+              <a:t>Yandex Clickhouse(2016)</a:t>
+            </a:r>
+            <a:endParaRPr lang="en-US"/>
+          </a:p>
+          <a:p>
+            <a:pPr algn="ctr"/>
+            <a:endParaRPr lang="en-US"/>
           </a:p>
         </p:txBody>
       </p:sp>
@@ -7116,9 +6803,41 @@
         <p:nvPr/>
       </p:nvGrpSpPr>
       <p:grpSpPr/>
+      <p:sp>
+        <p:nvSpPr>
+          <p:cNvPr id="6" name="Title 5"/>
+          <p:cNvSpPr>
+            <a:spLocks noGrp="1"/>
+          </p:cNvSpPr>
+          <p:nvPr>
+            <p:ph type="title"/>
+          </p:nvPr>
+        </p:nvSpPr>
+        <p:spPr>
+          <a:xfrm>
+            <a:off x="838200" y="238125"/>
+            <a:ext cx="10515600" cy="1325563"/>
+          </a:xfrm>
+        </p:spPr>
+        <p:txBody>
+          <a:bodyPr/>
+          <a:p>
+            <a:pPr algn="ctr"/>
+            <a:r>
+              <a:rPr lang="zh-CN" altLang="en-US">
+                <a:sym typeface="+mn-ea"/>
+              </a:rPr>
+              <a:t>索引的应用</a:t>
+            </a:r>
+            <a:endParaRPr lang="zh-CN" altLang="en-US">
+              <a:sym typeface="+mn-ea"/>
+            </a:endParaRPr>
+          </a:p>
+        </p:txBody>
+      </p:sp>
       <p:pic>
         <p:nvPicPr>
-          <p:cNvPr id="4" name="Picture 3"/>
+          <p:cNvPr id="5" name="Picture 4"/>
           <p:cNvPicPr>
             <a:picLocks noChangeAspect="1"/>
           </p:cNvPicPr>
@@ -7132,65 +6851,399 @@
         </p:blipFill>
         <p:spPr>
           <a:xfrm>
-            <a:off x="276860" y="1641475"/>
-            <a:ext cx="4327525" cy="3575050"/>
+            <a:off x="47625" y="1574165"/>
+            <a:ext cx="5045075" cy="3709670"/>
           </a:xfrm>
           <a:prstGeom prst="rect">
             <a:avLst/>
           </a:prstGeom>
         </p:spPr>
       </p:pic>
-      <p:pic>
-        <p:nvPicPr>
-          <p:cNvPr id="5" name="Picture 4"/>
-          <p:cNvPicPr>
-            <a:picLocks noChangeAspect="1"/>
-          </p:cNvPicPr>
+      <p:sp>
+        <p:nvSpPr>
+          <p:cNvPr id="7" name="Title 5"/>
+          <p:cNvSpPr>
+            <a:spLocks noGrp="1"/>
+          </p:cNvSpPr>
           <p:nvPr/>
-        </p:nvPicPr>
-        <p:blipFill>
-          <a:blip r:embed="rId2"/>
-          <a:stretch>
-            <a:fillRect/>
-          </a:stretch>
-        </p:blipFill>
+        </p:nvSpPr>
         <p:spPr>
           <a:xfrm>
-            <a:off x="4981575" y="1827530"/>
-            <a:ext cx="7005320" cy="3202940"/>
+            <a:off x="4704715" y="1396365"/>
+            <a:ext cx="7433945" cy="5272405"/>
           </a:xfrm>
           <a:prstGeom prst="rect">
             <a:avLst/>
           </a:prstGeom>
         </p:spPr>
-      </p:pic>
-      <p:sp>
-        <p:nvSpPr>
-          <p:cNvPr id="6" name="Title 5"/>
-          <p:cNvSpPr>
-            <a:spLocks noGrp="1"/>
-          </p:cNvSpPr>
-          <p:nvPr>
-            <p:ph type="title"/>
-          </p:nvPr>
-        </p:nvSpPr>
-        <p:spPr>
-          <a:xfrm>
-            <a:off x="838200" y="238125"/>
-            <a:ext cx="10515600" cy="1325563"/>
-          </a:xfrm>
-        </p:spPr>
-        <p:txBody>
-          <a:bodyPr/>
-          <a:p>
-            <a:pPr algn="ctr"/>
-            <a:r>
-              <a:rPr lang="zh-CN" altLang="en-US">
+        <p:txBody>
+          <a:bodyPr vert="horz" lIns="91440" tIns="45720" rIns="91440" bIns="45720" rtlCol="0" anchor="ctr">
+            <a:normAutofit lnSpcReduction="20000"/>
+          </a:bodyPr>
+          <a:lstStyle>
+            <a:lvl1pPr algn="l" defTabSz="914400" rtl="0" eaLnBrk="1" latinLnBrk="0" hangingPunct="1">
+              <a:lnSpc>
+                <a:spcPct val="90000"/>
+              </a:lnSpc>
+              <a:spcBef>
+                <a:spcPct val="0"/>
+              </a:spcBef>
+              <a:buNone/>
+              <a:defRPr sz="4400" kern="1200">
+                <a:solidFill>
+                  <a:schemeClr val="tx1"/>
+                </a:solidFill>
+                <a:latin typeface="+mj-lt"/>
+                <a:ea typeface="+mj-ea"/>
+                <a:cs typeface="+mj-cs"/>
+              </a:defRPr>
+            </a:lvl1pPr>
+          </a:lstStyle>
+          <a:p>
+            <a:pPr algn="l"/>
+            <a:r>
+              <a:rPr lang="en-US" altLang="zh-CN" sz="2400">
                 <a:sym typeface="+mn-ea"/>
               </a:rPr>
-              <a:t>聚簇与非聚簇</a:t>
-            </a:r>
-            <a:endParaRPr lang="zh-CN" altLang="en-US">
+              <a:t>1</a:t>
+            </a:r>
+            <a:r>
+              <a:rPr lang="zh-CN" altLang="en-US" sz="2400">
+                <a:sym typeface="+mn-ea"/>
+              </a:rPr>
+              <a:t>、单列索引</a:t>
+            </a:r>
+            <a:endParaRPr lang="zh-CN" altLang="en-US" sz="2400">
+              <a:sym typeface="+mn-ea"/>
+            </a:endParaRPr>
+          </a:p>
+          <a:p>
+            <a:pPr algn="l"/>
+            <a:r>
+              <a:rPr lang="zh-CN" altLang="en-US" sz="2400">
+                <a:sym typeface="+mn-ea"/>
+              </a:rPr>
+              <a:t>     </a:t>
+            </a:r>
+            <a:r>
+              <a:rPr lang="en-US" altLang="zh-CN" sz="2400">
+                <a:sym typeface="+mn-ea"/>
+              </a:rPr>
+              <a:t>select *</a:t>
+            </a:r>
+            <a:r>
+              <a:rPr lang="zh-CN" altLang="en-US" sz="2400">
+                <a:sym typeface="+mn-ea"/>
+              </a:rPr>
+              <a:t> </a:t>
+            </a:r>
+            <a:r>
+              <a:rPr lang="en-US" altLang="zh-CN" sz="2400">
+                <a:sym typeface="+mn-ea"/>
+              </a:rPr>
+              <a:t>from t where name=? </a:t>
+            </a:r>
+            <a:endParaRPr lang="en-US" altLang="zh-CN" sz="2400">
+              <a:sym typeface="+mn-ea"/>
+            </a:endParaRPr>
+          </a:p>
+          <a:p>
+            <a:pPr algn="l"/>
+            <a:r>
+              <a:rPr lang="en-US" altLang="zh-CN" sz="2400">
+                <a:sym typeface="+mn-ea"/>
+              </a:rPr>
+              <a:t>    </a:t>
+            </a:r>
+            <a:r>
+              <a:rPr lang="en-US" altLang="zh-CN" sz="2400">
+                <a:solidFill>
+                  <a:schemeClr val="bg1">
+                    <a:lumMod val="95000"/>
+                  </a:schemeClr>
+                </a:solidFill>
+                <a:sym typeface="+mn-ea"/>
+              </a:rPr>
+              <a:t> idx_name(name)</a:t>
+            </a:r>
+            <a:endParaRPr lang="en-US" altLang="zh-CN" sz="2400">
+              <a:solidFill>
+                <a:schemeClr val="bg1">
+                  <a:lumMod val="95000"/>
+                </a:schemeClr>
+              </a:solidFill>
+              <a:sym typeface="+mn-ea"/>
+            </a:endParaRPr>
+          </a:p>
+          <a:p>
+            <a:pPr algn="l"/>
+            <a:r>
+              <a:rPr lang="zh-CN" altLang="en-US" sz="2400">
+                <a:sym typeface="+mn-ea"/>
+              </a:rPr>
+              <a:t>     </a:t>
+            </a:r>
+            <a:r>
+              <a:rPr lang="en-US" altLang="zh-CN" sz="2400">
+                <a:sym typeface="+mn-ea"/>
+              </a:rPr>
+              <a:t>select * from t where birthday=?</a:t>
+            </a:r>
+            <a:endParaRPr lang="en-US" altLang="zh-CN" sz="2400">
+              <a:sym typeface="+mn-ea"/>
+            </a:endParaRPr>
+          </a:p>
+          <a:p>
+            <a:pPr algn="l"/>
+            <a:r>
+              <a:rPr lang="en-US" altLang="zh-CN" sz="2400">
+                <a:sym typeface="+mn-ea"/>
+              </a:rPr>
+              <a:t>     </a:t>
+            </a:r>
+            <a:r>
+              <a:rPr lang="en-US" altLang="zh-CN" sz="2400">
+                <a:solidFill>
+                  <a:schemeClr val="bg1">
+                    <a:lumMod val="95000"/>
+                  </a:schemeClr>
+                </a:solidFill>
+                <a:sym typeface="+mn-ea"/>
+              </a:rPr>
+              <a:t>idx_birthday(birthday)</a:t>
+            </a:r>
+            <a:endParaRPr lang="en-US" altLang="zh-CN" sz="2400">
+              <a:solidFill>
+                <a:schemeClr val="bg1">
+                  <a:lumMod val="95000"/>
+                </a:schemeClr>
+              </a:solidFill>
+              <a:sym typeface="+mn-ea"/>
+            </a:endParaRPr>
+          </a:p>
+          <a:p>
+            <a:pPr algn="l"/>
+            <a:endParaRPr lang="zh-CN" altLang="en-US" sz="2400">
+              <a:sym typeface="+mn-ea"/>
+            </a:endParaRPr>
+          </a:p>
+          <a:p>
+            <a:pPr algn="l"/>
+            <a:r>
+              <a:rPr lang="en-US" altLang="zh-CN" sz="2400">
+                <a:sym typeface="+mn-ea"/>
+              </a:rPr>
+              <a:t>2</a:t>
+            </a:r>
+            <a:r>
+              <a:rPr lang="zh-CN" altLang="en-US" sz="2400">
+                <a:sym typeface="+mn-ea"/>
+              </a:rPr>
+              <a:t>、联合索引</a:t>
+            </a:r>
+            <a:br>
+              <a:rPr lang="zh-CN" altLang="en-US" sz="2400">
+                <a:sym typeface="+mn-ea"/>
+              </a:rPr>
+            </a:br>
+            <a:r>
+              <a:rPr lang="zh-CN" altLang="en-US" sz="2400">
+                <a:sym typeface="+mn-ea"/>
+              </a:rPr>
+              <a:t>     </a:t>
+            </a:r>
+            <a:r>
+              <a:rPr lang="en-US" altLang="zh-CN" sz="2400">
+                <a:sym typeface="+mn-ea"/>
+              </a:rPr>
+              <a:t>select * from t where birthday=? and name=?</a:t>
+            </a:r>
+            <a:endParaRPr lang="en-US" altLang="zh-CN" sz="2400">
+              <a:sym typeface="+mn-ea"/>
+            </a:endParaRPr>
+          </a:p>
+          <a:p>
+            <a:pPr algn="l"/>
+            <a:r>
+              <a:rPr lang="en-US" altLang="zh-CN" sz="2400">
+                <a:sym typeface="+mn-ea"/>
+              </a:rPr>
+              <a:t>    </a:t>
+            </a:r>
+            <a:r>
+              <a:rPr lang="en-US" altLang="zh-CN" sz="2400">
+                <a:solidFill>
+                  <a:schemeClr val="bg1">
+                    <a:lumMod val="95000"/>
+                  </a:schemeClr>
+                </a:solidFill>
+                <a:sym typeface="+mn-ea"/>
+              </a:rPr>
+              <a:t> idx_birthday_name(birthday, name)</a:t>
+            </a:r>
+            <a:endParaRPr lang="en-US" altLang="zh-CN" sz="2400">
+              <a:solidFill>
+                <a:schemeClr val="bg1">
+                  <a:lumMod val="95000"/>
+                </a:schemeClr>
+              </a:solidFill>
+              <a:sym typeface="+mn-ea"/>
+            </a:endParaRPr>
+          </a:p>
+          <a:p>
+            <a:pPr algn="l"/>
+            <a:endParaRPr lang="en-US" altLang="zh-CN" sz="2400">
+              <a:sym typeface="+mn-ea"/>
+            </a:endParaRPr>
+          </a:p>
+          <a:p>
+            <a:pPr algn="l"/>
+            <a:r>
+              <a:rPr lang="en-US" altLang="zh-CN" sz="2400">
+                <a:sym typeface="+mn-ea"/>
+              </a:rPr>
+              <a:t>3</a:t>
+            </a:r>
+            <a:r>
+              <a:rPr lang="zh-CN" altLang="en-US" sz="2400">
+                <a:sym typeface="+mn-ea"/>
+              </a:rPr>
+              <a:t>、前缀匹配</a:t>
+            </a:r>
+            <a:endParaRPr lang="zh-CN" altLang="en-US" sz="2400">
+              <a:sym typeface="+mn-ea"/>
+            </a:endParaRPr>
+          </a:p>
+          <a:p>
+            <a:pPr algn="l"/>
+            <a:r>
+              <a:rPr lang="zh-CN" altLang="en-US" sz="2400">
+                <a:sym typeface="+mn-ea"/>
+              </a:rPr>
+              <a:t>     </a:t>
+            </a:r>
+            <a:r>
+              <a:rPr lang="en-US" altLang="zh-CN" sz="2400">
+                <a:sym typeface="+mn-ea"/>
+              </a:rPr>
+              <a:t>select * from t where birthday&gt;? and name=?</a:t>
+            </a:r>
+            <a:endParaRPr lang="en-US" altLang="zh-CN" sz="2400">
+              <a:sym typeface="+mn-ea"/>
+            </a:endParaRPr>
+          </a:p>
+          <a:p>
+            <a:pPr algn="l"/>
+            <a:r>
+              <a:rPr lang="en-US" altLang="zh-CN" sz="2400">
+                <a:sym typeface="+mn-ea"/>
+              </a:rPr>
+              <a:t>   </a:t>
+            </a:r>
+            <a:r>
+              <a:rPr lang="en-US" altLang="zh-CN" sz="2400">
+                <a:solidFill>
+                  <a:schemeClr val="bg1">
+                    <a:lumMod val="95000"/>
+                  </a:schemeClr>
+                </a:solidFill>
+                <a:sym typeface="+mn-ea"/>
+              </a:rPr>
+              <a:t>  idx_name_birthday(name, birthday)</a:t>
+            </a:r>
+            <a:endParaRPr lang="en-US" altLang="zh-CN" sz="2400">
+              <a:solidFill>
+                <a:schemeClr val="bg1">
+                  <a:lumMod val="95000"/>
+                </a:schemeClr>
+              </a:solidFill>
+              <a:sym typeface="+mn-ea"/>
+            </a:endParaRPr>
+          </a:p>
+          <a:p>
+            <a:pPr algn="l"/>
+            <a:r>
+              <a:rPr lang="en-US" altLang="zh-CN" sz="2400">
+                <a:sym typeface="+mn-ea"/>
+              </a:rPr>
+              <a:t> </a:t>
+            </a:r>
+            <a:endParaRPr lang="en-US" altLang="zh-CN" sz="2400">
+              <a:sym typeface="+mn-ea"/>
+            </a:endParaRPr>
+          </a:p>
+          <a:p>
+            <a:pPr algn="l"/>
+            <a:r>
+              <a:rPr lang="en-US" altLang="zh-CN" sz="2400">
+                <a:sym typeface="+mn-ea"/>
+              </a:rPr>
+              <a:t>     select * from t </a:t>
+            </a:r>
+            <a:endParaRPr lang="en-US" altLang="zh-CN" sz="2400">
+              <a:sym typeface="+mn-ea"/>
+            </a:endParaRPr>
+          </a:p>
+          <a:p>
+            <a:pPr algn="l"/>
+            <a:r>
+              <a:rPr lang="en-US" altLang="zh-CN" sz="2400">
+                <a:sym typeface="+mn-ea"/>
+              </a:rPr>
+              <a:t>     where birthday=? and name like '</a:t>
+            </a:r>
+            <a:r>
+              <a:rPr lang="zh-CN" altLang="en-US" sz="2400">
+                <a:sym typeface="+mn-ea"/>
+              </a:rPr>
+              <a:t>马</a:t>
+            </a:r>
+            <a:r>
+              <a:rPr lang="en-US" altLang="zh-CN" sz="2400">
+                <a:sym typeface="+mn-ea"/>
+              </a:rPr>
+              <a:t>%'</a:t>
+            </a:r>
+            <a:endParaRPr lang="en-US" altLang="zh-CN" sz="2400">
+              <a:sym typeface="+mn-ea"/>
+            </a:endParaRPr>
+          </a:p>
+          <a:p>
+            <a:pPr algn="l"/>
+            <a:r>
+              <a:rPr lang="en-US" altLang="zh-CN" sz="2400">
+                <a:sym typeface="+mn-ea"/>
+              </a:rPr>
+              <a:t>    </a:t>
+            </a:r>
+            <a:r>
+              <a:rPr lang="en-US" altLang="zh-CN" sz="2400">
+                <a:solidFill>
+                  <a:schemeClr val="bg1">
+                    <a:lumMod val="95000"/>
+                  </a:schemeClr>
+                </a:solidFill>
+                <a:sym typeface="+mn-ea"/>
+              </a:rPr>
+              <a:t> idx_birthday_name(birthday, name)</a:t>
+            </a:r>
+            <a:endParaRPr lang="zh-CN" altLang="en-US" sz="2400">
+              <a:solidFill>
+                <a:schemeClr val="bg1">
+                  <a:lumMod val="95000"/>
+                </a:schemeClr>
+              </a:solidFill>
+              <a:sym typeface="+mn-ea"/>
+            </a:endParaRPr>
+          </a:p>
+          <a:p>
+            <a:pPr algn="l"/>
+            <a:endParaRPr lang="zh-CN" altLang="en-US" sz="2400">
+              <a:solidFill>
+                <a:schemeClr val="bg1">
+                  <a:lumMod val="95000"/>
+                </a:schemeClr>
+              </a:solidFill>
               <a:sym typeface="+mn-ea"/>
             </a:endParaRPr>
           </a:p>
@@ -7230,14 +7283,70 @@
         </p:blipFill>
         <p:spPr>
           <a:xfrm>
-            <a:off x="1967865" y="461645"/>
-            <a:ext cx="8256905" cy="5934710"/>
+            <a:off x="276860" y="1641475"/>
+            <a:ext cx="4327525" cy="3575050"/>
           </a:xfrm>
           <a:prstGeom prst="rect">
             <a:avLst/>
           </a:prstGeom>
         </p:spPr>
       </p:pic>
+      <p:pic>
+        <p:nvPicPr>
+          <p:cNvPr id="5" name="Picture 4"/>
+          <p:cNvPicPr>
+            <a:picLocks noChangeAspect="1"/>
+          </p:cNvPicPr>
+          <p:nvPr/>
+        </p:nvPicPr>
+        <p:blipFill>
+          <a:blip r:embed="rId2"/>
+          <a:stretch>
+            <a:fillRect/>
+          </a:stretch>
+        </p:blipFill>
+        <p:spPr>
+          <a:xfrm>
+            <a:off x="4981575" y="1827530"/>
+            <a:ext cx="7005320" cy="3202940"/>
+          </a:xfrm>
+          <a:prstGeom prst="rect">
+            <a:avLst/>
+          </a:prstGeom>
+        </p:spPr>
+      </p:pic>
+      <p:sp>
+        <p:nvSpPr>
+          <p:cNvPr id="6" name="Title 5"/>
+          <p:cNvSpPr>
+            <a:spLocks noGrp="1"/>
+          </p:cNvSpPr>
+          <p:nvPr>
+            <p:ph type="title"/>
+          </p:nvPr>
+        </p:nvSpPr>
+        <p:spPr>
+          <a:xfrm>
+            <a:off x="838200" y="238125"/>
+            <a:ext cx="10515600" cy="1325563"/>
+          </a:xfrm>
+        </p:spPr>
+        <p:txBody>
+          <a:bodyPr/>
+          <a:p>
+            <a:pPr algn="ctr"/>
+            <a:r>
+              <a:rPr lang="zh-CN" altLang="en-US">
+                <a:sym typeface="+mn-ea"/>
+              </a:rPr>
+              <a:t>聚簇与非聚簇</a:t>
+            </a:r>
+            <a:endParaRPr lang="zh-CN" altLang="en-US">
+              <a:sym typeface="+mn-ea"/>
+            </a:endParaRPr>
+          </a:p>
+        </p:txBody>
+      </p:sp>
     </p:spTree>
   </p:cSld>
   <p:clrMapOvr>
@@ -7256,41 +7365,9 @@
         <p:nvPr/>
       </p:nvGrpSpPr>
       <p:grpSpPr/>
-      <p:sp>
-        <p:nvSpPr>
-          <p:cNvPr id="6" name="Title 5"/>
-          <p:cNvSpPr>
-            <a:spLocks noGrp="1"/>
-          </p:cNvSpPr>
-          <p:nvPr>
-            <p:ph type="title"/>
-          </p:nvPr>
-        </p:nvSpPr>
-        <p:spPr>
-          <a:xfrm>
-            <a:off x="838200" y="238125"/>
-            <a:ext cx="10515600" cy="1325563"/>
-          </a:xfrm>
-        </p:spPr>
-        <p:txBody>
-          <a:bodyPr/>
-          <a:p>
-            <a:pPr algn="ctr"/>
-            <a:r>
-              <a:rPr lang="zh-CN" altLang="en-US">
-                <a:sym typeface="+mn-ea"/>
-              </a:rPr>
-              <a:t>索引覆盖</a:t>
-            </a:r>
-            <a:endParaRPr lang="zh-CN" altLang="en-US">
-              <a:sym typeface="+mn-ea"/>
-            </a:endParaRPr>
-          </a:p>
-        </p:txBody>
-      </p:sp>
       <p:pic>
         <p:nvPicPr>
-          <p:cNvPr id="5" name="Picture 4"/>
+          <p:cNvPr id="4" name="Picture 3"/>
           <p:cNvPicPr>
             <a:picLocks noChangeAspect="1"/>
           </p:cNvPicPr>
@@ -7304,178 +7381,14 @@
         </p:blipFill>
         <p:spPr>
           <a:xfrm>
-            <a:off x="47625" y="1574165"/>
-            <a:ext cx="5045075" cy="3709670"/>
+            <a:off x="1967865" y="461645"/>
+            <a:ext cx="8256905" cy="5934710"/>
           </a:xfrm>
           <a:prstGeom prst="rect">
             <a:avLst/>
           </a:prstGeom>
         </p:spPr>
       </p:pic>
-      <p:sp>
-        <p:nvSpPr>
-          <p:cNvPr id="7" name="Title 5"/>
-          <p:cNvSpPr>
-            <a:spLocks noGrp="1"/>
-          </p:cNvSpPr>
-          <p:nvPr/>
-        </p:nvSpPr>
-        <p:spPr>
-          <a:xfrm>
-            <a:off x="5479415" y="1386840"/>
-            <a:ext cx="6659245" cy="5281930"/>
-          </a:xfrm>
-          <a:prstGeom prst="rect">
-            <a:avLst/>
-          </a:prstGeom>
-        </p:spPr>
-        <p:txBody>
-          <a:bodyPr vert="horz" lIns="91440" tIns="45720" rIns="91440" bIns="45720" rtlCol="0" anchor="ctr">
-            <a:normAutofit lnSpcReduction="20000"/>
-          </a:bodyPr>
-          <a:lstStyle>
-            <a:lvl1pPr algn="l" defTabSz="914400" rtl="0" eaLnBrk="1" latinLnBrk="0" hangingPunct="1">
-              <a:lnSpc>
-                <a:spcPct val="90000"/>
-              </a:lnSpc>
-              <a:spcBef>
-                <a:spcPct val="0"/>
-              </a:spcBef>
-              <a:buNone/>
-              <a:defRPr sz="4400" kern="1200">
-                <a:solidFill>
-                  <a:schemeClr val="tx1"/>
-                </a:solidFill>
-                <a:latin typeface="+mj-lt"/>
-                <a:ea typeface="+mj-ea"/>
-                <a:cs typeface="+mj-cs"/>
-              </a:defRPr>
-            </a:lvl1pPr>
-          </a:lstStyle>
-          <a:p>
-            <a:pPr algn="l"/>
-            <a:r>
-              <a:rPr lang="en-US" altLang="zh-CN" sz="2400">
-                <a:sym typeface="+mn-ea"/>
-              </a:rPr>
-              <a:t>select name from t</a:t>
-            </a:r>
-            <a:endParaRPr lang="en-US" altLang="zh-CN" sz="2400">
-              <a:sym typeface="+mn-ea"/>
-            </a:endParaRPr>
-          </a:p>
-          <a:p>
-            <a:pPr algn="l"/>
-            <a:r>
-              <a:rPr lang="en-US" altLang="zh-CN" sz="2400">
-                <a:sym typeface="+mn-ea"/>
-              </a:rPr>
-              <a:t>group by name</a:t>
-            </a:r>
-            <a:endParaRPr lang="en-US" altLang="zh-CN" sz="2400">
-              <a:sym typeface="+mn-ea"/>
-            </a:endParaRPr>
-          </a:p>
-          <a:p>
-            <a:pPr algn="l"/>
-            <a:r>
-              <a:rPr lang="en-US" altLang="zh-CN" sz="2400">
-                <a:sym typeface="+mn-ea"/>
-              </a:rPr>
-              <a:t>order by count(*) desc;</a:t>
-            </a:r>
-            <a:endParaRPr lang="en-US" altLang="zh-CN" sz="2400">
-              <a:sym typeface="+mn-ea"/>
-            </a:endParaRPr>
-          </a:p>
-          <a:p>
-            <a:pPr algn="l"/>
-            <a:endParaRPr lang="en-US" altLang="zh-CN" sz="2400">
-              <a:sym typeface="+mn-ea"/>
-            </a:endParaRPr>
-          </a:p>
-          <a:p>
-            <a:pPr algn="l"/>
-            <a:r>
-              <a:rPr lang="en-US" altLang="zh-CN" sz="2400">
-                <a:solidFill>
-                  <a:schemeClr val="bg1">
-                    <a:lumMod val="95000"/>
-                  </a:schemeClr>
-                </a:solidFill>
-                <a:sym typeface="+mn-ea"/>
-              </a:rPr>
-              <a:t>idx_name(name)</a:t>
-            </a:r>
-            <a:endParaRPr lang="en-US" altLang="zh-CN" sz="2400">
-              <a:solidFill>
-                <a:schemeClr val="bg1">
-                  <a:lumMod val="95000"/>
-                </a:schemeClr>
-              </a:solidFill>
-              <a:sym typeface="+mn-ea"/>
-            </a:endParaRPr>
-          </a:p>
-          <a:p>
-            <a:pPr algn="l"/>
-            <a:endParaRPr lang="en-US" altLang="zh-CN" sz="2400">
-              <a:sym typeface="+mn-ea"/>
-            </a:endParaRPr>
-          </a:p>
-          <a:p>
-            <a:pPr algn="l"/>
-            <a:r>
-              <a:rPr lang="en-US" altLang="zh-CN" sz="2400">
-                <a:sym typeface="+mn-ea"/>
-              </a:rPr>
-              <a:t>select name, birthday from t </a:t>
-            </a:r>
-            <a:endParaRPr lang="en-US" altLang="zh-CN" sz="2400">
-              <a:sym typeface="+mn-ea"/>
-            </a:endParaRPr>
-          </a:p>
-          <a:p>
-            <a:pPr algn="l"/>
-            <a:r>
-              <a:rPr lang="en-US" altLang="zh-CN" sz="2400">
-                <a:sym typeface="+mn-ea"/>
-              </a:rPr>
-              <a:t>order birthday limit 10;</a:t>
-            </a:r>
-            <a:endParaRPr lang="en-US" altLang="zh-CN" sz="2400">
-              <a:sym typeface="+mn-ea"/>
-            </a:endParaRPr>
-          </a:p>
-          <a:p>
-            <a:pPr algn="l"/>
-            <a:br>
-              <a:rPr lang="en-US" altLang="zh-CN" sz="2400">
-                <a:sym typeface="+mn-ea"/>
-              </a:rPr>
-            </a:br>
-            <a:r>
-              <a:rPr lang="en-US" altLang="zh-CN" sz="2400">
-                <a:solidFill>
-                  <a:schemeClr val="bg1">
-                    <a:lumMod val="95000"/>
-                  </a:schemeClr>
-                </a:solidFill>
-                <a:sym typeface="+mn-ea"/>
-              </a:rPr>
-              <a:t>idx_birthday_name(birthday, name)  </a:t>
-            </a:r>
-            <a:endParaRPr lang="zh-CN" altLang="en-US" sz="2400">
-              <a:sym typeface="+mn-ea"/>
-            </a:endParaRPr>
-          </a:p>
-          <a:p>
-            <a:pPr algn="l"/>
-            <a:endParaRPr lang="zh-CN" altLang="en-US" sz="2400">
-              <a:sym typeface="+mn-ea"/>
-            </a:endParaRPr>
-          </a:p>
-        </p:txBody>
-      </p:sp>
     </p:spTree>
   </p:cSld>
   <p:clrMapOvr>
@@ -7496,7 +7409,7 @@
       <p:grpSpPr/>
       <p:sp>
         <p:nvSpPr>
-          <p:cNvPr id="2" name="Title 1"/>
+          <p:cNvPr id="6" name="Title 5"/>
           <p:cNvSpPr>
             <a:spLocks noGrp="1"/>
           </p:cNvSpPr>
@@ -7506,39 +7419,29 @@
         </p:nvSpPr>
         <p:spPr>
           <a:xfrm>
-            <a:off x="838200" y="365125"/>
-            <a:ext cx="10515600" cy="1412875"/>
-          </a:xfrm>
-        </p:spPr>
-        <p:txBody>
-          <a:bodyPr>
-            <a:normAutofit/>
-          </a:bodyPr>
+            <a:off x="838200" y="238125"/>
+            <a:ext cx="10515600" cy="1325563"/>
+          </a:xfrm>
+        </p:spPr>
+        <p:txBody>
+          <a:bodyPr/>
           <a:p>
             <a:pPr algn="ctr"/>
             <a:r>
-              <a:rPr lang="zh-CN" altLang="en-US"/>
-              <a:t>排序与分组</a:t>
-            </a:r>
-            <a:br>
-              <a:rPr lang="zh-CN" altLang="en-US"/>
-            </a:br>
-            <a:br>
-              <a:rPr lang="en-US" altLang="zh-CN" sz="2000"/>
-            </a:br>
-            <a:r>
-              <a:rPr lang="en-US" altLang="zh-CN" sz="2000">
+              <a:rPr lang="zh-CN" altLang="en-US">
                 <a:sym typeface="+mn-ea"/>
               </a:rPr>
-              <a:t>sort file | uniq -c | sort -nr</a:t>
-            </a:r>
-            <a:endParaRPr lang="en-US" altLang="zh-CN" sz="2000"/>
+              <a:t>索引覆盖</a:t>
+            </a:r>
+            <a:endParaRPr lang="zh-CN" altLang="en-US">
+              <a:sym typeface="+mn-ea"/>
+            </a:endParaRPr>
           </a:p>
         </p:txBody>
       </p:sp>
       <p:pic>
         <p:nvPicPr>
-          <p:cNvPr id="6" name="Picture 5"/>
+          <p:cNvPr id="5" name="Picture 4"/>
           <p:cNvPicPr>
             <a:picLocks noChangeAspect="1"/>
           </p:cNvPicPr>
@@ -7552,14 +7455,178 @@
         </p:blipFill>
         <p:spPr>
           <a:xfrm>
-            <a:off x="1610995" y="1888490"/>
-            <a:ext cx="8970010" cy="4859020"/>
+            <a:off x="47625" y="1574165"/>
+            <a:ext cx="5045075" cy="3709670"/>
           </a:xfrm>
           <a:prstGeom prst="rect">
             <a:avLst/>
           </a:prstGeom>
         </p:spPr>
       </p:pic>
+      <p:sp>
+        <p:nvSpPr>
+          <p:cNvPr id="7" name="Title 5"/>
+          <p:cNvSpPr>
+            <a:spLocks noGrp="1"/>
+          </p:cNvSpPr>
+          <p:nvPr/>
+        </p:nvSpPr>
+        <p:spPr>
+          <a:xfrm>
+            <a:off x="5479415" y="1386840"/>
+            <a:ext cx="6659245" cy="5281930"/>
+          </a:xfrm>
+          <a:prstGeom prst="rect">
+            <a:avLst/>
+          </a:prstGeom>
+        </p:spPr>
+        <p:txBody>
+          <a:bodyPr vert="horz" lIns="91440" tIns="45720" rIns="91440" bIns="45720" rtlCol="0" anchor="ctr">
+            <a:normAutofit lnSpcReduction="20000"/>
+          </a:bodyPr>
+          <a:lstStyle>
+            <a:lvl1pPr algn="l" defTabSz="914400" rtl="0" eaLnBrk="1" latinLnBrk="0" hangingPunct="1">
+              <a:lnSpc>
+                <a:spcPct val="90000"/>
+              </a:lnSpc>
+              <a:spcBef>
+                <a:spcPct val="0"/>
+              </a:spcBef>
+              <a:buNone/>
+              <a:defRPr sz="4400" kern="1200">
+                <a:solidFill>
+                  <a:schemeClr val="tx1"/>
+                </a:solidFill>
+                <a:latin typeface="+mj-lt"/>
+                <a:ea typeface="+mj-ea"/>
+                <a:cs typeface="+mj-cs"/>
+              </a:defRPr>
+            </a:lvl1pPr>
+          </a:lstStyle>
+          <a:p>
+            <a:pPr algn="l"/>
+            <a:r>
+              <a:rPr lang="en-US" altLang="zh-CN" sz="2400">
+                <a:sym typeface="+mn-ea"/>
+              </a:rPr>
+              <a:t>select name from t</a:t>
+            </a:r>
+            <a:endParaRPr lang="en-US" altLang="zh-CN" sz="2400">
+              <a:sym typeface="+mn-ea"/>
+            </a:endParaRPr>
+          </a:p>
+          <a:p>
+            <a:pPr algn="l"/>
+            <a:r>
+              <a:rPr lang="en-US" altLang="zh-CN" sz="2400">
+                <a:sym typeface="+mn-ea"/>
+              </a:rPr>
+              <a:t>group by name</a:t>
+            </a:r>
+            <a:endParaRPr lang="en-US" altLang="zh-CN" sz="2400">
+              <a:sym typeface="+mn-ea"/>
+            </a:endParaRPr>
+          </a:p>
+          <a:p>
+            <a:pPr algn="l"/>
+            <a:r>
+              <a:rPr lang="en-US" altLang="zh-CN" sz="2400">
+                <a:sym typeface="+mn-ea"/>
+              </a:rPr>
+              <a:t>order by count(*) desc;</a:t>
+            </a:r>
+            <a:endParaRPr lang="en-US" altLang="zh-CN" sz="2400">
+              <a:sym typeface="+mn-ea"/>
+            </a:endParaRPr>
+          </a:p>
+          <a:p>
+            <a:pPr algn="l"/>
+            <a:endParaRPr lang="en-US" altLang="zh-CN" sz="2400">
+              <a:sym typeface="+mn-ea"/>
+            </a:endParaRPr>
+          </a:p>
+          <a:p>
+            <a:pPr algn="l"/>
+            <a:r>
+              <a:rPr lang="en-US" altLang="zh-CN" sz="2400">
+                <a:solidFill>
+                  <a:schemeClr val="bg1">
+                    <a:lumMod val="95000"/>
+                  </a:schemeClr>
+                </a:solidFill>
+                <a:sym typeface="+mn-ea"/>
+              </a:rPr>
+              <a:t>idx_name(name)</a:t>
+            </a:r>
+            <a:endParaRPr lang="en-US" altLang="zh-CN" sz="2400">
+              <a:solidFill>
+                <a:schemeClr val="bg1">
+                  <a:lumMod val="95000"/>
+                </a:schemeClr>
+              </a:solidFill>
+              <a:sym typeface="+mn-ea"/>
+            </a:endParaRPr>
+          </a:p>
+          <a:p>
+            <a:pPr algn="l"/>
+            <a:endParaRPr lang="en-US" altLang="zh-CN" sz="2400">
+              <a:sym typeface="+mn-ea"/>
+            </a:endParaRPr>
+          </a:p>
+          <a:p>
+            <a:pPr algn="l"/>
+            <a:r>
+              <a:rPr lang="en-US" altLang="zh-CN" sz="2400">
+                <a:sym typeface="+mn-ea"/>
+              </a:rPr>
+              <a:t>select name, birthday from t </a:t>
+            </a:r>
+            <a:endParaRPr lang="en-US" altLang="zh-CN" sz="2400">
+              <a:sym typeface="+mn-ea"/>
+            </a:endParaRPr>
+          </a:p>
+          <a:p>
+            <a:pPr algn="l"/>
+            <a:r>
+              <a:rPr lang="en-US" altLang="zh-CN" sz="2400">
+                <a:sym typeface="+mn-ea"/>
+              </a:rPr>
+              <a:t>order birthday limit 10;</a:t>
+            </a:r>
+            <a:endParaRPr lang="en-US" altLang="zh-CN" sz="2400">
+              <a:sym typeface="+mn-ea"/>
+            </a:endParaRPr>
+          </a:p>
+          <a:p>
+            <a:pPr algn="l"/>
+            <a:br>
+              <a:rPr lang="en-US" altLang="zh-CN" sz="2400">
+                <a:sym typeface="+mn-ea"/>
+              </a:rPr>
+            </a:br>
+            <a:r>
+              <a:rPr lang="en-US" altLang="zh-CN" sz="2400">
+                <a:solidFill>
+                  <a:schemeClr val="bg1">
+                    <a:lumMod val="95000"/>
+                  </a:schemeClr>
+                </a:solidFill>
+                <a:sym typeface="+mn-ea"/>
+              </a:rPr>
+              <a:t>idx_birthday_name(birthday, name)  </a:t>
+            </a:r>
+            <a:endParaRPr lang="zh-CN" altLang="en-US" sz="2400">
+              <a:sym typeface="+mn-ea"/>
+            </a:endParaRPr>
+          </a:p>
+          <a:p>
+            <a:pPr algn="l"/>
+            <a:endParaRPr lang="zh-CN" altLang="en-US" sz="2400">
+              <a:sym typeface="+mn-ea"/>
+            </a:endParaRPr>
+          </a:p>
+        </p:txBody>
+      </p:sp>
     </p:spTree>
   </p:cSld>
   <p:clrMapOvr>
@@ -7668,12 +7735,14 @@
         </p:nvSpPr>
         <p:spPr>
           <a:xfrm>
-            <a:off x="838200" y="288290"/>
-            <a:ext cx="10515600" cy="1325563"/>
-          </a:xfrm>
-        </p:spPr>
-        <p:txBody>
-          <a:bodyPr/>
+            <a:off x="838200" y="365125"/>
+            <a:ext cx="10515600" cy="1412875"/>
+          </a:xfrm>
+        </p:spPr>
+        <p:txBody>
+          <a:bodyPr>
+            <a:normAutofit/>
+          </a:bodyPr>
           <a:p>
             <a:pPr algn="ctr"/>
             <a:r>
@@ -7683,21 +7752,14 @@
             <a:br>
               <a:rPr lang="zh-CN" altLang="en-US"/>
             </a:br>
-            <a:r>
-              <a:rPr lang="zh-CN" altLang="en-US" sz="2000"/>
-              <a:t>复杂度：</a:t>
-            </a:r>
-            <a:r>
+            <a:br>
               <a:rPr lang="en-US" altLang="zh-CN" sz="2000"/>
-              <a:t>N*log</a:t>
-            </a:r>
-            <a:r>
-              <a:rPr lang="en-US" altLang="zh-CN" sz="2000" baseline="-25000"/>
-              <a:t>2</a:t>
-            </a:r>
-            <a:r>
-              <a:rPr lang="en-US" altLang="zh-CN" sz="2000"/>
-              <a:t>(N)</a:t>
+            </a:br>
+            <a:r>
+              <a:rPr lang="en-US" altLang="zh-CN" sz="2000">
+                <a:sym typeface="+mn-ea"/>
+              </a:rPr>
+              <a:t>sort file | uniq -c | sort -nr</a:t>
             </a:r>
             <a:endParaRPr lang="en-US" altLang="zh-CN" sz="2000"/>
           </a:p>
@@ -7705,13 +7767,11 @@
       </p:sp>
       <p:pic>
         <p:nvPicPr>
-          <p:cNvPr id="4" name="Content Placeholder 3"/>
+          <p:cNvPr id="6" name="Picture 5"/>
           <p:cNvPicPr>
             <a:picLocks noChangeAspect="1"/>
           </p:cNvPicPr>
-          <p:nvPr>
-            <p:ph idx="1"/>
-          </p:nvPr>
+          <p:nvPr/>
         </p:nvPicPr>
         <p:blipFill>
           <a:blip r:embed="rId1"/>
@@ -7721,8 +7781,8 @@
         </p:blipFill>
         <p:spPr>
           <a:xfrm>
-            <a:off x="3289935" y="1814830"/>
-            <a:ext cx="5611495" cy="4591050"/>
+            <a:off x="1610995" y="1888490"/>
+            <a:ext cx="8970010" cy="4859020"/>
           </a:xfrm>
           <a:prstGeom prst="rect">
             <a:avLst/>
@@ -7757,385 +7817,69 @@
             <p:ph type="title"/>
           </p:nvPr>
         </p:nvSpPr>
-        <p:spPr/>
+        <p:spPr>
+          <a:xfrm>
+            <a:off x="838200" y="288290"/>
+            <a:ext cx="10515600" cy="1325563"/>
+          </a:xfrm>
+        </p:spPr>
         <p:txBody>
           <a:bodyPr/>
           <a:p>
             <a:pPr algn="ctr"/>
             <a:r>
-              <a:rPr lang="en-US"/>
-              <a:t>Join</a:t>
-            </a:r>
-            <a:r>
               <a:rPr lang="zh-CN" altLang="en-US"/>
-              <a:t>操作</a:t>
-            </a:r>
-            <a:endParaRPr lang="zh-CN" altLang="en-US"/>
-          </a:p>
-        </p:txBody>
-      </p:sp>
-      <p:sp>
-        <p:nvSpPr>
-          <p:cNvPr id="3" name="Content Placeholder 2"/>
-          <p:cNvSpPr>
-            <a:spLocks noGrp="1"/>
-          </p:cNvSpPr>
-          <p:nvPr>
-            <p:ph idx="1"/>
-          </p:nvPr>
-        </p:nvSpPr>
-        <p:spPr>
-          <a:xfrm>
-            <a:off x="4017010" y="1492250"/>
-            <a:ext cx="4436110" cy="3873500"/>
-          </a:xfrm>
-        </p:spPr>
-        <p:txBody>
-          <a:bodyPr>
-            <a:normAutofit lnSpcReduction="20000"/>
-          </a:bodyPr>
-          <a:p>
-            <a:pPr marL="0" indent="0">
-              <a:buNone/>
-            </a:pPr>
-            <a:r>
-              <a:rPr lang="en-US" altLang="zh-CN"/>
-              <a:t>1</a:t>
-            </a:r>
-            <a:r>
-              <a:rPr lang="zh-CN" altLang="en-US"/>
-              <a:t>、NestedLoopJoin</a:t>
-            </a:r>
-            <a:endParaRPr lang="zh-CN" altLang="en-US"/>
-          </a:p>
-          <a:p>
-            <a:pPr marL="0" indent="0">
-              <a:buNone/>
-            </a:pPr>
-            <a:r>
-              <a:rPr lang="zh-CN" altLang="en-US"/>
-              <a:t>      </a:t>
-            </a:r>
-            <a:r>
-              <a:rPr lang="en-US" altLang="zh-CN" sz="2400"/>
-              <a:t>mysql(&lt;5.6)</a:t>
-            </a:r>
-            <a:endParaRPr lang="zh-CN" altLang="en-US" sz="2400"/>
-          </a:p>
-          <a:p>
-            <a:pPr marL="0" indent="0">
-              <a:buNone/>
-            </a:pPr>
-            <a:r>
-              <a:rPr lang="zh-CN" altLang="en-US"/>
-              <a:t>      </a:t>
-            </a:r>
-            <a:r>
-              <a:rPr lang="en-US" altLang="zh-CN"/>
-              <a:t>BlockNestedLoopJoin</a:t>
-            </a:r>
-            <a:endParaRPr lang="en-US" altLang="zh-CN"/>
-          </a:p>
-          <a:p>
-            <a:pPr marL="0" indent="0">
-              <a:buNone/>
-            </a:pPr>
-            <a:r>
-              <a:rPr lang="en-US" altLang="zh-CN"/>
-              <a:t>      </a:t>
-            </a:r>
-            <a:r>
-              <a:rPr lang="en-US" altLang="zh-CN" sz="2400"/>
-              <a:t>mysql(&gt;=5.6)</a:t>
-            </a:r>
-            <a:endParaRPr lang="zh-CN" altLang="en-US"/>
-          </a:p>
-          <a:p>
-            <a:pPr marL="0" indent="0">
-              <a:buNone/>
-            </a:pPr>
-            <a:r>
-              <a:rPr lang="en-US" altLang="zh-CN"/>
-              <a:t>2</a:t>
-            </a:r>
-            <a:r>
-              <a:rPr lang="zh-CN" altLang="en-US"/>
-              <a:t>、SortMergeJoin</a:t>
-            </a:r>
-            <a:endParaRPr lang="zh-CN" altLang="en-US"/>
-          </a:p>
-          <a:p>
-            <a:pPr marL="0" indent="0">
-              <a:buNone/>
-            </a:pPr>
-            <a:r>
-              <a:rPr lang="en-US" altLang="zh-CN">
-                <a:sym typeface="+mn-ea"/>
-              </a:rPr>
-              <a:t>      </a:t>
-            </a:r>
-            <a:endParaRPr lang="en-US" altLang="zh-CN" sz="2400"/>
-          </a:p>
-          <a:p>
-            <a:pPr marL="0" indent="0">
-              <a:buNone/>
-            </a:pPr>
-            <a:r>
-              <a:rPr lang="en-US" altLang="zh-CN"/>
-              <a:t>3</a:t>
-            </a:r>
-            <a:r>
-              <a:rPr lang="zh-CN" altLang="en-US"/>
-              <a:t>、HashJoin</a:t>
+              <a:t>排序与分组</a:t>
             </a:r>
             <a:br>
               <a:rPr lang="zh-CN" altLang="en-US"/>
             </a:br>
             <a:r>
-              <a:rPr lang="zh-CN" altLang="en-US"/>
-              <a:t>      </a:t>
-            </a:r>
-            <a:r>
-              <a:rPr lang="en-US" altLang="zh-CN" sz="2400"/>
-              <a:t>mysql(&gt;= 8.0.18)</a:t>
-            </a:r>
-            <a:endParaRPr lang="en-US" altLang="zh-CN" sz="2400"/>
-          </a:p>
-        </p:txBody>
-      </p:sp>
-      <p:sp>
-        <p:nvSpPr>
-          <p:cNvPr id="4" name="Content Placeholder 2"/>
-          <p:cNvSpPr>
-            <a:spLocks noGrp="1"/>
-          </p:cNvSpPr>
-          <p:nvPr/>
-        </p:nvSpPr>
+              <a:rPr lang="zh-CN" altLang="en-US" sz="2000"/>
+              <a:t>复杂度：</a:t>
+            </a:r>
+            <a:r>
+              <a:rPr lang="en-US" altLang="zh-CN" sz="2000"/>
+              <a:t>N*log</a:t>
+            </a:r>
+            <a:r>
+              <a:rPr lang="en-US" altLang="zh-CN" sz="2000" baseline="-25000"/>
+              <a:t>2</a:t>
+            </a:r>
+            <a:r>
+              <a:rPr lang="en-US" altLang="zh-CN" sz="2000"/>
+              <a:t>(N)</a:t>
+            </a:r>
+            <a:endParaRPr lang="en-US" altLang="zh-CN" sz="2000"/>
+          </a:p>
+        </p:txBody>
+      </p:sp>
+      <p:pic>
+        <p:nvPicPr>
+          <p:cNvPr id="4" name="Content Placeholder 3"/>
+          <p:cNvPicPr>
+            <a:picLocks noChangeAspect="1"/>
+          </p:cNvPicPr>
+          <p:nvPr>
+            <p:ph idx="1"/>
+          </p:nvPr>
+        </p:nvPicPr>
+        <p:blipFill>
+          <a:blip r:embed="rId1"/>
+          <a:stretch>
+            <a:fillRect/>
+          </a:stretch>
+        </p:blipFill>
         <p:spPr>
           <a:xfrm>
-            <a:off x="1537335" y="5365750"/>
-            <a:ext cx="9395460" cy="1152525"/>
+            <a:off x="3289935" y="1814830"/>
+            <a:ext cx="5611495" cy="4591050"/>
           </a:xfrm>
           <a:prstGeom prst="rect">
             <a:avLst/>
           </a:prstGeom>
         </p:spPr>
-        <p:txBody>
-          <a:bodyPr vert="horz" lIns="91440" tIns="45720" rIns="91440" bIns="45720" rtlCol="0">
-            <a:normAutofit fontScale="80000"/>
-          </a:bodyPr>
-          <a:lstStyle>
-            <a:lvl1pPr marL="228600" indent="-228600" algn="l" defTabSz="914400" rtl="0" eaLnBrk="1" latinLnBrk="0" hangingPunct="1">
-              <a:lnSpc>
-                <a:spcPct val="90000"/>
-              </a:lnSpc>
-              <a:spcBef>
-                <a:spcPts val="1000"/>
-              </a:spcBef>
-              <a:buFont typeface="Arial" panose="020B0604020202020204" pitchFamily="34" charset="0"/>
-              <a:buChar char="•"/>
-              <a:defRPr sz="2800" kern="1200">
-                <a:solidFill>
-                  <a:schemeClr val="tx1"/>
-                </a:solidFill>
-                <a:latin typeface="+mn-lt"/>
-                <a:ea typeface="+mn-ea"/>
-                <a:cs typeface="+mn-cs"/>
-              </a:defRPr>
-            </a:lvl1pPr>
-            <a:lvl2pPr marL="685800" indent="-228600" algn="l" defTabSz="914400" rtl="0" eaLnBrk="1" latinLnBrk="0" hangingPunct="1">
-              <a:lnSpc>
-                <a:spcPct val="90000"/>
-              </a:lnSpc>
-              <a:spcBef>
-                <a:spcPts val="500"/>
-              </a:spcBef>
-              <a:buFont typeface="Arial" panose="020B0604020202020204" pitchFamily="34" charset="0"/>
-              <a:buChar char="•"/>
-              <a:defRPr sz="2400" kern="1200">
-                <a:solidFill>
-                  <a:schemeClr val="tx1"/>
-                </a:solidFill>
-                <a:latin typeface="+mn-lt"/>
-                <a:ea typeface="+mn-ea"/>
-                <a:cs typeface="+mn-cs"/>
-              </a:defRPr>
-            </a:lvl2pPr>
-            <a:lvl3pPr marL="1143000" indent="-228600" algn="l" defTabSz="914400" rtl="0" eaLnBrk="1" latinLnBrk="0" hangingPunct="1">
-              <a:lnSpc>
-                <a:spcPct val="90000"/>
-              </a:lnSpc>
-              <a:spcBef>
-                <a:spcPts val="500"/>
-              </a:spcBef>
-              <a:buFont typeface="Arial" panose="020B0604020202020204" pitchFamily="34" charset="0"/>
-              <a:buChar char="•"/>
-              <a:defRPr sz="2000" kern="1200">
-                <a:solidFill>
-                  <a:schemeClr val="tx1"/>
-                </a:solidFill>
-                <a:latin typeface="+mn-lt"/>
-                <a:ea typeface="+mn-ea"/>
-                <a:cs typeface="+mn-cs"/>
-              </a:defRPr>
-            </a:lvl3pPr>
-            <a:lvl4pPr marL="1600200" indent="-228600" algn="l" defTabSz="914400" rtl="0" eaLnBrk="1" latinLnBrk="0" hangingPunct="1">
-              <a:lnSpc>
-                <a:spcPct val="90000"/>
-              </a:lnSpc>
-              <a:spcBef>
-                <a:spcPts val="500"/>
-              </a:spcBef>
-              <a:buFont typeface="Arial" panose="020B0604020202020204" pitchFamily="34" charset="0"/>
-              <a:buChar char="•"/>
-              <a:defRPr sz="1800" kern="1200">
-                <a:solidFill>
-                  <a:schemeClr val="tx1"/>
-                </a:solidFill>
-                <a:latin typeface="+mn-lt"/>
-                <a:ea typeface="+mn-ea"/>
-                <a:cs typeface="+mn-cs"/>
-              </a:defRPr>
-            </a:lvl4pPr>
-            <a:lvl5pPr marL="2057400" indent="-228600" algn="l" defTabSz="914400" rtl="0" eaLnBrk="1" latinLnBrk="0" hangingPunct="1">
-              <a:lnSpc>
-                <a:spcPct val="90000"/>
-              </a:lnSpc>
-              <a:spcBef>
-                <a:spcPts val="500"/>
-              </a:spcBef>
-              <a:buFont typeface="Arial" panose="020B0604020202020204" pitchFamily="34" charset="0"/>
-              <a:buChar char="•"/>
-              <a:defRPr sz="1800" kern="1200">
-                <a:solidFill>
-                  <a:schemeClr val="tx1"/>
-                </a:solidFill>
-                <a:latin typeface="+mn-lt"/>
-                <a:ea typeface="+mn-ea"/>
-                <a:cs typeface="+mn-cs"/>
-              </a:defRPr>
-            </a:lvl5pPr>
-            <a:lvl6pPr marL="2514600" indent="-228600" algn="l" defTabSz="914400" rtl="0" eaLnBrk="1" latinLnBrk="0" hangingPunct="1">
-              <a:lnSpc>
-                <a:spcPct val="90000"/>
-              </a:lnSpc>
-              <a:spcBef>
-                <a:spcPts val="500"/>
-              </a:spcBef>
-              <a:buFont typeface="Arial" panose="020B0604020202020204" pitchFamily="34" charset="0"/>
-              <a:buChar char="•"/>
-              <a:defRPr sz="1800" kern="1200">
-                <a:solidFill>
-                  <a:schemeClr val="tx1"/>
-                </a:solidFill>
-                <a:latin typeface="+mn-lt"/>
-                <a:ea typeface="+mn-ea"/>
-                <a:cs typeface="+mn-cs"/>
-              </a:defRPr>
-            </a:lvl6pPr>
-            <a:lvl7pPr marL="2971800" indent="-228600" algn="l" defTabSz="914400" rtl="0" eaLnBrk="1" latinLnBrk="0" hangingPunct="1">
-              <a:lnSpc>
-                <a:spcPct val="90000"/>
-              </a:lnSpc>
-              <a:spcBef>
-                <a:spcPts val="500"/>
-              </a:spcBef>
-              <a:buFont typeface="Arial" panose="020B0604020202020204" pitchFamily="34" charset="0"/>
-              <a:buChar char="•"/>
-              <a:defRPr sz="1800" kern="1200">
-                <a:solidFill>
-                  <a:schemeClr val="tx1"/>
-                </a:solidFill>
-                <a:latin typeface="+mn-lt"/>
-                <a:ea typeface="+mn-ea"/>
-                <a:cs typeface="+mn-cs"/>
-              </a:defRPr>
-            </a:lvl7pPr>
-            <a:lvl8pPr marL="3429000" indent="-228600" algn="l" defTabSz="914400" rtl="0" eaLnBrk="1" latinLnBrk="0" hangingPunct="1">
-              <a:lnSpc>
-                <a:spcPct val="90000"/>
-              </a:lnSpc>
-              <a:spcBef>
-                <a:spcPts val="500"/>
-              </a:spcBef>
-              <a:buFont typeface="Arial" panose="020B0604020202020204" pitchFamily="34" charset="0"/>
-              <a:buChar char="•"/>
-              <a:defRPr sz="1800" kern="1200">
-                <a:solidFill>
-                  <a:schemeClr val="tx1"/>
-                </a:solidFill>
-                <a:latin typeface="+mn-lt"/>
-                <a:ea typeface="+mn-ea"/>
-                <a:cs typeface="+mn-cs"/>
-              </a:defRPr>
-            </a:lvl8pPr>
-            <a:lvl9pPr marL="3886200" indent="-228600" algn="l" defTabSz="914400" rtl="0" eaLnBrk="1" latinLnBrk="0" hangingPunct="1">
-              <a:lnSpc>
-                <a:spcPct val="90000"/>
-              </a:lnSpc>
-              <a:spcBef>
-                <a:spcPts val="500"/>
-              </a:spcBef>
-              <a:buFont typeface="Arial" panose="020B0604020202020204" pitchFamily="34" charset="0"/>
-              <a:buChar char="•"/>
-              <a:defRPr sz="1800" kern="1200">
-                <a:solidFill>
-                  <a:schemeClr val="tx1"/>
-                </a:solidFill>
-                <a:latin typeface="+mn-lt"/>
-                <a:ea typeface="+mn-ea"/>
-                <a:cs typeface="+mn-cs"/>
-              </a:defRPr>
-            </a:lvl9pPr>
-          </a:lstStyle>
-          <a:p>
-            <a:pPr marL="0" indent="0">
-              <a:buNone/>
-            </a:pPr>
-            <a:r>
-              <a:rPr lang="en-US" altLang="zh-CN" sz="2400"/>
-              <a:t>1</a:t>
-            </a:r>
-            <a:r>
-              <a:rPr lang="zh-CN" altLang="en-US" sz="2400"/>
-              <a:t>、</a:t>
-            </a:r>
-            <a:r>
-              <a:rPr lang="en-US" altLang="zh-CN" sz="2400"/>
-              <a:t>https://dev.mysql.com/doc/refman/8.0/en/nested-loop-joins.html</a:t>
-            </a:r>
-            <a:endParaRPr lang="en-US" altLang="zh-CN" sz="2400"/>
-          </a:p>
-          <a:p>
-            <a:pPr marL="0" indent="0">
-              <a:buNone/>
-            </a:pPr>
-            <a:r>
-              <a:rPr lang="en-US" altLang="zh-CN" sz="2400"/>
-              <a:t>2</a:t>
-            </a:r>
-            <a:r>
-              <a:rPr lang="zh-CN" altLang="en-US" sz="2400"/>
-              <a:t>、https://dev.mysql.com/doc/refman/8.0/en/bnl-bka-optimization.html</a:t>
-            </a:r>
-            <a:endParaRPr lang="zh-CN" altLang="en-US" sz="2400"/>
-          </a:p>
-          <a:p>
-            <a:pPr marL="0" indent="0">
-              <a:buNone/>
-            </a:pPr>
-            <a:r>
-              <a:rPr lang="en-US" altLang="zh-CN" sz="2400"/>
-              <a:t>3</a:t>
-            </a:r>
-            <a:r>
-              <a:rPr lang="zh-CN" altLang="en-US" sz="2400"/>
-              <a:t>、https://dev.mysql.com/doc/refman/8.0/en/hash-joins.html</a:t>
-            </a:r>
-            <a:endParaRPr lang="zh-CN" altLang="en-US" sz="2400"/>
-          </a:p>
-        </p:txBody>
-      </p:sp>
+      </p:pic>
     </p:spTree>
   </p:cSld>
   <p:clrMapOvr>
@@ -8171,9 +7915,13 @@
             <a:pPr algn="ctr"/>
             <a:r>
               <a:rPr lang="en-US"/>
-              <a:t>NestedLoopJoin</a:t>
-            </a:r>
-            <a:endParaRPr lang="en-US"/>
+              <a:t>Join</a:t>
+            </a:r>
+            <a:r>
+              <a:rPr lang="zh-CN" altLang="en-US"/>
+              <a:t>操作</a:t>
+            </a:r>
+            <a:endParaRPr lang="zh-CN" altLang="en-US"/>
           </a:p>
         </p:txBody>
       </p:sp>
@@ -8189,63 +7937,353 @@
         </p:nvSpPr>
         <p:spPr>
           <a:xfrm>
-            <a:off x="2385695" y="2124710"/>
-            <a:ext cx="7421245" cy="2608580"/>
+            <a:off x="4017010" y="1492250"/>
+            <a:ext cx="4436110" cy="3873500"/>
           </a:xfrm>
         </p:spPr>
         <p:txBody>
           <a:bodyPr>
-            <a:normAutofit lnSpcReduction="10000"/>
+            <a:normAutofit lnSpcReduction="20000"/>
           </a:bodyPr>
           <a:p>
             <a:pPr marL="0" indent="0">
               <a:buNone/>
             </a:pPr>
             <a:r>
-              <a:rPr lang="en-US"/>
-              <a:t>def NestedLoopJoin(table_a, table_b)</a:t>
-            </a:r>
-            <a:endParaRPr lang="en-US"/>
+              <a:rPr lang="en-US" altLang="zh-CN"/>
+              <a:t>1</a:t>
+            </a:r>
+            <a:r>
+              <a:rPr lang="zh-CN" altLang="en-US"/>
+              <a:t>、NestedLoopJoin</a:t>
+            </a:r>
+            <a:endParaRPr lang="zh-CN" altLang="en-US"/>
           </a:p>
           <a:p>
             <a:pPr marL="0" indent="0">
               <a:buNone/>
             </a:pPr>
             <a:r>
-              <a:rPr lang="en-US"/>
-              <a:t>    for row_a in table_a.rows():</a:t>
-            </a:r>
-            <a:endParaRPr lang="en-US"/>
+              <a:rPr lang="zh-CN" altLang="en-US"/>
+              <a:t>      </a:t>
+            </a:r>
+            <a:r>
+              <a:rPr lang="en-US" altLang="zh-CN" sz="2400"/>
+              <a:t>mysql(&lt;5.6)</a:t>
+            </a:r>
+            <a:endParaRPr lang="zh-CN" altLang="en-US" sz="2400"/>
           </a:p>
           <a:p>
             <a:pPr marL="0" indent="0">
               <a:buNone/>
             </a:pPr>
             <a:r>
-              <a:rPr lang="en-US"/>
-              <a:t>        for row_b in table_b.rows():</a:t>
-            </a:r>
-            <a:endParaRPr lang="en-US"/>
+              <a:rPr lang="zh-CN" altLang="en-US"/>
+              <a:t>      </a:t>
+            </a:r>
+            <a:r>
+              <a:rPr lang="en-US" altLang="zh-CN"/>
+              <a:t>BlockNestedLoopJoin</a:t>
+            </a:r>
+            <a:endParaRPr lang="en-US" altLang="zh-CN"/>
           </a:p>
           <a:p>
             <a:pPr marL="0" indent="0">
               <a:buNone/>
             </a:pPr>
             <a:r>
-              <a:rPr lang="en-US"/>
-              <a:t>            if condition(row_a, row_b):</a:t>
-            </a:r>
-            <a:endParaRPr lang="en-US"/>
+              <a:rPr lang="en-US" altLang="zh-CN"/>
+              <a:t>      </a:t>
+            </a:r>
+            <a:r>
+              <a:rPr lang="en-US" altLang="zh-CN" sz="2400"/>
+              <a:t>mysql(&gt;=5.6)</a:t>
+            </a:r>
+            <a:endParaRPr lang="zh-CN" altLang="en-US"/>
           </a:p>
           <a:p>
             <a:pPr marL="0" indent="0">
               <a:buNone/>
             </a:pPr>
             <a:r>
-              <a:rPr lang="en-US"/>
-              <a:t>                process_tuple(row_a, row_b);</a:t>
-            </a:r>
-            <a:endParaRPr lang="en-US"/>
+              <a:rPr lang="en-US" altLang="zh-CN"/>
+              <a:t>2</a:t>
+            </a:r>
+            <a:r>
+              <a:rPr lang="zh-CN" altLang="en-US"/>
+              <a:t>、SortMergeJoin</a:t>
+            </a:r>
+            <a:endParaRPr lang="zh-CN" altLang="en-US"/>
+          </a:p>
+          <a:p>
+            <a:pPr marL="0" indent="0">
+              <a:buNone/>
+            </a:pPr>
+            <a:r>
+              <a:rPr lang="en-US" altLang="zh-CN">
+                <a:sym typeface="+mn-ea"/>
+              </a:rPr>
+              <a:t>      </a:t>
+            </a:r>
+            <a:endParaRPr lang="en-US" altLang="zh-CN" sz="2400"/>
+          </a:p>
+          <a:p>
+            <a:pPr marL="0" indent="0">
+              <a:buNone/>
+            </a:pPr>
+            <a:r>
+              <a:rPr lang="en-US" altLang="zh-CN"/>
+              <a:t>3</a:t>
+            </a:r>
+            <a:r>
+              <a:rPr lang="zh-CN" altLang="en-US"/>
+              <a:t>、HashJoin</a:t>
+            </a:r>
+            <a:br>
+              <a:rPr lang="zh-CN" altLang="en-US"/>
+            </a:br>
+            <a:r>
+              <a:rPr lang="zh-CN" altLang="en-US"/>
+              <a:t>      </a:t>
+            </a:r>
+            <a:r>
+              <a:rPr lang="en-US" altLang="zh-CN" sz="2400"/>
+              <a:t>mysql(&gt;= 8.0.18)</a:t>
+            </a:r>
+            <a:endParaRPr lang="en-US" altLang="zh-CN" sz="2400"/>
+          </a:p>
+        </p:txBody>
+      </p:sp>
+      <p:sp>
+        <p:nvSpPr>
+          <p:cNvPr id="4" name="Content Placeholder 2"/>
+          <p:cNvSpPr>
+            <a:spLocks noGrp="1"/>
+          </p:cNvSpPr>
+          <p:nvPr/>
+        </p:nvSpPr>
+        <p:spPr>
+          <a:xfrm>
+            <a:off x="1537335" y="5365750"/>
+            <a:ext cx="9395460" cy="1152525"/>
+          </a:xfrm>
+          <a:prstGeom prst="rect">
+            <a:avLst/>
+          </a:prstGeom>
+        </p:spPr>
+        <p:txBody>
+          <a:bodyPr vert="horz" lIns="91440" tIns="45720" rIns="91440" bIns="45720" rtlCol="0">
+            <a:normAutofit fontScale="80000"/>
+          </a:bodyPr>
+          <a:lstStyle>
+            <a:lvl1pPr marL="228600" indent="-228600" algn="l" defTabSz="914400" rtl="0" eaLnBrk="1" latinLnBrk="0" hangingPunct="1">
+              <a:lnSpc>
+                <a:spcPct val="90000"/>
+              </a:lnSpc>
+              <a:spcBef>
+                <a:spcPts val="1000"/>
+              </a:spcBef>
+              <a:buFont typeface="Arial" panose="020B0604020202090204" pitchFamily="34" charset="0"/>
+              <a:buChar char="•"/>
+              <a:defRPr sz="2800" kern="1200">
+                <a:solidFill>
+                  <a:schemeClr val="tx1"/>
+                </a:solidFill>
+                <a:latin typeface="+mn-lt"/>
+                <a:ea typeface="+mn-ea"/>
+                <a:cs typeface="+mn-cs"/>
+              </a:defRPr>
+            </a:lvl1pPr>
+            <a:lvl2pPr marL="685800" indent="-228600" algn="l" defTabSz="914400" rtl="0" eaLnBrk="1" latinLnBrk="0" hangingPunct="1">
+              <a:lnSpc>
+                <a:spcPct val="90000"/>
+              </a:lnSpc>
+              <a:spcBef>
+                <a:spcPts val="500"/>
+              </a:spcBef>
+              <a:buFont typeface="Arial" panose="020B0604020202090204" pitchFamily="34" charset="0"/>
+              <a:buChar char="•"/>
+              <a:defRPr sz="2400" kern="1200">
+                <a:solidFill>
+                  <a:schemeClr val="tx1"/>
+                </a:solidFill>
+                <a:latin typeface="+mn-lt"/>
+                <a:ea typeface="+mn-ea"/>
+                <a:cs typeface="+mn-cs"/>
+              </a:defRPr>
+            </a:lvl2pPr>
+            <a:lvl3pPr marL="1143000" indent="-228600" algn="l" defTabSz="914400" rtl="0" eaLnBrk="1" latinLnBrk="0" hangingPunct="1">
+              <a:lnSpc>
+                <a:spcPct val="90000"/>
+              </a:lnSpc>
+              <a:spcBef>
+                <a:spcPts val="500"/>
+              </a:spcBef>
+              <a:buFont typeface="Arial" panose="020B0604020202090204" pitchFamily="34" charset="0"/>
+              <a:buChar char="•"/>
+              <a:defRPr sz="2000" kern="1200">
+                <a:solidFill>
+                  <a:schemeClr val="tx1"/>
+                </a:solidFill>
+                <a:latin typeface="+mn-lt"/>
+                <a:ea typeface="+mn-ea"/>
+                <a:cs typeface="+mn-cs"/>
+              </a:defRPr>
+            </a:lvl3pPr>
+            <a:lvl4pPr marL="1600200" indent="-228600" algn="l" defTabSz="914400" rtl="0" eaLnBrk="1" latinLnBrk="0" hangingPunct="1">
+              <a:lnSpc>
+                <a:spcPct val="90000"/>
+              </a:lnSpc>
+              <a:spcBef>
+                <a:spcPts val="500"/>
+              </a:spcBef>
+              <a:buFont typeface="Arial" panose="020B0604020202090204" pitchFamily="34" charset="0"/>
+              <a:buChar char="•"/>
+              <a:defRPr sz="1800" kern="1200">
+                <a:solidFill>
+                  <a:schemeClr val="tx1"/>
+                </a:solidFill>
+                <a:latin typeface="+mn-lt"/>
+                <a:ea typeface="+mn-ea"/>
+                <a:cs typeface="+mn-cs"/>
+              </a:defRPr>
+            </a:lvl4pPr>
+            <a:lvl5pPr marL="2057400" indent="-228600" algn="l" defTabSz="914400" rtl="0" eaLnBrk="1" latinLnBrk="0" hangingPunct="1">
+              <a:lnSpc>
+                <a:spcPct val="90000"/>
+              </a:lnSpc>
+              <a:spcBef>
+                <a:spcPts val="500"/>
+              </a:spcBef>
+              <a:buFont typeface="Arial" panose="020B0604020202090204" pitchFamily="34" charset="0"/>
+              <a:buChar char="•"/>
+              <a:defRPr sz="1800" kern="1200">
+                <a:solidFill>
+                  <a:schemeClr val="tx1"/>
+                </a:solidFill>
+                <a:latin typeface="+mn-lt"/>
+                <a:ea typeface="+mn-ea"/>
+                <a:cs typeface="+mn-cs"/>
+              </a:defRPr>
+            </a:lvl5pPr>
+            <a:lvl6pPr marL="2514600" indent="-228600" algn="l" defTabSz="914400" rtl="0" eaLnBrk="1" latinLnBrk="0" hangingPunct="1">
+              <a:lnSpc>
+                <a:spcPct val="90000"/>
+              </a:lnSpc>
+              <a:spcBef>
+                <a:spcPts val="500"/>
+              </a:spcBef>
+              <a:buFont typeface="Arial" panose="020B0604020202090204" pitchFamily="34" charset="0"/>
+              <a:buChar char="•"/>
+              <a:defRPr sz="1800" kern="1200">
+                <a:solidFill>
+                  <a:schemeClr val="tx1"/>
+                </a:solidFill>
+                <a:latin typeface="+mn-lt"/>
+                <a:ea typeface="+mn-ea"/>
+                <a:cs typeface="+mn-cs"/>
+              </a:defRPr>
+            </a:lvl6pPr>
+            <a:lvl7pPr marL="2971800" indent="-228600" algn="l" defTabSz="914400" rtl="0" eaLnBrk="1" latinLnBrk="0" hangingPunct="1">
+              <a:lnSpc>
+                <a:spcPct val="90000"/>
+              </a:lnSpc>
+              <a:spcBef>
+                <a:spcPts val="500"/>
+              </a:spcBef>
+              <a:buFont typeface="Arial" panose="020B0604020202090204" pitchFamily="34" charset="0"/>
+              <a:buChar char="•"/>
+              <a:defRPr sz="1800" kern="1200">
+                <a:solidFill>
+                  <a:schemeClr val="tx1"/>
+                </a:solidFill>
+                <a:latin typeface="+mn-lt"/>
+                <a:ea typeface="+mn-ea"/>
+                <a:cs typeface="+mn-cs"/>
+              </a:defRPr>
+            </a:lvl7pPr>
+            <a:lvl8pPr marL="3429000" indent="-228600" algn="l" defTabSz="914400" rtl="0" eaLnBrk="1" latinLnBrk="0" hangingPunct="1">
+              <a:lnSpc>
+                <a:spcPct val="90000"/>
+              </a:lnSpc>
+              <a:spcBef>
+                <a:spcPts val="500"/>
+              </a:spcBef>
+              <a:buFont typeface="Arial" panose="020B0604020202090204" pitchFamily="34" charset="0"/>
+              <a:buChar char="•"/>
+              <a:defRPr sz="1800" kern="1200">
+                <a:solidFill>
+                  <a:schemeClr val="tx1"/>
+                </a:solidFill>
+                <a:latin typeface="+mn-lt"/>
+                <a:ea typeface="+mn-ea"/>
+                <a:cs typeface="+mn-cs"/>
+              </a:defRPr>
+            </a:lvl8pPr>
+            <a:lvl9pPr marL="3886200" indent="-228600" algn="l" defTabSz="914400" rtl="0" eaLnBrk="1" latinLnBrk="0" hangingPunct="1">
+              <a:lnSpc>
+                <a:spcPct val="90000"/>
+              </a:lnSpc>
+              <a:spcBef>
+                <a:spcPts val="500"/>
+              </a:spcBef>
+              <a:buFont typeface="Arial" panose="020B0604020202090204" pitchFamily="34" charset="0"/>
+              <a:buChar char="•"/>
+              <a:defRPr sz="1800" kern="1200">
+                <a:solidFill>
+                  <a:schemeClr val="tx1"/>
+                </a:solidFill>
+                <a:latin typeface="+mn-lt"/>
+                <a:ea typeface="+mn-ea"/>
+                <a:cs typeface="+mn-cs"/>
+              </a:defRPr>
+            </a:lvl9pPr>
+          </a:lstStyle>
+          <a:p>
+            <a:pPr marL="0" indent="0">
+              <a:buNone/>
+            </a:pPr>
+            <a:r>
+              <a:rPr lang="en-US" altLang="zh-CN" sz="2400"/>
+              <a:t>1</a:t>
+            </a:r>
+            <a:r>
+              <a:rPr lang="zh-CN" altLang="en-US" sz="2400"/>
+              <a:t>、</a:t>
+            </a:r>
+            <a:r>
+              <a:rPr lang="en-US" altLang="zh-CN" sz="2400"/>
+              <a:t>https://dev.mysql.com/doc/refman/8.0/en/nested-loop-joins.html</a:t>
+            </a:r>
+            <a:endParaRPr lang="en-US" altLang="zh-CN" sz="2400"/>
+          </a:p>
+          <a:p>
+            <a:pPr marL="0" indent="0">
+              <a:buNone/>
+            </a:pPr>
+            <a:r>
+              <a:rPr lang="en-US" altLang="zh-CN" sz="2400"/>
+              <a:t>2</a:t>
+            </a:r>
+            <a:r>
+              <a:rPr lang="zh-CN" altLang="en-US" sz="2400"/>
+              <a:t>、https://dev.mysql.com/doc/refman/8.0/en/bnl-bka-optimization.html</a:t>
+            </a:r>
+            <a:endParaRPr lang="zh-CN" altLang="en-US" sz="2400"/>
+          </a:p>
+          <a:p>
+            <a:pPr marL="0" indent="0">
+              <a:buNone/>
+            </a:pPr>
+            <a:r>
+              <a:rPr lang="en-US" altLang="zh-CN" sz="2400"/>
+              <a:t>3</a:t>
+            </a:r>
+            <a:r>
+              <a:rPr lang="zh-CN" altLang="en-US" sz="2400"/>
+              <a:t>、https://dev.mysql.com/doc/refman/8.0/en/hash-joins.html</a:t>
+            </a:r>
+            <a:endParaRPr lang="zh-CN" altLang="en-US" sz="2400"/>
           </a:p>
         </p:txBody>
       </p:sp>
@@ -8284,7 +8322,7 @@
             <a:pPr algn="ctr"/>
             <a:r>
               <a:rPr lang="en-US"/>
-              <a:t>Block-based NestedLoopJoin</a:t>
+              <a:t>NestedLoopJoin</a:t>
             </a:r>
             <a:endParaRPr lang="en-US"/>
           </a:p>
@@ -8302,13 +8340,13 @@
         </p:nvSpPr>
         <p:spPr>
           <a:xfrm>
-            <a:off x="1673225" y="1691005"/>
-            <a:ext cx="8845550" cy="5037455"/>
+            <a:off x="2385695" y="2124710"/>
+            <a:ext cx="7421245" cy="2608580"/>
           </a:xfrm>
         </p:spPr>
         <p:txBody>
           <a:bodyPr>
-            <a:normAutofit lnSpcReduction="20000"/>
+            <a:normAutofit lnSpcReduction="10000"/>
           </a:bodyPr>
           <a:p>
             <a:pPr marL="0" indent="0">
@@ -8316,7 +8354,7 @@
             </a:pPr>
             <a:r>
               <a:rPr lang="en-US"/>
-              <a:t>def BlockNestedLoopJoin(table_a, table_b)</a:t>
+              <a:t>def NestedLoopJoin(table_a, table_b)</a:t>
             </a:r>
             <a:endParaRPr lang="en-US"/>
           </a:p>
@@ -8325,10 +8363,8 @@
               <a:buNone/>
             </a:pPr>
             <a:r>
-              <a:rPr lang="en-US">
-                <a:sym typeface="+mn-ea"/>
-              </a:rPr>
-              <a:t>    for row_a in table_a.blocks():       // M block</a:t>
+              <a:rPr lang="en-US"/>
+              <a:t>    for row_a in table_a.rows():</a:t>
             </a:r>
             <a:endParaRPr lang="en-US"/>
           </a:p>
@@ -8337,10 +8373,8 @@
               <a:buNone/>
             </a:pPr>
             <a:r>
-              <a:rPr lang="en-US">
-                <a:sym typeface="+mn-ea"/>
-              </a:rPr>
-              <a:t>        for row_b in table_b.blocks():   // N block</a:t>
+              <a:rPr lang="en-US"/>
+              <a:t>        for row_b in table_b.rows():</a:t>
             </a:r>
             <a:endParaRPr lang="en-US"/>
           </a:p>
@@ -8350,7 +8384,7 @@
             </a:pPr>
             <a:r>
               <a:rPr lang="en-US"/>
-              <a:t>            for row_a in table_a.rows():</a:t>
+              <a:t>            if condition(row_a, row_b):</a:t>
             </a:r>
             <a:endParaRPr lang="en-US"/>
           </a:p>
@@ -8360,75 +8394,9 @@
             </a:pPr>
             <a:r>
               <a:rPr lang="en-US"/>
-              <a:t>                for row_b in table_b.rows():</a:t>
-            </a:r>
-            <a:endParaRPr lang="en-US"/>
-          </a:p>
-          <a:p>
-            <a:pPr marL="0" indent="0">
-              <a:buNone/>
-            </a:pPr>
-            <a:r>
-              <a:rPr lang="en-US"/>
-              <a:t>                    if condition(row_a, row_b):</a:t>
-            </a:r>
-            <a:endParaRPr lang="en-US"/>
-          </a:p>
-          <a:p>
-            <a:pPr marL="0" indent="0">
-              <a:buNone/>
-            </a:pPr>
-            <a:r>
-              <a:rPr lang="en-US"/>
-              <a:t>                        process_tuple(row_a, row_b);</a:t>
-            </a:r>
-            <a:endParaRPr lang="en-US"/>
-          </a:p>
-          <a:p>
-            <a:pPr marL="0" indent="0">
-              <a:buNone/>
-            </a:pPr>
-            <a:endParaRPr lang="en-US"/>
-          </a:p>
-          <a:p>
-            <a:pPr marL="0" indent="0" algn="ctr">
-              <a:buNone/>
-            </a:pPr>
-            <a:r>
-              <a:rPr lang="zh-CN" altLang="en-US"/>
-              <a:t>时间复杂度：</a:t>
-            </a:r>
-            <a:r>
-              <a:rPr lang="en-US" altLang="zh-CN"/>
-              <a:t>M+M*N</a:t>
-            </a:r>
-            <a:br>
-              <a:rPr lang="en-US" altLang="zh-CN"/>
-            </a:br>
-            <a:br>
-              <a:rPr lang="en-US" altLang="zh-CN"/>
-            </a:br>
-            <a:r>
-              <a:rPr lang="zh-CN" altLang="en-US"/>
-              <a:t>把小表放在外层能减少</a:t>
-            </a:r>
-            <a:r>
-              <a:rPr lang="en-US" altLang="zh-CN"/>
-              <a:t>IO</a:t>
-            </a:r>
-            <a:r>
-              <a:rPr lang="zh-CN" altLang="en-US"/>
-              <a:t>次数，小表也被叫做</a:t>
-            </a:r>
-            <a:r>
-              <a:rPr lang="en-US" altLang="zh-CN"/>
-              <a:t>driverd</a:t>
-            </a:r>
-            <a:r>
-              <a:rPr lang="zh-CN" altLang="en-US"/>
-              <a:t>表</a:t>
-            </a:r>
-            <a:endParaRPr lang="zh-CN" altLang="en-US"/>
+              <a:t>                process_tuple(row_a, row_b);</a:t>
+            </a:r>
+            <a:endParaRPr lang="en-US"/>
           </a:p>
         </p:txBody>
       </p:sp>
@@ -8467,7 +8435,7 @@
             <a:pPr algn="ctr"/>
             <a:r>
               <a:rPr lang="en-US"/>
-              <a:t>NestedLoopIndexJoin</a:t>
+              <a:t>Block-based NestedLoopJoin</a:t>
             </a:r>
             <a:endParaRPr lang="en-US"/>
           </a:p>
@@ -8485,13 +8453,13 @@
         </p:nvSpPr>
         <p:spPr>
           <a:xfrm>
-            <a:off x="2425065" y="1885315"/>
-            <a:ext cx="8074025" cy="4431665"/>
+            <a:off x="1673225" y="1691005"/>
+            <a:ext cx="8845550" cy="5037455"/>
           </a:xfrm>
         </p:spPr>
         <p:txBody>
           <a:bodyPr>
-            <a:normAutofit lnSpcReduction="10000"/>
+            <a:normAutofit lnSpcReduction="20000"/>
           </a:bodyPr>
           <a:p>
             <a:pPr marL="0" indent="0">
@@ -8499,17 +8467,7 @@
             </a:pPr>
             <a:r>
               <a:rPr lang="en-US"/>
-              <a:t>def </a:t>
-            </a:r>
-            <a:r>
-              <a:rPr lang="en-US">
-                <a:sym typeface="+mn-ea"/>
-              </a:rPr>
-              <a:t>NestedLoopIndexJoin</a:t>
-            </a:r>
-            <a:r>
-              <a:rPr lang="en-US"/>
-              <a:t>(table_a, table_b)</a:t>
+              <a:t>def BlockNestedLoopJoin(table_a, table_b)</a:t>
             </a:r>
             <a:endParaRPr lang="en-US"/>
           </a:p>
@@ -8533,11 +8491,9 @@
               <a:rPr lang="en-US">
                 <a:sym typeface="+mn-ea"/>
               </a:rPr>
-              <a:t>        for row_b in table_b.index():    // n block</a:t>
-            </a:r>
-            <a:endParaRPr lang="en-US">
-              <a:sym typeface="+mn-ea"/>
-            </a:endParaRPr>
+              <a:t>        for row_b in table_b.blocks():   // N block</a:t>
+            </a:r>
+            <a:endParaRPr lang="en-US"/>
           </a:p>
           <a:p>
             <a:pPr marL="0" indent="0">
@@ -8555,7 +8511,17 @@
             </a:pPr>
             <a:r>
               <a:rPr lang="en-US"/>
-              <a:t>                    if condition(row_a, b_join_column):</a:t>
+              <a:t>                for row_b in table_b.rows():</a:t>
+            </a:r>
+            <a:endParaRPr lang="en-US"/>
+          </a:p>
+          <a:p>
+            <a:pPr marL="0" indent="0">
+              <a:buNone/>
+            </a:pPr>
+            <a:r>
+              <a:rPr lang="en-US"/>
+              <a:t>                    if condition(row_a, row_b):</a:t>
             </a:r>
             <a:endParaRPr lang="en-US"/>
           </a:p>
@@ -8585,13 +8551,35 @@
             </a:r>
             <a:r>
               <a:rPr lang="en-US" altLang="zh-CN"/>
-              <a:t>M+M*</a:t>
-            </a:r>
-            <a:r>
+              <a:t>M+M*N</a:t>
+            </a:r>
+            <a:br>
               <a:rPr lang="en-US" altLang="zh-CN"/>
-              <a:t>n</a:t>
-            </a:r>
-            <a:endParaRPr lang="en-US" altLang="zh-CN"/>
+            </a:br>
+            <a:br>
+              <a:rPr lang="en-US" altLang="zh-CN"/>
+            </a:br>
+            <a:r>
+              <a:rPr lang="zh-CN" altLang="en-US"/>
+              <a:t>把小表放在外层能减少</a:t>
+            </a:r>
+            <a:r>
+              <a:rPr lang="en-US" altLang="zh-CN"/>
+              <a:t>IO</a:t>
+            </a:r>
+            <a:r>
+              <a:rPr lang="zh-CN" altLang="en-US"/>
+              <a:t>次数，小表也被叫做</a:t>
+            </a:r>
+            <a:r>
+              <a:rPr lang="en-US" altLang="zh-CN"/>
+              <a:t>driverd</a:t>
+            </a:r>
+            <a:r>
+              <a:rPr lang="zh-CN" altLang="en-US"/>
+              <a:t>表</a:t>
+            </a:r>
+            <a:endParaRPr lang="zh-CN" altLang="en-US"/>
           </a:p>
         </p:txBody>
       </p:sp>
@@ -8623,19 +8611,14 @@
             <p:ph type="title"/>
           </p:nvPr>
         </p:nvSpPr>
-        <p:spPr>
-          <a:xfrm>
-            <a:off x="838200" y="158115"/>
-            <a:ext cx="10515600" cy="1325563"/>
-          </a:xfrm>
-        </p:spPr>
+        <p:spPr/>
         <p:txBody>
           <a:bodyPr/>
           <a:p>
             <a:pPr algn="ctr"/>
             <a:r>
               <a:rPr lang="en-US"/>
-              <a:t>SortMergeJoin</a:t>
+              <a:t>NestedLoopIndexJoin</a:t>
             </a:r>
             <a:endParaRPr lang="en-US"/>
           </a:p>
@@ -8653,13 +8636,13 @@
         </p:nvSpPr>
         <p:spPr>
           <a:xfrm>
-            <a:off x="547370" y="1373505"/>
-            <a:ext cx="8027670" cy="5255895"/>
+            <a:off x="2425065" y="1885315"/>
+            <a:ext cx="8074025" cy="4431665"/>
           </a:xfrm>
         </p:spPr>
         <p:txBody>
           <a:bodyPr>
-            <a:normAutofit fontScale="90000" lnSpcReduction="10000"/>
+            <a:normAutofit lnSpcReduction="10000"/>
           </a:bodyPr>
           <a:p>
             <a:pPr marL="0" indent="0">
@@ -8667,19 +8650,41 @@
             </a:pPr>
             <a:r>
               <a:rPr lang="en-US"/>
-              <a:t>def SortMergeJoin(table_a, table_b)</a:t>
-            </a:r>
-            <a:endParaRPr lang="en-US"/>
-          </a:p>
-          <a:p>
-            <a:pPr marL="0" indent="0">
-              <a:buNone/>
-            </a:pPr>
+              <a:t>def </a:t>
+            </a:r>
             <a:r>
               <a:rPr lang="en-US">
                 <a:sym typeface="+mn-ea"/>
               </a:rPr>
-              <a:t>    (table_a_join_key,table_a_row) = next(table_a);</a:t>
+              <a:t>NestedLoopIndexJoin</a:t>
+            </a:r>
+            <a:r>
+              <a:rPr lang="en-US"/>
+              <a:t>(table_a, table_b)</a:t>
+            </a:r>
+            <a:endParaRPr lang="en-US"/>
+          </a:p>
+          <a:p>
+            <a:pPr marL="0" indent="0">
+              <a:buNone/>
+            </a:pPr>
+            <a:r>
+              <a:rPr lang="en-US">
+                <a:sym typeface="+mn-ea"/>
+              </a:rPr>
+              <a:t>    for row_a in table_a.blocks():       // M block</a:t>
+            </a:r>
+            <a:endParaRPr lang="en-US"/>
+          </a:p>
+          <a:p>
+            <a:pPr marL="0" indent="0">
+              <a:buNone/>
+            </a:pPr>
+            <a:r>
+              <a:rPr lang="en-US">
+                <a:sym typeface="+mn-ea"/>
+              </a:rPr>
+              <a:t>        for row_b in table_b.index():    // n block</a:t>
             </a:r>
             <a:endParaRPr lang="en-US">
               <a:sym typeface="+mn-ea"/>
@@ -8690,265 +8695,50 @@
               <a:buNone/>
             </a:pPr>
             <a:r>
-              <a:rPr lang="en-US">
-                <a:sym typeface="+mn-ea"/>
-              </a:rPr>
-              <a:t>    (table_b_join_key,table_b_row) = next(table_b);</a:t>
-            </a:r>
-            <a:endParaRPr lang="en-US">
-              <a:sym typeface="+mn-ea"/>
-            </a:endParaRPr>
+              <a:rPr lang="en-US"/>
+              <a:t>            for row_a in table_a.rows():</a:t>
+            </a:r>
+            <a:endParaRPr lang="en-US"/>
           </a:p>
           <a:p>
             <a:pPr marL="0" indent="0">
               <a:buNone/>
             </a:pPr>
             <a:r>
+              <a:rPr lang="en-US"/>
+              <a:t>                    if condition(row_a, b_join_column):</a:t>
+            </a:r>
+            <a:endParaRPr lang="en-US"/>
+          </a:p>
+          <a:p>
+            <a:pPr marL="0" indent="0">
+              <a:buNone/>
+            </a:pPr>
+            <a:r>
+              <a:rPr lang="en-US"/>
+              <a:t>                        process_tuple(row_a, row_b);</a:t>
+            </a:r>
+            <a:endParaRPr lang="en-US"/>
+          </a:p>
+          <a:p>
+            <a:pPr marL="0" indent="0">
+              <a:buNone/>
+            </a:pPr>
+            <a:endParaRPr lang="en-US"/>
+          </a:p>
+          <a:p>
+            <a:pPr marL="0" indent="0" algn="ctr">
+              <a:buNone/>
+            </a:pPr>
+            <a:r>
+              <a:rPr lang="zh-CN" altLang="en-US"/>
+              <a:t>时间复杂度：</a:t>
+            </a:r>
+            <a:r>
               <a:rPr lang="en-US" altLang="zh-CN"/>
-              <a:t>    while table_a_join_key and table_b_join_key:</a:t>
+              <a:t>M+M*n</a:t>
             </a:r>
             <a:endParaRPr lang="en-US" altLang="zh-CN"/>
-          </a:p>
-          <a:p>
-            <a:pPr marL="0" indent="0">
-              <a:buNone/>
-            </a:pPr>
-            <a:r>
-              <a:rPr lang="en-US" altLang="zh-CN"/>
-              <a:t>        if equal(table_a_join_key, table_b_join_key):</a:t>
-            </a:r>
-            <a:endParaRPr lang="en-US" altLang="zh-CN"/>
-          </a:p>
-          <a:p>
-            <a:pPr marL="0" indent="0">
-              <a:buNone/>
-            </a:pPr>
-            <a:r>
-              <a:rPr lang="en-US" altLang="zh-CN"/>
-              <a:t>            process(table_a_row, table_b_row);</a:t>
-            </a:r>
-            <a:endParaRPr lang="en-US" altLang="zh-CN"/>
-          </a:p>
-          <a:p>
-            <a:pPr marL="0" indent="0">
-              <a:buNone/>
-            </a:pPr>
-            <a:r>
-              <a:rPr lang="en-US" altLang="zh-CN"/>
-              <a:t>            </a:t>
-            </a:r>
-            <a:r>
-              <a:rPr lang="en-US">
-                <a:sym typeface="+mn-ea"/>
-              </a:rPr>
-              <a:t>(table_a_join_key,table_a_row) = next(table_a);</a:t>
-            </a:r>
-            <a:endParaRPr lang="en-US">
-              <a:sym typeface="+mn-ea"/>
-            </a:endParaRPr>
-          </a:p>
-          <a:p>
-            <a:pPr marL="0" indent="0">
-              <a:buNone/>
-            </a:pPr>
-            <a:r>
-              <a:rPr lang="en-US">
-                <a:sym typeface="+mn-ea"/>
-              </a:rPr>
-              <a:t>            (table_b_join_key,table_b_row) = next(table_b);</a:t>
-            </a:r>
-            <a:endParaRPr lang="en-US">
-              <a:sym typeface="+mn-ea"/>
-            </a:endParaRPr>
-          </a:p>
-          <a:p>
-            <a:pPr marL="0" indent="0">
-              <a:buNone/>
-            </a:pPr>
-            <a:r>
-              <a:rPr lang="en-US" altLang="zh-CN"/>
-              <a:t>        elseif gt(</a:t>
-            </a:r>
-            <a:r>
-              <a:rPr lang="en-US" altLang="zh-CN">
-                <a:sym typeface="+mn-ea"/>
-              </a:rPr>
-              <a:t>table_a_join_key, table_b_join_key</a:t>
-            </a:r>
-            <a:r>
-              <a:rPr lang="en-US" altLang="zh-CN"/>
-              <a:t>):</a:t>
-            </a:r>
-            <a:endParaRPr lang="en-US" altLang="zh-CN"/>
-          </a:p>
-          <a:p>
-            <a:pPr marL="0" indent="0">
-              <a:buNone/>
-            </a:pPr>
-            <a:r>
-              <a:rPr lang="en-US" altLang="zh-CN"/>
-              <a:t>            </a:t>
-            </a:r>
-            <a:r>
-              <a:rPr lang="en-US">
-                <a:sym typeface="+mn-ea"/>
-              </a:rPr>
-              <a:t>(table_b_join_key,table_b_row) = next(table_b);</a:t>
-            </a:r>
-            <a:endParaRPr lang="en-US">
-              <a:sym typeface="+mn-ea"/>
-            </a:endParaRPr>
-          </a:p>
-          <a:p>
-            <a:pPr marL="0" indent="0">
-              <a:buNone/>
-            </a:pPr>
-            <a:r>
-              <a:rPr lang="en-US" altLang="zh-CN"/>
-              <a:t>        else:</a:t>
-            </a:r>
-            <a:endParaRPr lang="en-US" altLang="zh-CN"/>
-          </a:p>
-          <a:p>
-            <a:pPr marL="0" indent="0">
-              <a:buNone/>
-            </a:pPr>
-            <a:r>
-              <a:rPr lang="en-US" altLang="zh-CN">
-                <a:sym typeface="+mn-ea"/>
-              </a:rPr>
-              <a:t>           </a:t>
-            </a:r>
-            <a:r>
-              <a:rPr lang="en-US">
-                <a:sym typeface="+mn-ea"/>
-              </a:rPr>
-              <a:t> (table_a_join_key,table_a_row) = next(table_a);</a:t>
-            </a:r>
-            <a:endParaRPr lang="en-US" altLang="zh-CN"/>
-          </a:p>
-        </p:txBody>
-      </p:sp>
-      <p:sp>
-        <p:nvSpPr>
-          <p:cNvPr id="4" name="Title 1"/>
-          <p:cNvSpPr>
-            <a:spLocks noGrp="1"/>
-          </p:cNvSpPr>
-          <p:nvPr/>
-        </p:nvSpPr>
-        <p:spPr>
-          <a:xfrm>
-            <a:off x="7378700" y="5384800"/>
-            <a:ext cx="4813300" cy="1473200"/>
-          </a:xfrm>
-          <a:prstGeom prst="rect">
-            <a:avLst/>
-          </a:prstGeom>
-        </p:spPr>
-        <p:txBody>
-          <a:bodyPr vert="horz" lIns="91440" tIns="45720" rIns="91440" bIns="45720" rtlCol="0" anchor="ctr">
-            <a:normAutofit/>
-          </a:bodyPr>
-          <a:lstStyle>
-            <a:lvl1pPr algn="l" defTabSz="914400" rtl="0" eaLnBrk="1" latinLnBrk="0" hangingPunct="1">
-              <a:lnSpc>
-                <a:spcPct val="90000"/>
-              </a:lnSpc>
-              <a:spcBef>
-                <a:spcPct val="0"/>
-              </a:spcBef>
-              <a:buNone/>
-              <a:defRPr sz="4400" kern="1200">
-                <a:solidFill>
-                  <a:schemeClr val="tx1"/>
-                </a:solidFill>
-                <a:latin typeface="+mj-lt"/>
-                <a:ea typeface="+mj-ea"/>
-                <a:cs typeface="+mj-cs"/>
-              </a:defRPr>
-            </a:lvl1pPr>
-          </a:lstStyle>
-          <a:p>
-            <a:pPr algn="l"/>
-            <a:r>
-              <a:rPr lang="en-US" altLang="zh-CN" sz="2400">
-                <a:sym typeface="+mn-ea"/>
-              </a:rPr>
-              <a:t>            </a:t>
-            </a:r>
-            <a:r>
-              <a:rPr lang="zh-CN" altLang="en-US" sz="2400">
-                <a:sym typeface="+mn-ea"/>
-              </a:rPr>
-              <a:t>没有索引复杂度：</a:t>
-            </a:r>
-            <a:br>
-              <a:rPr lang="zh-CN" altLang="en-US" sz="2400">
-                <a:sym typeface="+mn-ea"/>
-              </a:rPr>
-            </a:br>
-            <a:r>
-              <a:rPr lang="en-US" sz="2400" b="1">
-                <a:sym typeface="+mn-ea"/>
-              </a:rPr>
-              <a:t>M + N + 2M * (log</a:t>
-            </a:r>
-            <a:r>
-              <a:rPr lang="en-US" sz="2400" b="1" baseline="-25000">
-                <a:sym typeface="+mn-ea"/>
-              </a:rPr>
-              <a:t>2</a:t>
-            </a:r>
-            <a:r>
-              <a:rPr lang="en-US" sz="2400" b="1">
-                <a:sym typeface="+mn-ea"/>
-              </a:rPr>
-              <a:t>M) + 2N * (log</a:t>
-            </a:r>
-            <a:r>
-              <a:rPr lang="en-US" sz="2400" b="1" baseline="-25000">
-                <a:sym typeface="+mn-ea"/>
-              </a:rPr>
-              <a:t>2</a:t>
-            </a:r>
-            <a:r>
-              <a:rPr lang="en-US" sz="2400" b="1">
-                <a:sym typeface="+mn-ea"/>
-              </a:rPr>
-              <a:t>N)</a:t>
-            </a:r>
-            <a:br>
-              <a:rPr lang="en-US" sz="2400" b="1">
-                <a:sym typeface="+mn-ea"/>
-              </a:rPr>
-            </a:br>
-            <a:r>
-              <a:rPr lang="en-US" sz="2400">
-                <a:sym typeface="+mn-ea"/>
-              </a:rPr>
-              <a:t>            </a:t>
-            </a:r>
-            <a:r>
-              <a:rPr lang="zh-CN" altLang="en-US" sz="2400">
-                <a:sym typeface="+mn-ea"/>
-              </a:rPr>
-              <a:t>有索引复杂度：</a:t>
-            </a:r>
-            <a:r>
-              <a:rPr lang="en-US" altLang="zh-CN" sz="2400" b="1">
-                <a:sym typeface="+mn-ea"/>
-              </a:rPr>
-              <a:t>m+n</a:t>
-            </a:r>
-            <a:br>
-              <a:rPr lang="zh-CN" altLang="en-US" sz="2400" b="1">
-                <a:sym typeface="+mn-ea"/>
-              </a:rPr>
-            </a:br>
-            <a:endParaRPr lang="zh-CN" altLang="en-US" sz="2400" b="1">
-              <a:sym typeface="+mn-ea"/>
-            </a:endParaRPr>
           </a:p>
         </p:txBody>
       </p:sp>
@@ -8980,6 +8770,363 @@
             <p:ph type="title"/>
           </p:nvPr>
         </p:nvSpPr>
+        <p:spPr>
+          <a:xfrm>
+            <a:off x="838200" y="158115"/>
+            <a:ext cx="10515600" cy="1325563"/>
+          </a:xfrm>
+        </p:spPr>
+        <p:txBody>
+          <a:bodyPr/>
+          <a:p>
+            <a:pPr algn="ctr"/>
+            <a:r>
+              <a:rPr lang="en-US"/>
+              <a:t>SortMergeJoin</a:t>
+            </a:r>
+            <a:endParaRPr lang="en-US"/>
+          </a:p>
+        </p:txBody>
+      </p:sp>
+      <p:sp>
+        <p:nvSpPr>
+          <p:cNvPr id="3" name="Content Placeholder 2"/>
+          <p:cNvSpPr>
+            <a:spLocks noGrp="1"/>
+          </p:cNvSpPr>
+          <p:nvPr>
+            <p:ph idx="1"/>
+          </p:nvPr>
+        </p:nvSpPr>
+        <p:spPr>
+          <a:xfrm>
+            <a:off x="547370" y="1373505"/>
+            <a:ext cx="8027670" cy="5255895"/>
+          </a:xfrm>
+        </p:spPr>
+        <p:txBody>
+          <a:bodyPr>
+            <a:normAutofit fontScale="90000" lnSpcReduction="10000"/>
+          </a:bodyPr>
+          <a:p>
+            <a:pPr marL="0" indent="0">
+              <a:buNone/>
+            </a:pPr>
+            <a:r>
+              <a:rPr lang="en-US"/>
+              <a:t>def SortMergeJoin(table_a, table_b)</a:t>
+            </a:r>
+            <a:endParaRPr lang="en-US"/>
+          </a:p>
+          <a:p>
+            <a:pPr marL="0" indent="0">
+              <a:buNone/>
+            </a:pPr>
+            <a:r>
+              <a:rPr lang="en-US">
+                <a:sym typeface="+mn-ea"/>
+              </a:rPr>
+              <a:t>    (table_a_join_key,table_a_row) = next(table_a);</a:t>
+            </a:r>
+            <a:endParaRPr lang="en-US">
+              <a:sym typeface="+mn-ea"/>
+            </a:endParaRPr>
+          </a:p>
+          <a:p>
+            <a:pPr marL="0" indent="0">
+              <a:buNone/>
+            </a:pPr>
+            <a:r>
+              <a:rPr lang="en-US">
+                <a:sym typeface="+mn-ea"/>
+              </a:rPr>
+              <a:t>    (table_b_join_key,table_b_row) = next(table_b);</a:t>
+            </a:r>
+            <a:endParaRPr lang="en-US">
+              <a:sym typeface="+mn-ea"/>
+            </a:endParaRPr>
+          </a:p>
+          <a:p>
+            <a:pPr marL="0" indent="0">
+              <a:buNone/>
+            </a:pPr>
+            <a:r>
+              <a:rPr lang="en-US" altLang="zh-CN"/>
+              <a:t>    while table_a_join_key and table_b_join_key:</a:t>
+            </a:r>
+            <a:endParaRPr lang="en-US" altLang="zh-CN"/>
+          </a:p>
+          <a:p>
+            <a:pPr marL="0" indent="0">
+              <a:buNone/>
+            </a:pPr>
+            <a:r>
+              <a:rPr lang="en-US" altLang="zh-CN"/>
+              <a:t>        if equal(table_a_join_key, table_b_join_key):</a:t>
+            </a:r>
+            <a:endParaRPr lang="en-US" altLang="zh-CN"/>
+          </a:p>
+          <a:p>
+            <a:pPr marL="0" indent="0">
+              <a:buNone/>
+            </a:pPr>
+            <a:r>
+              <a:rPr lang="en-US" altLang="zh-CN"/>
+              <a:t>            process(table_a_row, table_b_row);</a:t>
+            </a:r>
+            <a:endParaRPr lang="en-US" altLang="zh-CN"/>
+          </a:p>
+          <a:p>
+            <a:pPr marL="0" indent="0">
+              <a:buNone/>
+            </a:pPr>
+            <a:r>
+              <a:rPr lang="en-US" altLang="zh-CN"/>
+              <a:t>            </a:t>
+            </a:r>
+            <a:r>
+              <a:rPr lang="en-US">
+                <a:sym typeface="+mn-ea"/>
+              </a:rPr>
+              <a:t>(table_a_join_key,table_a_row) = next(table_a);</a:t>
+            </a:r>
+            <a:endParaRPr lang="en-US">
+              <a:sym typeface="+mn-ea"/>
+            </a:endParaRPr>
+          </a:p>
+          <a:p>
+            <a:pPr marL="0" indent="0">
+              <a:buNone/>
+            </a:pPr>
+            <a:r>
+              <a:rPr lang="en-US">
+                <a:sym typeface="+mn-ea"/>
+              </a:rPr>
+              <a:t>            (table_b_join_key,table_b_row) = next(table_b);</a:t>
+            </a:r>
+            <a:endParaRPr lang="en-US">
+              <a:sym typeface="+mn-ea"/>
+            </a:endParaRPr>
+          </a:p>
+          <a:p>
+            <a:pPr marL="0" indent="0">
+              <a:buNone/>
+            </a:pPr>
+            <a:r>
+              <a:rPr lang="en-US" altLang="zh-CN"/>
+              <a:t>        elseif gt(</a:t>
+            </a:r>
+            <a:r>
+              <a:rPr lang="en-US" altLang="zh-CN">
+                <a:sym typeface="+mn-ea"/>
+              </a:rPr>
+              <a:t>table_a_join_key, table_b_join_key</a:t>
+            </a:r>
+            <a:r>
+              <a:rPr lang="en-US" altLang="zh-CN"/>
+              <a:t>):</a:t>
+            </a:r>
+            <a:endParaRPr lang="en-US" altLang="zh-CN"/>
+          </a:p>
+          <a:p>
+            <a:pPr marL="0" indent="0">
+              <a:buNone/>
+            </a:pPr>
+            <a:r>
+              <a:rPr lang="en-US" altLang="zh-CN"/>
+              <a:t>            </a:t>
+            </a:r>
+            <a:r>
+              <a:rPr lang="en-US">
+                <a:sym typeface="+mn-ea"/>
+              </a:rPr>
+              <a:t>(table_b_join_key,table_b_row) = next(table_b);</a:t>
+            </a:r>
+            <a:endParaRPr lang="en-US">
+              <a:sym typeface="+mn-ea"/>
+            </a:endParaRPr>
+          </a:p>
+          <a:p>
+            <a:pPr marL="0" indent="0">
+              <a:buNone/>
+            </a:pPr>
+            <a:r>
+              <a:rPr lang="en-US" altLang="zh-CN"/>
+              <a:t>        else:</a:t>
+            </a:r>
+            <a:endParaRPr lang="en-US" altLang="zh-CN"/>
+          </a:p>
+          <a:p>
+            <a:pPr marL="0" indent="0">
+              <a:buNone/>
+            </a:pPr>
+            <a:r>
+              <a:rPr lang="en-US" altLang="zh-CN">
+                <a:sym typeface="+mn-ea"/>
+              </a:rPr>
+              <a:t>           </a:t>
+            </a:r>
+            <a:r>
+              <a:rPr lang="en-US">
+                <a:sym typeface="+mn-ea"/>
+              </a:rPr>
+              <a:t> (table_a_join_key,table_a_row) = next(table_a);</a:t>
+            </a:r>
+            <a:endParaRPr lang="en-US" altLang="zh-CN"/>
+          </a:p>
+        </p:txBody>
+      </p:sp>
+      <p:sp>
+        <p:nvSpPr>
+          <p:cNvPr id="4" name="Title 1"/>
+          <p:cNvSpPr>
+            <a:spLocks noGrp="1"/>
+          </p:cNvSpPr>
+          <p:nvPr/>
+        </p:nvSpPr>
+        <p:spPr>
+          <a:xfrm>
+            <a:off x="7378700" y="5384800"/>
+            <a:ext cx="4813300" cy="1473200"/>
+          </a:xfrm>
+          <a:prstGeom prst="rect">
+            <a:avLst/>
+          </a:prstGeom>
+        </p:spPr>
+        <p:txBody>
+          <a:bodyPr vert="horz" lIns="91440" tIns="45720" rIns="91440" bIns="45720" rtlCol="0" anchor="ctr">
+            <a:normAutofit/>
+          </a:bodyPr>
+          <a:lstStyle>
+            <a:lvl1pPr algn="l" defTabSz="914400" rtl="0" eaLnBrk="1" latinLnBrk="0" hangingPunct="1">
+              <a:lnSpc>
+                <a:spcPct val="90000"/>
+              </a:lnSpc>
+              <a:spcBef>
+                <a:spcPct val="0"/>
+              </a:spcBef>
+              <a:buNone/>
+              <a:defRPr sz="4400" kern="1200">
+                <a:solidFill>
+                  <a:schemeClr val="tx1"/>
+                </a:solidFill>
+                <a:latin typeface="+mj-lt"/>
+                <a:ea typeface="+mj-ea"/>
+                <a:cs typeface="+mj-cs"/>
+              </a:defRPr>
+            </a:lvl1pPr>
+          </a:lstStyle>
+          <a:p>
+            <a:pPr algn="l"/>
+            <a:r>
+              <a:rPr lang="en-US" altLang="zh-CN" sz="2400">
+                <a:sym typeface="+mn-ea"/>
+              </a:rPr>
+              <a:t>            </a:t>
+            </a:r>
+            <a:r>
+              <a:rPr lang="zh-CN" altLang="en-US" sz="2400">
+                <a:sym typeface="+mn-ea"/>
+              </a:rPr>
+              <a:t>没有索引复杂度：</a:t>
+            </a:r>
+            <a:br>
+              <a:rPr lang="zh-CN" altLang="en-US" sz="2400">
+                <a:sym typeface="+mn-ea"/>
+              </a:rPr>
+            </a:br>
+            <a:r>
+              <a:rPr lang="en-US" sz="2400" b="1">
+                <a:sym typeface="+mn-ea"/>
+              </a:rPr>
+              <a:t>M + N + 2M * (log</a:t>
+            </a:r>
+            <a:r>
+              <a:rPr lang="en-US" sz="2400" b="1" baseline="-25000">
+                <a:sym typeface="+mn-ea"/>
+              </a:rPr>
+              <a:t>2</a:t>
+            </a:r>
+            <a:r>
+              <a:rPr lang="en-US" sz="2400" b="1">
+                <a:sym typeface="+mn-ea"/>
+              </a:rPr>
+              <a:t>M) + 2N * (log</a:t>
+            </a:r>
+            <a:r>
+              <a:rPr lang="en-US" sz="2400" b="1" baseline="-25000">
+                <a:sym typeface="+mn-ea"/>
+              </a:rPr>
+              <a:t>2</a:t>
+            </a:r>
+            <a:r>
+              <a:rPr lang="en-US" sz="2400" b="1">
+                <a:sym typeface="+mn-ea"/>
+              </a:rPr>
+              <a:t>N)</a:t>
+            </a:r>
+            <a:br>
+              <a:rPr lang="en-US" sz="2400" b="1">
+                <a:sym typeface="+mn-ea"/>
+              </a:rPr>
+            </a:br>
+            <a:r>
+              <a:rPr lang="en-US" sz="2400">
+                <a:sym typeface="+mn-ea"/>
+              </a:rPr>
+              <a:t>            </a:t>
+            </a:r>
+            <a:r>
+              <a:rPr lang="zh-CN" altLang="en-US" sz="2400">
+                <a:sym typeface="+mn-ea"/>
+              </a:rPr>
+              <a:t>有索引复杂度：</a:t>
+            </a:r>
+            <a:r>
+              <a:rPr lang="en-US" altLang="zh-CN" sz="2400" b="1">
+                <a:sym typeface="+mn-ea"/>
+              </a:rPr>
+              <a:t>m+n</a:t>
+            </a:r>
+            <a:br>
+              <a:rPr lang="zh-CN" altLang="en-US" sz="2400" b="1">
+                <a:sym typeface="+mn-ea"/>
+              </a:rPr>
+            </a:br>
+            <a:endParaRPr lang="zh-CN" altLang="en-US" sz="2400" b="1">
+              <a:sym typeface="+mn-ea"/>
+            </a:endParaRPr>
+          </a:p>
+        </p:txBody>
+      </p:sp>
+    </p:spTree>
+  </p:cSld>
+  <p:clrMapOvr>
+    <a:masterClrMapping/>
+  </p:clrMapOvr>
+</p:sld>
+</file>
+
+<file path=ppt/slides/slide37.xml><?xml version="1.0" encoding="utf-8"?>
+<p:sld xmlns:a="http://schemas.openxmlformats.org/drawingml/2006/main" xmlns:r="http://schemas.openxmlformats.org/officeDocument/2006/relationships" xmlns:p="http://schemas.openxmlformats.org/presentationml/2006/main">
+  <p:cSld>
+    <p:spTree>
+      <p:nvGrpSpPr>
+        <p:cNvPr id="1" name=""/>
+        <p:cNvGrpSpPr/>
+        <p:nvPr/>
+      </p:nvGrpSpPr>
+      <p:grpSpPr/>
+      <p:sp>
+        <p:nvSpPr>
+          <p:cNvPr id="2" name="Title 1"/>
+          <p:cNvSpPr>
+            <a:spLocks noGrp="1"/>
+          </p:cNvSpPr>
+          <p:nvPr>
+            <p:ph type="title"/>
+          </p:nvPr>
+        </p:nvSpPr>
         <p:spPr/>
         <p:txBody>
           <a:bodyPr/>
@@ -9102,7 +9249,7 @@
               <a:spcBef>
                 <a:spcPts val="1000"/>
               </a:spcBef>
-              <a:buFont typeface="Arial" panose="020B0604020202020204" pitchFamily="34" charset="0"/>
+              <a:buFont typeface="Arial" panose="020B0604020202090204" pitchFamily="34" charset="0"/>
               <a:buChar char="•"/>
               <a:defRPr sz="2800" kern="1200">
                 <a:solidFill>
@@ -9120,7 +9267,7 @@
               <a:spcBef>
                 <a:spcPts val="500"/>
               </a:spcBef>
-              <a:buFont typeface="Arial" panose="020B0604020202020204" pitchFamily="34" charset="0"/>
+              <a:buFont typeface="Arial" panose="020B0604020202090204" pitchFamily="34" charset="0"/>
               <a:buChar char="•"/>
               <a:defRPr sz="2400" kern="1200">
                 <a:solidFill>
@@ -9138,7 +9285,7 @@
               <a:spcBef>
                 <a:spcPts val="500"/>
               </a:spcBef>
-              <a:buFont typeface="Arial" panose="020B0604020202020204" pitchFamily="34" charset="0"/>
+              <a:buFont typeface="Arial" panose="020B0604020202090204" pitchFamily="34" charset="0"/>
               <a:buChar char="•"/>
               <a:defRPr sz="2000" kern="1200">
                 <a:solidFill>
@@ -9156,7 +9303,7 @@
               <a:spcBef>
                 <a:spcPts val="500"/>
               </a:spcBef>
-              <a:buFont typeface="Arial" panose="020B0604020202020204" pitchFamily="34" charset="0"/>
+              <a:buFont typeface="Arial" panose="020B0604020202090204" pitchFamily="34" charset="0"/>
               <a:buChar char="•"/>
               <a:defRPr sz="1800" kern="1200">
                 <a:solidFill>
@@ -9174,7 +9321,7 @@
               <a:spcBef>
                 <a:spcPts val="500"/>
               </a:spcBef>
-              <a:buFont typeface="Arial" panose="020B0604020202020204" pitchFamily="34" charset="0"/>
+              <a:buFont typeface="Arial" panose="020B0604020202090204" pitchFamily="34" charset="0"/>
               <a:buChar char="•"/>
               <a:defRPr sz="1800" kern="1200">
                 <a:solidFill>
@@ -9192,7 +9339,7 @@
               <a:spcBef>
                 <a:spcPts val="500"/>
               </a:spcBef>
-              <a:buFont typeface="Arial" panose="020B0604020202020204" pitchFamily="34" charset="0"/>
+              <a:buFont typeface="Arial" panose="020B0604020202090204" pitchFamily="34" charset="0"/>
               <a:buChar char="•"/>
               <a:defRPr sz="1800" kern="1200">
                 <a:solidFill>
@@ -9210,7 +9357,7 @@
               <a:spcBef>
                 <a:spcPts val="500"/>
               </a:spcBef>
-              <a:buFont typeface="Arial" panose="020B0604020202020204" pitchFamily="34" charset="0"/>
+              <a:buFont typeface="Arial" panose="020B0604020202090204" pitchFamily="34" charset="0"/>
               <a:buChar char="•"/>
               <a:defRPr sz="1800" kern="1200">
                 <a:solidFill>
@@ -9228,7 +9375,7 @@
               <a:spcBef>
                 <a:spcPts val="500"/>
               </a:spcBef>
-              <a:buFont typeface="Arial" panose="020B0604020202020204" pitchFamily="34" charset="0"/>
+              <a:buFont typeface="Arial" panose="020B0604020202090204" pitchFamily="34" charset="0"/>
               <a:buChar char="•"/>
               <a:defRPr sz="1800" kern="1200">
                 <a:solidFill>
@@ -9246,7 +9393,7 @@
               <a:spcBef>
                 <a:spcPts val="500"/>
               </a:spcBef>
-              <a:buFont typeface="Arial" panose="020B0604020202020204" pitchFamily="34" charset="0"/>
+              <a:buFont typeface="Arial" panose="020B0604020202090204" pitchFamily="34" charset="0"/>
               <a:buChar char="•"/>
               <a:defRPr sz="1800" kern="1200">
                 <a:solidFill>
@@ -9329,7 +9476,7 @@
 </p:sld>
 </file>
 
-<file path=ppt/slides/slide37.xml><?xml version="1.0" encoding="utf-8"?>
+<file path=ppt/slides/slide38.xml><?xml version="1.0" encoding="utf-8"?>
 <p:sld xmlns:a="http://schemas.openxmlformats.org/drawingml/2006/main" xmlns:r="http://schemas.openxmlformats.org/officeDocument/2006/relationships" xmlns:p="http://schemas.openxmlformats.org/presentationml/2006/main">
   <p:cSld>
     <p:spTree>
@@ -9829,145 +9976,6 @@
 </p:sld>
 </file>
 
-<file path=ppt/slides/slide38.xml><?xml version="1.0" encoding="utf-8"?>
-<p:sld xmlns:a="http://schemas.openxmlformats.org/drawingml/2006/main" xmlns:r="http://schemas.openxmlformats.org/officeDocument/2006/relationships" xmlns:p="http://schemas.openxmlformats.org/presentationml/2006/main">
-  <p:cSld>
-    <p:spTree>
-      <p:nvGrpSpPr>
-        <p:cNvPr id="1" name=""/>
-        <p:cNvGrpSpPr/>
-        <p:nvPr/>
-      </p:nvGrpSpPr>
-      <p:grpSpPr/>
-      <p:sp>
-        <p:nvSpPr>
-          <p:cNvPr id="3" name="Content Placeholder 2"/>
-          <p:cNvSpPr>
-            <a:spLocks noGrp="1"/>
-          </p:cNvSpPr>
-          <p:nvPr>
-            <p:ph idx="1"/>
-          </p:nvPr>
-        </p:nvSpPr>
-        <p:spPr>
-          <a:xfrm>
-            <a:off x="838200" y="1912620"/>
-            <a:ext cx="10515600" cy="4351655"/>
-          </a:xfrm>
-        </p:spPr>
-        <p:txBody>
-          <a:bodyPr/>
-          <a:p>
-            <a:pPr marL="0" indent="0">
-              <a:buNone/>
-            </a:pPr>
-            <a:r>
-              <a:rPr lang="en-US"/>
-              <a:t>1</a:t>
-            </a:r>
-            <a:r>
-              <a:rPr lang="zh-CN" altLang="en-US"/>
-              <a:t>、索引过多，因为要更新索引，会降低插入、修改、删除的性能。</a:t>
-            </a:r>
-            <a:endParaRPr lang="zh-CN" altLang="en-US"/>
-          </a:p>
-          <a:p>
-            <a:pPr marL="0" indent="0">
-              <a:buNone/>
-            </a:pPr>
-            <a:endParaRPr lang="zh-CN" altLang="en-US"/>
-          </a:p>
-          <a:p>
-            <a:pPr marL="0" indent="0">
-              <a:buNone/>
-            </a:pPr>
-            <a:r>
-              <a:rPr lang="en-US" altLang="zh-CN"/>
-              <a:t>2</a:t>
-            </a:r>
-            <a:r>
-              <a:rPr lang="zh-CN" altLang="en-US"/>
-              <a:t>、频繁更新的列尽量不要建索引。</a:t>
-            </a:r>
-            <a:endParaRPr lang="zh-CN" altLang="en-US"/>
-          </a:p>
-          <a:p>
-            <a:pPr marL="0" indent="0">
-              <a:buNone/>
-            </a:pPr>
-            <a:endParaRPr lang="zh-CN" altLang="en-US"/>
-          </a:p>
-          <a:p>
-            <a:pPr marL="0" indent="0">
-              <a:buNone/>
-            </a:pPr>
-            <a:r>
-              <a:rPr lang="en-US" altLang="zh-CN"/>
-              <a:t>3</a:t>
-            </a:r>
-            <a:r>
-              <a:rPr lang="zh-CN" altLang="en-US"/>
-              <a:t>、只对查询条件中的列和排序的列建索引。</a:t>
-            </a:r>
-            <a:endParaRPr lang="zh-CN" altLang="en-US"/>
-          </a:p>
-          <a:p>
-            <a:pPr marL="0" indent="0">
-              <a:buNone/>
-            </a:pPr>
-            <a:endParaRPr lang="zh-CN" altLang="en-US"/>
-          </a:p>
-          <a:p>
-            <a:pPr marL="0" indent="0">
-              <a:buNone/>
-            </a:pPr>
-            <a:r>
-              <a:rPr lang="en-US" altLang="zh-CN"/>
-              <a:t>4</a:t>
-            </a:r>
-            <a:r>
-              <a:rPr lang="zh-CN" altLang="en-US"/>
-              <a:t>、复合索引，将选择性高的、查询频繁的列放前面。</a:t>
-            </a:r>
-            <a:endParaRPr lang="zh-CN" altLang="en-US"/>
-          </a:p>
-          <a:p>
-            <a:pPr marL="0" indent="0">
-              <a:buNone/>
-            </a:pPr>
-            <a:endParaRPr lang="zh-CN" altLang="en-US"/>
-          </a:p>
-        </p:txBody>
-      </p:sp>
-      <p:sp>
-        <p:nvSpPr>
-          <p:cNvPr id="4" name="Title 3"/>
-          <p:cNvSpPr/>
-          <p:nvPr>
-            <p:ph type="title"/>
-          </p:nvPr>
-        </p:nvSpPr>
-        <p:spPr/>
-        <p:txBody>
-          <a:bodyPr/>
-          <a:p>
-            <a:pPr algn="ctr"/>
-            <a:r>
-              <a:rPr lang="zh-CN" altLang="en-US"/>
-              <a:t>索引不是越多越好</a:t>
-            </a:r>
-            <a:endParaRPr lang="zh-CN" altLang="en-US"/>
-          </a:p>
-        </p:txBody>
-      </p:sp>
-    </p:spTree>
-  </p:cSld>
-  <p:clrMapOvr>
-    <a:masterClrMapping/>
-  </p:clrMapOvr>
-</p:sld>
-</file>
-
 <file path=ppt/slides/slide39.xml><?xml version="1.0" encoding="utf-8"?>
 <p:sld xmlns:a="http://schemas.openxmlformats.org/drawingml/2006/main" xmlns:r="http://schemas.openxmlformats.org/officeDocument/2006/relationships" xmlns:p="http://schemas.openxmlformats.org/presentationml/2006/main">
   <p:cSld>
@@ -9980,11 +9988,109 @@
       <p:grpSpPr/>
       <p:sp>
         <p:nvSpPr>
-          <p:cNvPr id="2" name="Title 1"/>
+          <p:cNvPr id="3" name="Content Placeholder 2"/>
           <p:cNvSpPr>
             <a:spLocks noGrp="1"/>
           </p:cNvSpPr>
           <p:nvPr>
+            <p:ph idx="1"/>
+          </p:nvPr>
+        </p:nvSpPr>
+        <p:spPr>
+          <a:xfrm>
+            <a:off x="838200" y="1912620"/>
+            <a:ext cx="10515600" cy="4351655"/>
+          </a:xfrm>
+        </p:spPr>
+        <p:txBody>
+          <a:bodyPr/>
+          <a:p>
+            <a:pPr marL="0" indent="0">
+              <a:buNone/>
+            </a:pPr>
+            <a:r>
+              <a:rPr lang="en-US"/>
+              <a:t>1</a:t>
+            </a:r>
+            <a:r>
+              <a:rPr lang="zh-CN" altLang="en-US"/>
+              <a:t>、索引过多，因为要更新索引，会降低插入、修改、删除的性能。</a:t>
+            </a:r>
+            <a:endParaRPr lang="zh-CN" altLang="en-US"/>
+          </a:p>
+          <a:p>
+            <a:pPr marL="0" indent="0">
+              <a:buNone/>
+            </a:pPr>
+            <a:endParaRPr lang="zh-CN" altLang="en-US"/>
+          </a:p>
+          <a:p>
+            <a:pPr marL="0" indent="0">
+              <a:buNone/>
+            </a:pPr>
+            <a:r>
+              <a:rPr lang="en-US" altLang="zh-CN"/>
+              <a:t>2</a:t>
+            </a:r>
+            <a:r>
+              <a:rPr lang="zh-CN" altLang="en-US"/>
+              <a:t>、频繁更新的列尽量不要建索引。</a:t>
+            </a:r>
+            <a:endParaRPr lang="zh-CN" altLang="en-US"/>
+          </a:p>
+          <a:p>
+            <a:pPr marL="0" indent="0">
+              <a:buNone/>
+            </a:pPr>
+            <a:endParaRPr lang="zh-CN" altLang="en-US"/>
+          </a:p>
+          <a:p>
+            <a:pPr marL="0" indent="0">
+              <a:buNone/>
+            </a:pPr>
+            <a:r>
+              <a:rPr lang="en-US" altLang="zh-CN"/>
+              <a:t>3</a:t>
+            </a:r>
+            <a:r>
+              <a:rPr lang="zh-CN" altLang="en-US"/>
+              <a:t>、只对查询条件中的列和排序的列建索引。</a:t>
+            </a:r>
+            <a:endParaRPr lang="zh-CN" altLang="en-US"/>
+          </a:p>
+          <a:p>
+            <a:pPr marL="0" indent="0">
+              <a:buNone/>
+            </a:pPr>
+            <a:endParaRPr lang="zh-CN" altLang="en-US"/>
+          </a:p>
+          <a:p>
+            <a:pPr marL="0" indent="0">
+              <a:buNone/>
+            </a:pPr>
+            <a:r>
+              <a:rPr lang="en-US" altLang="zh-CN"/>
+              <a:t>4</a:t>
+            </a:r>
+            <a:r>
+              <a:rPr lang="zh-CN" altLang="en-US"/>
+              <a:t>、复合索引，将选择性高的、查询频繁的列放前面。</a:t>
+            </a:r>
+            <a:endParaRPr lang="zh-CN" altLang="en-US"/>
+          </a:p>
+          <a:p>
+            <a:pPr marL="0" indent="0">
+              <a:buNone/>
+            </a:pPr>
+            <a:endParaRPr lang="zh-CN" altLang="en-US"/>
+          </a:p>
+        </p:txBody>
+      </p:sp>
+      <p:sp>
+        <p:nvSpPr>
+          <p:cNvPr id="4" name="Title 3"/>
+          <p:cNvSpPr/>
+          <p:nvPr>
             <p:ph type="title"/>
           </p:nvPr>
         </p:nvSpPr>
@@ -9995,339 +10101,9 @@
             <a:pPr algn="ctr"/>
             <a:r>
               <a:rPr lang="zh-CN" altLang="en-US"/>
-              <a:t>行式存储 </a:t>
-            </a:r>
-            <a:r>
-              <a:rPr lang="en-US" altLang="zh-CN"/>
-              <a:t>vs. </a:t>
-            </a:r>
-            <a:r>
-              <a:rPr lang="zh-CN" altLang="en-US"/>
-              <a:t>列式存储</a:t>
+              <a:t>索引不是越多越好</a:t>
             </a:r>
             <a:endParaRPr lang="zh-CN" altLang="en-US"/>
-          </a:p>
-        </p:txBody>
-      </p:sp>
-      <p:pic>
-        <p:nvPicPr>
-          <p:cNvPr id="4" name="Picture 3"/>
-          <p:cNvPicPr>
-            <a:picLocks noChangeAspect="1"/>
-          </p:cNvPicPr>
-          <p:nvPr/>
-        </p:nvPicPr>
-        <p:blipFill>
-          <a:blip r:embed="rId1"/>
-          <a:stretch>
-            <a:fillRect/>
-          </a:stretch>
-        </p:blipFill>
-        <p:spPr>
-          <a:xfrm>
-            <a:off x="2833370" y="1960245"/>
-            <a:ext cx="6225540" cy="3665855"/>
-          </a:xfrm>
-          <a:prstGeom prst="rect">
-            <a:avLst/>
-          </a:prstGeom>
-        </p:spPr>
-      </p:pic>
-      <p:sp>
-        <p:nvSpPr>
-          <p:cNvPr id="5" name="Title 1"/>
-          <p:cNvSpPr>
-            <a:spLocks noGrp="1"/>
-          </p:cNvSpPr>
-          <p:nvPr/>
-        </p:nvSpPr>
-        <p:spPr>
-          <a:xfrm>
-            <a:off x="226060" y="1771650"/>
-            <a:ext cx="2607310" cy="4766310"/>
-          </a:xfrm>
-          <a:prstGeom prst="rect">
-            <a:avLst/>
-          </a:prstGeom>
-        </p:spPr>
-        <p:txBody>
-          <a:bodyPr vert="horz" lIns="91440" tIns="45720" rIns="91440" bIns="45720" rtlCol="0" anchor="ctr">
-            <a:normAutofit lnSpcReduction="10000"/>
-          </a:bodyPr>
-          <a:lstStyle>
-            <a:lvl1pPr algn="l" defTabSz="914400" rtl="0" eaLnBrk="1" latinLnBrk="0" hangingPunct="1">
-              <a:lnSpc>
-                <a:spcPct val="90000"/>
-              </a:lnSpc>
-              <a:spcBef>
-                <a:spcPct val="0"/>
-              </a:spcBef>
-              <a:buNone/>
-              <a:defRPr sz="4400" kern="1200">
-                <a:solidFill>
-                  <a:schemeClr val="tx1"/>
-                </a:solidFill>
-                <a:latin typeface="+mj-lt"/>
-                <a:ea typeface="+mj-ea"/>
-                <a:cs typeface="+mj-cs"/>
-              </a:defRPr>
-            </a:lvl1pPr>
-          </a:lstStyle>
-          <a:p>
-            <a:pPr algn="ctr"/>
-            <a:r>
-              <a:rPr lang="en-US" altLang="zh-CN"/>
-              <a:t>OLTP</a:t>
-            </a:r>
-            <a:br>
-              <a:rPr lang="en-US" altLang="zh-CN"/>
-            </a:br>
-            <a:r>
-              <a:rPr lang="zh-CN" altLang="en-US"/>
-              <a:t>事务型</a:t>
-            </a:r>
-            <a:endParaRPr lang="zh-CN" altLang="en-US"/>
-          </a:p>
-          <a:p>
-            <a:pPr algn="ctr"/>
-            <a:br>
-              <a:rPr lang="zh-CN" altLang="en-US"/>
-            </a:br>
-            <a:r>
-              <a:rPr lang="zh-CN" altLang="en-US" sz="2400"/>
-              <a:t>原子性</a:t>
-            </a:r>
-            <a:br>
-              <a:rPr lang="zh-CN" altLang="en-US" sz="2400"/>
-            </a:br>
-            <a:r>
-              <a:rPr lang="zh-CN" altLang="en-US" sz="2400"/>
-              <a:t>一致性</a:t>
-            </a:r>
-            <a:br>
-              <a:rPr lang="zh-CN" altLang="en-US" sz="2400"/>
-            </a:br>
-            <a:r>
-              <a:rPr lang="zh-CN" altLang="en-US" sz="2400"/>
-              <a:t>隔离性</a:t>
-            </a:r>
-            <a:endParaRPr lang="zh-CN" altLang="en-US" sz="2400"/>
-          </a:p>
-          <a:p>
-            <a:pPr algn="ctr"/>
-            <a:r>
-              <a:rPr lang="zh-CN" altLang="en-US" sz="2400"/>
-              <a:t>持久性</a:t>
-            </a:r>
-            <a:br>
-              <a:rPr lang="zh-CN" altLang="en-US" sz="2400"/>
-            </a:br>
-            <a:br>
-              <a:rPr lang="zh-CN" altLang="en-US" sz="2400"/>
-            </a:br>
-            <a:endParaRPr lang="zh-CN" altLang="en-US" sz="2400"/>
-          </a:p>
-        </p:txBody>
-      </p:sp>
-      <p:sp>
-        <p:nvSpPr>
-          <p:cNvPr id="6" name="Title 1"/>
-          <p:cNvSpPr>
-            <a:spLocks noGrp="1"/>
-          </p:cNvSpPr>
-          <p:nvPr/>
-        </p:nvSpPr>
-        <p:spPr>
-          <a:xfrm>
-            <a:off x="9208770" y="1960245"/>
-            <a:ext cx="2635885" cy="4051935"/>
-          </a:xfrm>
-          <a:prstGeom prst="rect">
-            <a:avLst/>
-          </a:prstGeom>
-        </p:spPr>
-        <p:txBody>
-          <a:bodyPr vert="horz" lIns="91440" tIns="45720" rIns="91440" bIns="45720" rtlCol="0" anchor="ctr">
-            <a:normAutofit lnSpcReduction="10000"/>
-          </a:bodyPr>
-          <a:lstStyle>
-            <a:lvl1pPr algn="l" defTabSz="914400" rtl="0" eaLnBrk="1" latinLnBrk="0" hangingPunct="1">
-              <a:lnSpc>
-                <a:spcPct val="90000"/>
-              </a:lnSpc>
-              <a:spcBef>
-                <a:spcPct val="0"/>
-              </a:spcBef>
-              <a:buNone/>
-              <a:defRPr sz="4400" kern="1200">
-                <a:solidFill>
-                  <a:schemeClr val="tx1"/>
-                </a:solidFill>
-                <a:latin typeface="+mj-lt"/>
-                <a:ea typeface="+mj-ea"/>
-                <a:cs typeface="+mj-cs"/>
-              </a:defRPr>
-            </a:lvl1pPr>
-          </a:lstStyle>
-          <a:p>
-            <a:pPr algn="ctr"/>
-            <a:r>
-              <a:rPr lang="en-US" altLang="zh-CN"/>
-              <a:t>OLAP</a:t>
-            </a:r>
-            <a:br>
-              <a:rPr lang="en-US" altLang="zh-CN"/>
-            </a:br>
-            <a:r>
-              <a:rPr lang="zh-CN" altLang="en-US"/>
-              <a:t>分析型</a:t>
-            </a:r>
-            <a:br>
-              <a:rPr lang="zh-CN" altLang="en-US"/>
-            </a:br>
-            <a:endParaRPr lang="zh-CN" altLang="en-US"/>
-          </a:p>
-          <a:p>
-            <a:pPr algn="ctr"/>
-            <a:r>
-              <a:rPr lang="zh-CN" altLang="en-US" sz="2400">
-                <a:sym typeface="+mn-ea"/>
-              </a:rPr>
-              <a:t>聚合</a:t>
-            </a:r>
-            <a:br>
-              <a:rPr lang="zh-CN" altLang="en-US" sz="2400">
-                <a:sym typeface="+mn-ea"/>
-              </a:rPr>
-            </a:br>
-            <a:r>
-              <a:rPr lang="zh-CN" altLang="en-US" sz="2400"/>
-              <a:t>排序</a:t>
-            </a:r>
-            <a:endParaRPr lang="zh-CN" altLang="en-US" sz="2400"/>
-          </a:p>
-          <a:p>
-            <a:pPr algn="ctr"/>
-            <a:r>
-              <a:rPr lang="zh-CN" altLang="en-US" sz="2400"/>
-              <a:t>计算</a:t>
-            </a:r>
-            <a:endParaRPr lang="zh-CN" altLang="en-US" sz="2400"/>
-          </a:p>
-        </p:txBody>
-      </p:sp>
-      <p:sp>
-        <p:nvSpPr>
-          <p:cNvPr id="7" name="Title 1"/>
-          <p:cNvSpPr>
-            <a:spLocks noGrp="1"/>
-          </p:cNvSpPr>
-          <p:nvPr/>
-        </p:nvSpPr>
-        <p:spPr>
-          <a:xfrm>
-            <a:off x="2937510" y="4941570"/>
-            <a:ext cx="2607310" cy="1898015"/>
-          </a:xfrm>
-          <a:prstGeom prst="rect">
-            <a:avLst/>
-          </a:prstGeom>
-        </p:spPr>
-        <p:txBody>
-          <a:bodyPr vert="horz" lIns="91440" tIns="45720" rIns="91440" bIns="45720" rtlCol="0" anchor="ctr">
-            <a:normAutofit/>
-          </a:bodyPr>
-          <a:lstStyle>
-            <a:lvl1pPr algn="l" defTabSz="914400" rtl="0" eaLnBrk="1" latinLnBrk="0" hangingPunct="1">
-              <a:lnSpc>
-                <a:spcPct val="90000"/>
-              </a:lnSpc>
-              <a:spcBef>
-                <a:spcPct val="0"/>
-              </a:spcBef>
-              <a:buNone/>
-              <a:defRPr sz="4400" kern="1200">
-                <a:solidFill>
-                  <a:schemeClr val="tx1"/>
-                </a:solidFill>
-                <a:latin typeface="+mj-lt"/>
-                <a:ea typeface="+mj-ea"/>
-                <a:cs typeface="+mj-cs"/>
-              </a:defRPr>
-            </a:lvl1pPr>
-          </a:lstStyle>
-          <a:p>
-            <a:pPr algn="ctr"/>
-            <a:r>
-              <a:rPr lang="zh-CN" altLang="en-US" sz="2400"/>
-              <a:t>以行为单位存储</a:t>
-            </a:r>
-            <a:br>
-              <a:rPr lang="zh-CN" altLang="en-US" sz="2400"/>
-            </a:br>
-            <a:r>
-              <a:rPr lang="zh-CN" altLang="en-US" sz="2400"/>
-              <a:t>便于事务操作</a:t>
-            </a:r>
-            <a:endParaRPr lang="zh-CN" altLang="en-US" sz="2400"/>
-          </a:p>
-        </p:txBody>
-      </p:sp>
-      <p:sp>
-        <p:nvSpPr>
-          <p:cNvPr id="8" name="Title 1"/>
-          <p:cNvSpPr>
-            <a:spLocks noGrp="1"/>
-          </p:cNvSpPr>
-          <p:nvPr/>
-        </p:nvSpPr>
-        <p:spPr>
-          <a:xfrm>
-            <a:off x="6451600" y="4941570"/>
-            <a:ext cx="2607310" cy="1898015"/>
-          </a:xfrm>
-          <a:prstGeom prst="rect">
-            <a:avLst/>
-          </a:prstGeom>
-        </p:spPr>
-        <p:txBody>
-          <a:bodyPr vert="horz" lIns="91440" tIns="45720" rIns="91440" bIns="45720" rtlCol="0" anchor="ctr">
-            <a:normAutofit/>
-          </a:bodyPr>
-          <a:lstStyle>
-            <a:lvl1pPr algn="l" defTabSz="914400" rtl="0" eaLnBrk="1" latinLnBrk="0" hangingPunct="1">
-              <a:lnSpc>
-                <a:spcPct val="90000"/>
-              </a:lnSpc>
-              <a:spcBef>
-                <a:spcPct val="0"/>
-              </a:spcBef>
-              <a:buNone/>
-              <a:defRPr sz="4400" kern="1200">
-                <a:solidFill>
-                  <a:schemeClr val="tx1"/>
-                </a:solidFill>
-                <a:latin typeface="+mj-lt"/>
-                <a:ea typeface="+mj-ea"/>
-                <a:cs typeface="+mj-cs"/>
-              </a:defRPr>
-            </a:lvl1pPr>
-          </a:lstStyle>
-          <a:p>
-            <a:pPr algn="ctr"/>
-            <a:r>
-              <a:rPr lang="zh-CN" altLang="en-US" sz="2400"/>
-              <a:t>以列为单位存储</a:t>
-            </a:r>
-            <a:endParaRPr lang="zh-CN" altLang="en-US" sz="2400"/>
-          </a:p>
-          <a:p>
-            <a:pPr algn="ctr"/>
-            <a:r>
-              <a:rPr lang="zh-CN" altLang="en-US" sz="2400"/>
-              <a:t>便于压缩、读取部分行、表的列数没有限制。</a:t>
-            </a:r>
-            <a:endParaRPr lang="zh-CN" altLang="en-US" sz="2400"/>
           </a:p>
         </p:txBody>
       </p:sp>
@@ -10391,6 +10167,37 @@
         <p:nvPr/>
       </p:nvGrpSpPr>
       <p:grpSpPr/>
+      <p:sp>
+        <p:nvSpPr>
+          <p:cNvPr id="2" name="Title 1"/>
+          <p:cNvSpPr>
+            <a:spLocks noGrp="1"/>
+          </p:cNvSpPr>
+          <p:nvPr>
+            <p:ph type="title"/>
+          </p:nvPr>
+        </p:nvSpPr>
+        <p:spPr/>
+        <p:txBody>
+          <a:bodyPr/>
+          <a:p>
+            <a:pPr algn="ctr"/>
+            <a:r>
+              <a:rPr lang="zh-CN" altLang="en-US"/>
+              <a:t>行式存储 </a:t>
+            </a:r>
+            <a:r>
+              <a:rPr lang="en-US" altLang="zh-CN"/>
+              <a:t>vs. </a:t>
+            </a:r>
+            <a:r>
+              <a:rPr lang="zh-CN" altLang="en-US"/>
+              <a:t>列式存储</a:t>
+            </a:r>
+            <a:endParaRPr lang="zh-CN" altLang="en-US"/>
+          </a:p>
+        </p:txBody>
+      </p:sp>
       <p:pic>
         <p:nvPicPr>
           <p:cNvPr id="4" name="Picture 3"/>
@@ -10407,8 +10214,8 @@
         </p:blipFill>
         <p:spPr>
           <a:xfrm>
-            <a:off x="2183765" y="1056640"/>
-            <a:ext cx="7825105" cy="5581650"/>
+            <a:off x="2833370" y="1960245"/>
+            <a:ext cx="6225540" cy="3665855"/>
           </a:xfrm>
           <a:prstGeom prst="rect">
             <a:avLst/>
@@ -10417,46 +10224,16 @@
       </p:pic>
       <p:sp>
         <p:nvSpPr>
-          <p:cNvPr id="5" name="Title 4"/>
-          <p:cNvSpPr>
-            <a:spLocks noGrp="1"/>
-          </p:cNvSpPr>
-          <p:nvPr>
-            <p:ph type="title"/>
-          </p:nvPr>
-        </p:nvSpPr>
-        <p:spPr>
-          <a:xfrm>
-            <a:off x="838200" y="59055"/>
-            <a:ext cx="10515600" cy="1183640"/>
-          </a:xfrm>
-        </p:spPr>
-        <p:txBody>
-          <a:bodyPr>
-            <a:noAutofit/>
-          </a:bodyPr>
-          <a:p>
-            <a:pPr algn="ctr"/>
-            <a:r>
-              <a:rPr sz="2400"/>
-              <a:t>SELECT name FROM person WHERE id &gt; 10 and age &gt; 20</a:t>
-            </a:r>
-            <a:endParaRPr sz="2400"/>
-          </a:p>
-        </p:txBody>
-      </p:sp>
-      <p:sp>
-        <p:nvSpPr>
-          <p:cNvPr id="6" name="Title 4"/>
+          <p:cNvPr id="5" name="Title 1"/>
           <p:cNvSpPr>
             <a:spLocks noGrp="1"/>
           </p:cNvSpPr>
           <p:nvPr/>
         </p:nvSpPr>
         <p:spPr>
-          <a:xfrm rot="10800000" flipV="1">
-            <a:off x="6638290" y="1242695"/>
-            <a:ext cx="5138420" cy="1316355"/>
+          <a:xfrm>
+            <a:off x="226060" y="1771650"/>
+            <a:ext cx="2607310" cy="4766310"/>
           </a:xfrm>
           <a:prstGeom prst="rect">
             <a:avLst/>
@@ -10464,7 +10241,7 @@
         </p:spPr>
         <p:txBody>
           <a:bodyPr vert="horz" lIns="91440" tIns="45720" rIns="91440" bIns="45720" rtlCol="0" anchor="ctr">
-            <a:noAutofit/>
+            <a:normAutofit lnSpcReduction="10000"/>
           </a:bodyPr>
           <a:lstStyle>
             <a:lvl1pPr algn="l" defTabSz="914400" rtl="0" eaLnBrk="1" latinLnBrk="0" hangingPunct="1">
@@ -10488,10 +10265,258 @@
           <a:p>
             <a:pPr algn="ctr"/>
             <a:r>
-              <a:rPr lang="en-US" sz="2400"/>
-              <a:t>1024k bit = 131KB</a:t>
-            </a:r>
-            <a:endParaRPr lang="en-US" sz="2400"/>
+              <a:rPr lang="en-US" altLang="zh-CN"/>
+              <a:t>OLTP</a:t>
+            </a:r>
+            <a:br>
+              <a:rPr lang="en-US" altLang="zh-CN"/>
+            </a:br>
+            <a:r>
+              <a:rPr lang="zh-CN" altLang="en-US"/>
+              <a:t>事务型</a:t>
+            </a:r>
+            <a:endParaRPr lang="zh-CN" altLang="en-US"/>
+          </a:p>
+          <a:p>
+            <a:pPr algn="ctr"/>
+            <a:br>
+              <a:rPr lang="zh-CN" altLang="en-US"/>
+            </a:br>
+            <a:r>
+              <a:rPr lang="zh-CN" altLang="en-US" sz="2400"/>
+              <a:t>原子性</a:t>
+            </a:r>
+            <a:br>
+              <a:rPr lang="zh-CN" altLang="en-US" sz="2400"/>
+            </a:br>
+            <a:r>
+              <a:rPr lang="zh-CN" altLang="en-US" sz="2400"/>
+              <a:t>一致性</a:t>
+            </a:r>
+            <a:br>
+              <a:rPr lang="zh-CN" altLang="en-US" sz="2400"/>
+            </a:br>
+            <a:r>
+              <a:rPr lang="zh-CN" altLang="en-US" sz="2400"/>
+              <a:t>隔离性</a:t>
+            </a:r>
+            <a:endParaRPr lang="zh-CN" altLang="en-US" sz="2400"/>
+          </a:p>
+          <a:p>
+            <a:pPr algn="ctr"/>
+            <a:r>
+              <a:rPr lang="zh-CN" altLang="en-US" sz="2400"/>
+              <a:t>持久性</a:t>
+            </a:r>
+            <a:br>
+              <a:rPr lang="zh-CN" altLang="en-US" sz="2400"/>
+            </a:br>
+            <a:br>
+              <a:rPr lang="zh-CN" altLang="en-US" sz="2400"/>
+            </a:br>
+            <a:endParaRPr lang="zh-CN" altLang="en-US" sz="2400"/>
+          </a:p>
+        </p:txBody>
+      </p:sp>
+      <p:sp>
+        <p:nvSpPr>
+          <p:cNvPr id="6" name="Title 1"/>
+          <p:cNvSpPr>
+            <a:spLocks noGrp="1"/>
+          </p:cNvSpPr>
+          <p:nvPr/>
+        </p:nvSpPr>
+        <p:spPr>
+          <a:xfrm>
+            <a:off x="9208770" y="1960245"/>
+            <a:ext cx="2635885" cy="4051935"/>
+          </a:xfrm>
+          <a:prstGeom prst="rect">
+            <a:avLst/>
+          </a:prstGeom>
+        </p:spPr>
+        <p:txBody>
+          <a:bodyPr vert="horz" lIns="91440" tIns="45720" rIns="91440" bIns="45720" rtlCol="0" anchor="ctr">
+            <a:normAutofit lnSpcReduction="10000"/>
+          </a:bodyPr>
+          <a:lstStyle>
+            <a:lvl1pPr algn="l" defTabSz="914400" rtl="0" eaLnBrk="1" latinLnBrk="0" hangingPunct="1">
+              <a:lnSpc>
+                <a:spcPct val="90000"/>
+              </a:lnSpc>
+              <a:spcBef>
+                <a:spcPct val="0"/>
+              </a:spcBef>
+              <a:buNone/>
+              <a:defRPr sz="4400" kern="1200">
+                <a:solidFill>
+                  <a:schemeClr val="tx1"/>
+                </a:solidFill>
+                <a:latin typeface="+mj-lt"/>
+                <a:ea typeface="+mj-ea"/>
+                <a:cs typeface="+mj-cs"/>
+              </a:defRPr>
+            </a:lvl1pPr>
+          </a:lstStyle>
+          <a:p>
+            <a:pPr algn="ctr"/>
+            <a:r>
+              <a:rPr lang="en-US" altLang="zh-CN"/>
+              <a:t>OLAP</a:t>
+            </a:r>
+            <a:br>
+              <a:rPr lang="en-US" altLang="zh-CN"/>
+            </a:br>
+            <a:r>
+              <a:rPr lang="zh-CN" altLang="en-US"/>
+              <a:t>分析型</a:t>
+            </a:r>
+            <a:br>
+              <a:rPr lang="zh-CN" altLang="en-US"/>
+            </a:br>
+            <a:endParaRPr lang="zh-CN" altLang="en-US"/>
+          </a:p>
+          <a:p>
+            <a:pPr algn="ctr"/>
+            <a:r>
+              <a:rPr lang="zh-CN" altLang="en-US" sz="2400">
+                <a:sym typeface="+mn-ea"/>
+              </a:rPr>
+              <a:t>聚合</a:t>
+            </a:r>
+            <a:br>
+              <a:rPr lang="zh-CN" altLang="en-US" sz="2400">
+                <a:sym typeface="+mn-ea"/>
+              </a:rPr>
+            </a:br>
+            <a:r>
+              <a:rPr lang="zh-CN" altLang="en-US" sz="2400"/>
+              <a:t>排序</a:t>
+            </a:r>
+            <a:endParaRPr lang="zh-CN" altLang="en-US" sz="2400"/>
+          </a:p>
+          <a:p>
+            <a:pPr algn="ctr"/>
+            <a:r>
+              <a:rPr lang="zh-CN" altLang="en-US" sz="2400"/>
+              <a:t>计算</a:t>
+            </a:r>
+            <a:endParaRPr lang="zh-CN" altLang="en-US" sz="2400"/>
+          </a:p>
+        </p:txBody>
+      </p:sp>
+      <p:sp>
+        <p:nvSpPr>
+          <p:cNvPr id="7" name="Title 1"/>
+          <p:cNvSpPr>
+            <a:spLocks noGrp="1"/>
+          </p:cNvSpPr>
+          <p:nvPr/>
+        </p:nvSpPr>
+        <p:spPr>
+          <a:xfrm>
+            <a:off x="2937510" y="4941570"/>
+            <a:ext cx="2607310" cy="1898015"/>
+          </a:xfrm>
+          <a:prstGeom prst="rect">
+            <a:avLst/>
+          </a:prstGeom>
+        </p:spPr>
+        <p:txBody>
+          <a:bodyPr vert="horz" lIns="91440" tIns="45720" rIns="91440" bIns="45720" rtlCol="0" anchor="ctr">
+            <a:normAutofit/>
+          </a:bodyPr>
+          <a:lstStyle>
+            <a:lvl1pPr algn="l" defTabSz="914400" rtl="0" eaLnBrk="1" latinLnBrk="0" hangingPunct="1">
+              <a:lnSpc>
+                <a:spcPct val="90000"/>
+              </a:lnSpc>
+              <a:spcBef>
+                <a:spcPct val="0"/>
+              </a:spcBef>
+              <a:buNone/>
+              <a:defRPr sz="4400" kern="1200">
+                <a:solidFill>
+                  <a:schemeClr val="tx1"/>
+                </a:solidFill>
+                <a:latin typeface="+mj-lt"/>
+                <a:ea typeface="+mj-ea"/>
+                <a:cs typeface="+mj-cs"/>
+              </a:defRPr>
+            </a:lvl1pPr>
+          </a:lstStyle>
+          <a:p>
+            <a:pPr algn="ctr"/>
+            <a:r>
+              <a:rPr lang="zh-CN" altLang="en-US" sz="2400"/>
+              <a:t>以行为单位存储</a:t>
+            </a:r>
+            <a:br>
+              <a:rPr lang="zh-CN" altLang="en-US" sz="2400"/>
+            </a:br>
+            <a:r>
+              <a:rPr lang="zh-CN" altLang="en-US" sz="2400"/>
+              <a:t>便于事务操作</a:t>
+            </a:r>
+            <a:endParaRPr lang="zh-CN" altLang="en-US" sz="2400"/>
+          </a:p>
+        </p:txBody>
+      </p:sp>
+      <p:sp>
+        <p:nvSpPr>
+          <p:cNvPr id="8" name="Title 1"/>
+          <p:cNvSpPr>
+            <a:spLocks noGrp="1"/>
+          </p:cNvSpPr>
+          <p:nvPr/>
+        </p:nvSpPr>
+        <p:spPr>
+          <a:xfrm>
+            <a:off x="6451600" y="4941570"/>
+            <a:ext cx="2607310" cy="1898015"/>
+          </a:xfrm>
+          <a:prstGeom prst="rect">
+            <a:avLst/>
+          </a:prstGeom>
+        </p:spPr>
+        <p:txBody>
+          <a:bodyPr vert="horz" lIns="91440" tIns="45720" rIns="91440" bIns="45720" rtlCol="0" anchor="ctr">
+            <a:normAutofit/>
+          </a:bodyPr>
+          <a:lstStyle>
+            <a:lvl1pPr algn="l" defTabSz="914400" rtl="0" eaLnBrk="1" latinLnBrk="0" hangingPunct="1">
+              <a:lnSpc>
+                <a:spcPct val="90000"/>
+              </a:lnSpc>
+              <a:spcBef>
+                <a:spcPct val="0"/>
+              </a:spcBef>
+              <a:buNone/>
+              <a:defRPr sz="4400" kern="1200">
+                <a:solidFill>
+                  <a:schemeClr val="tx1"/>
+                </a:solidFill>
+                <a:latin typeface="+mj-lt"/>
+                <a:ea typeface="+mj-ea"/>
+                <a:cs typeface="+mj-cs"/>
+              </a:defRPr>
+            </a:lvl1pPr>
+          </a:lstStyle>
+          <a:p>
+            <a:pPr algn="ctr"/>
+            <a:r>
+              <a:rPr lang="zh-CN" altLang="en-US" sz="2400"/>
+              <a:t>以列为单位存储</a:t>
+            </a:r>
+            <a:endParaRPr lang="zh-CN" altLang="en-US" sz="2400"/>
+          </a:p>
+          <a:p>
+            <a:pPr algn="ctr"/>
+            <a:r>
+              <a:rPr lang="zh-CN" altLang="en-US" sz="2400"/>
+              <a:t>便于压缩、读取部分行、表的列数没有限制。</a:t>
+            </a:r>
+            <a:endParaRPr lang="zh-CN" altLang="en-US" sz="2400"/>
           </a:p>
         </p:txBody>
       </p:sp>
@@ -10513,29 +10538,6 @@
         <p:nvPr/>
       </p:nvGrpSpPr>
       <p:grpSpPr/>
-      <p:sp>
-        <p:nvSpPr>
-          <p:cNvPr id="2" name="Title 1"/>
-          <p:cNvSpPr>
-            <a:spLocks noGrp="1"/>
-          </p:cNvSpPr>
-          <p:nvPr>
-            <p:ph type="title"/>
-          </p:nvPr>
-        </p:nvSpPr>
-        <p:spPr/>
-        <p:txBody>
-          <a:bodyPr/>
-          <a:p>
-            <a:pPr algn="ctr"/>
-            <a:r>
-              <a:rPr lang="zh-CN" altLang="en-US"/>
-              <a:t>数据复制：横向扩展与高可用</a:t>
-            </a:r>
-            <a:endParaRPr lang="zh-CN" altLang="en-US"/>
-          </a:p>
-        </p:txBody>
-      </p:sp>
       <p:pic>
         <p:nvPicPr>
           <p:cNvPr id="4" name="Picture 3"/>
@@ -10552,14 +10554,94 @@
         </p:blipFill>
         <p:spPr>
           <a:xfrm>
-            <a:off x="3138805" y="2047875"/>
-            <a:ext cx="5915025" cy="4137025"/>
+            <a:off x="2183765" y="1056640"/>
+            <a:ext cx="7825105" cy="5581650"/>
           </a:xfrm>
           <a:prstGeom prst="rect">
             <a:avLst/>
           </a:prstGeom>
         </p:spPr>
       </p:pic>
+      <p:sp>
+        <p:nvSpPr>
+          <p:cNvPr id="5" name="Title 4"/>
+          <p:cNvSpPr>
+            <a:spLocks noGrp="1"/>
+          </p:cNvSpPr>
+          <p:nvPr>
+            <p:ph type="title"/>
+          </p:nvPr>
+        </p:nvSpPr>
+        <p:spPr>
+          <a:xfrm>
+            <a:off x="838200" y="59055"/>
+            <a:ext cx="10515600" cy="1183640"/>
+          </a:xfrm>
+        </p:spPr>
+        <p:txBody>
+          <a:bodyPr>
+            <a:noAutofit/>
+          </a:bodyPr>
+          <a:p>
+            <a:pPr algn="ctr"/>
+            <a:r>
+              <a:rPr sz="2400"/>
+              <a:t>SELECT name FROM person WHERE id &gt; 10 and age &gt; 20</a:t>
+            </a:r>
+            <a:endParaRPr sz="2400"/>
+          </a:p>
+        </p:txBody>
+      </p:sp>
+      <p:sp>
+        <p:nvSpPr>
+          <p:cNvPr id="6" name="Title 4"/>
+          <p:cNvSpPr>
+            <a:spLocks noGrp="1"/>
+          </p:cNvSpPr>
+          <p:nvPr/>
+        </p:nvSpPr>
+        <p:spPr>
+          <a:xfrm rot="10800000" flipV="1">
+            <a:off x="6638290" y="1242695"/>
+            <a:ext cx="5138420" cy="1316355"/>
+          </a:xfrm>
+          <a:prstGeom prst="rect">
+            <a:avLst/>
+          </a:prstGeom>
+        </p:spPr>
+        <p:txBody>
+          <a:bodyPr vert="horz" lIns="91440" tIns="45720" rIns="91440" bIns="45720" rtlCol="0" anchor="ctr">
+            <a:noAutofit/>
+          </a:bodyPr>
+          <a:lstStyle>
+            <a:lvl1pPr algn="l" defTabSz="914400" rtl="0" eaLnBrk="1" latinLnBrk="0" hangingPunct="1">
+              <a:lnSpc>
+                <a:spcPct val="90000"/>
+              </a:lnSpc>
+              <a:spcBef>
+                <a:spcPct val="0"/>
+              </a:spcBef>
+              <a:buNone/>
+              <a:defRPr sz="4400" kern="1200">
+                <a:solidFill>
+                  <a:schemeClr val="tx1"/>
+                </a:solidFill>
+                <a:latin typeface="+mj-lt"/>
+                <a:ea typeface="+mj-ea"/>
+                <a:cs typeface="+mj-cs"/>
+              </a:defRPr>
+            </a:lvl1pPr>
+          </a:lstStyle>
+          <a:p>
+            <a:pPr algn="ctr"/>
+            <a:r>
+              <a:rPr lang="en-US" sz="2400"/>
+              <a:t>1024k bit = 131KB</a:t>
+            </a:r>
+            <a:endParaRPr lang="en-US" sz="2400"/>
+          </a:p>
+        </p:txBody>
+      </p:sp>
     </p:spTree>
   </p:cSld>
   <p:clrMapOvr>
@@ -10595,6 +10677,71 @@
             <a:pPr algn="ctr"/>
             <a:r>
               <a:rPr lang="zh-CN" altLang="en-US"/>
+              <a:t>数据复制：横向扩展与高可用</a:t>
+            </a:r>
+            <a:endParaRPr lang="zh-CN" altLang="en-US"/>
+          </a:p>
+        </p:txBody>
+      </p:sp>
+      <p:pic>
+        <p:nvPicPr>
+          <p:cNvPr id="4" name="Picture 3"/>
+          <p:cNvPicPr>
+            <a:picLocks noChangeAspect="1"/>
+          </p:cNvPicPr>
+          <p:nvPr/>
+        </p:nvPicPr>
+        <p:blipFill>
+          <a:blip r:embed="rId1"/>
+          <a:stretch>
+            <a:fillRect/>
+          </a:stretch>
+        </p:blipFill>
+        <p:spPr>
+          <a:xfrm>
+            <a:off x="3138805" y="2047875"/>
+            <a:ext cx="5915025" cy="4137025"/>
+          </a:xfrm>
+          <a:prstGeom prst="rect">
+            <a:avLst/>
+          </a:prstGeom>
+        </p:spPr>
+      </p:pic>
+    </p:spTree>
+  </p:cSld>
+  <p:clrMapOvr>
+    <a:masterClrMapping/>
+  </p:clrMapOvr>
+</p:sld>
+</file>
+
+<file path=ppt/slides/slide43.xml><?xml version="1.0" encoding="utf-8"?>
+<p:sld xmlns:a="http://schemas.openxmlformats.org/drawingml/2006/main" xmlns:r="http://schemas.openxmlformats.org/officeDocument/2006/relationships" xmlns:p="http://schemas.openxmlformats.org/presentationml/2006/main">
+  <p:cSld>
+    <p:spTree>
+      <p:nvGrpSpPr>
+        <p:cNvPr id="1" name=""/>
+        <p:cNvGrpSpPr/>
+        <p:nvPr/>
+      </p:nvGrpSpPr>
+      <p:grpSpPr/>
+      <p:sp>
+        <p:nvSpPr>
+          <p:cNvPr id="2" name="Title 1"/>
+          <p:cNvSpPr>
+            <a:spLocks noGrp="1"/>
+          </p:cNvSpPr>
+          <p:nvPr>
+            <p:ph type="title"/>
+          </p:nvPr>
+        </p:nvSpPr>
+        <p:spPr/>
+        <p:txBody>
+          <a:bodyPr/>
+          <a:p>
+            <a:pPr algn="ctr"/>
+            <a:r>
+              <a:rPr lang="zh-CN" altLang="en-US"/>
               <a:t>同步复制 </a:t>
             </a:r>
             <a:r>
@@ -10641,7 +10788,7 @@
 </p:sld>
 </file>
 
-<file path=ppt/slides/slide43.xml><?xml version="1.0" encoding="utf-8"?>
+<file path=ppt/slides/slide44.xml><?xml version="1.0" encoding="utf-8"?>
 <p:sld xmlns:a="http://schemas.openxmlformats.org/drawingml/2006/main" xmlns:r="http://schemas.openxmlformats.org/officeDocument/2006/relationships" xmlns:p="http://schemas.openxmlformats.org/presentationml/2006/main">
   <p:cSld>
     <p:spTree>
@@ -11622,7 +11769,7 @@
 </p:sld>
 </file>
 
-<file path=ppt/slides/slide44.xml><?xml version="1.0" encoding="utf-8"?>
+<file path=ppt/slides/slide45.xml><?xml version="1.0" encoding="utf-8"?>
 <p:sld xmlns:a="http://schemas.openxmlformats.org/drawingml/2006/main" xmlns:r="http://schemas.openxmlformats.org/officeDocument/2006/relationships" xmlns:p="http://schemas.openxmlformats.org/presentationml/2006/main">
   <p:cSld>
     <p:spTree>
